--- a/pull_test.pptx
+++ b/pull_test.pptx
@@ -3,21 +3,23 @@
 <p:presentation xmlns:a="http://schemas.openxmlformats.org/drawingml/2006/main" xmlns:p="http://schemas.openxmlformats.org/presentationml/2006/main" xmlns:r="http://schemas.openxmlformats.org/officeDocument/2006/relationships" xmlns:p14="http://schemas.microsoft.com/office/powerpoint/2010/main" xmlns:p15="http://schemas.microsoft.com/office/powerpoint/2012/main" xmlns:mc="http://schemas.openxmlformats.org/markup-compatibility/2006">
   <p:sldMasterIdLst>
     <p:sldMasterId id="2147483648" r:id="rId2"/>
-    <p:sldMasterId id="2147483651" r:id="rId3"/>
-    <p:sldMasterId id="2147483654" r:id="rId4"/>
+    <p:sldMasterId id="2147483650" r:id="rId3"/>
+    <p:sldMasterId id="2147483652" r:id="rId4"/>
+    <p:sldMasterId id="2147483654" r:id="rId5"/>
+    <p:sldMasterId id="2147483656" r:id="rId6"/>
   </p:sldMasterIdLst>
   <p:sldIdLst>
-    <p:sldId id="256" r:id="rId5"/>
-    <p:sldId id="257" r:id="rId6"/>
-    <p:sldId id="258" r:id="rId7"/>
+    <p:sldId id="256" r:id="rId7"/>
+    <p:sldId id="257" r:id="rId8"/>
+    <p:sldId id="258" r:id="rId9"/>
   </p:sldIdLst>
   <p:sldSz cx="10080625" cy="5670550"/>
-  <p:notesSz cx="7559675" cy="10691813"/>
+  <p:notesSz cx="7772400" cy="10058400"/>
 </p:presentation>
 </file>
 
 <file path=ppt/slideLayouts/slideLayout1.xml><?xml version="1.0" encoding="utf-8"?>
-<p:sldLayout xmlns:a="http://schemas.openxmlformats.org/drawingml/2006/main" xmlns:p="http://schemas.openxmlformats.org/presentationml/2006/main" xmlns:r="http://schemas.openxmlformats.org/officeDocument/2006/relationships" xmlns:p14="http://schemas.microsoft.com/office/powerpoint/2010/main" xmlns:p15="http://schemas.microsoft.com/office/powerpoint/2012/main" xmlns:mc="http://schemas.openxmlformats.org/markup-compatibility/2006" type="mediaAndTx" preserve="1">
+<p:sldLayout xmlns:a="http://schemas.openxmlformats.org/drawingml/2006/main" xmlns:p="http://schemas.openxmlformats.org/presentationml/2006/main" xmlns:r="http://schemas.openxmlformats.org/officeDocument/2006/relationships" xmlns:p14="http://schemas.microsoft.com/office/powerpoint/2010/main" xmlns:p15="http://schemas.microsoft.com/office/powerpoint/2012/main" xmlns:mc="http://schemas.openxmlformats.org/markup-compatibility/2006" type="blank" preserve="1">
   <p:cSld name="Vivid">
     <p:spTree>
       <p:nvGrpSpPr>
@@ -40,7 +42,7 @@
             <a:spLocks noGrp="1"/>
           </p:cNvSpPr>
           <p:nvPr>
-            <p:ph type="ftr" idx="2"/>
+            <p:ph type="ftr" idx="1"/>
           </p:nvPr>
         </p:nvSpPr>
         <p:spPr/>
@@ -60,14 +62,14 @@
             <a:spLocks noGrp="1"/>
           </p:cNvSpPr>
           <p:nvPr>
-            <p:ph type="sldNum" idx="3"/>
+            <p:ph type="sldNum" idx="2"/>
           </p:nvPr>
         </p:nvSpPr>
         <p:spPr/>
         <p:txBody>
           <a:bodyPr/>
           <a:p>
-            <a:fld id="{7343A366-7BE4-420C-81F0-10407700F7A8}" type="slidenum">
+            <a:fld id="{1567D91D-1AB3-4856-BF30-7FDBCA3015ED}" type="slidenum">
               <a:t>&lt;#&gt;</a:t>
             </a:fld>
           </a:p>
@@ -80,7 +82,7 @@
             <a:spLocks noGrp="1"/>
           </p:cNvSpPr>
           <p:nvPr>
-            <p:ph type="dt" idx="1"/>
+            <p:ph type="dt" idx="3"/>
           </p:nvPr>
         </p:nvSpPr>
         <p:spPr/>
@@ -101,7 +103,7 @@
 
 <file path=ppt/slideLayouts/slideLayout2.xml><?xml version="1.0" encoding="utf-8"?>
 <p:sldLayout xmlns:a="http://schemas.openxmlformats.org/drawingml/2006/main" xmlns:p="http://schemas.openxmlformats.org/presentationml/2006/main" xmlns:r="http://schemas.openxmlformats.org/officeDocument/2006/relationships" xmlns:p14="http://schemas.microsoft.com/office/powerpoint/2010/main" xmlns:p15="http://schemas.microsoft.com/office/powerpoint/2012/main" xmlns:mc="http://schemas.openxmlformats.org/markup-compatibility/2006" type="title" preserve="1">
-  <p:cSld name="Vivid">
+  <p:cSld name="Default">
     <p:spTree>
       <p:nvGrpSpPr>
         <p:cNvPr id="1" name=""/>
@@ -118,7 +120,7 @@
       </p:grpSpPr>
       <p:sp>
         <p:nvSpPr>
-          <p:cNvPr id="6" name="PlaceHolder 1"/>
+          <p:cNvPr id="10" name="PlaceHolder 1"/>
           <p:cNvSpPr>
             <a:spLocks noGrp="1"/>
           </p:cNvSpPr>
@@ -128,48 +130,8 @@
         </p:nvSpPr>
         <p:spPr>
           <a:xfrm>
-            <a:off x="540000" y="270000"/>
-            <a:ext cx="9000000" cy="990000"/>
-          </a:xfrm>
-          <a:prstGeom prst="rect">
-            <a:avLst/>
-          </a:prstGeom>
-          <a:noFill/>
-          <a:ln w="0">
-            <a:noFill/>
-          </a:ln>
-        </p:spPr>
-        <p:txBody>
-          <a:bodyPr lIns="0" rIns="0" tIns="0" bIns="0" anchor="ctr">
-            <a:normAutofit/>
-          </a:bodyPr>
-          <a:p>
-            <a:pPr indent="0">
-              <a:buNone/>
-            </a:pPr>
-            <a:endParaRPr b="0" lang="en-US" sz="4500" spc="-1" strike="noStrike">
-              <a:solidFill>
-                <a:srgbClr val="04617b"/>
-              </a:solidFill>
-              <a:latin typeface="Source Sans Pro Light"/>
-            </a:endParaRPr>
-          </a:p>
-        </p:txBody>
-      </p:sp>
-      <p:sp>
-        <p:nvSpPr>
-          <p:cNvPr id="7" name="PlaceHolder 2"/>
-          <p:cNvSpPr>
-            <a:spLocks noGrp="1"/>
-          </p:cNvSpPr>
-          <p:nvPr>
-            <p:ph type="subTitle"/>
-          </p:nvPr>
-        </p:nvSpPr>
-        <p:spPr>
-          <a:xfrm>
-            <a:off x="540000" y="1440000"/>
-            <a:ext cx="9000000" cy="4050000"/>
+            <a:off x="504000" y="226080"/>
+            <a:ext cx="9072000" cy="946440"/>
           </a:xfrm>
           <a:prstGeom prst="rect">
             <a:avLst/>
@@ -187,11 +149,51 @@
             <a:pPr indent="0" algn="ctr">
               <a:buNone/>
             </a:pPr>
-            <a:endParaRPr b="1" lang="en-US" sz="4000" spc="-1" strike="noStrike">
+            <a:endParaRPr b="0" lang="en-US" sz="4400" spc="-1" strike="noStrike">
               <a:solidFill>
-                <a:srgbClr val="009eda"/>
+                <a:srgbClr val="000000"/>
               </a:solidFill>
-              <a:latin typeface="Source Sans Pro Black"/>
+              <a:latin typeface="Arial"/>
+            </a:endParaRPr>
+          </a:p>
+        </p:txBody>
+      </p:sp>
+      <p:sp>
+        <p:nvSpPr>
+          <p:cNvPr id="11" name="PlaceHolder 2"/>
+          <p:cNvSpPr>
+            <a:spLocks noGrp="1"/>
+          </p:cNvSpPr>
+          <p:nvPr>
+            <p:ph type="subTitle"/>
+          </p:nvPr>
+        </p:nvSpPr>
+        <p:spPr>
+          <a:xfrm>
+            <a:off x="504000" y="1326600"/>
+            <a:ext cx="9072000" cy="3288600"/>
+          </a:xfrm>
+          <a:prstGeom prst="rect">
+            <a:avLst/>
+          </a:prstGeom>
+          <a:noFill/>
+          <a:ln w="0">
+            <a:noFill/>
+          </a:ln>
+        </p:spPr>
+        <p:txBody>
+          <a:bodyPr lIns="0" rIns="0" tIns="0" bIns="0" anchor="ctr">
+            <a:noAutofit/>
+          </a:bodyPr>
+          <a:p>
+            <a:pPr indent="0" algn="ctr">
+              <a:buNone/>
+            </a:pPr>
+            <a:endParaRPr b="0" lang="en-US" sz="3200" spc="-1" strike="noStrike">
+              <a:solidFill>
+                <a:srgbClr val="000000"/>
+              </a:solidFill>
+              <a:latin typeface="Arial"/>
             </a:endParaRPr>
           </a:p>
         </p:txBody>
@@ -203,7 +205,7 @@
             <a:spLocks noGrp="1"/>
           </p:cNvSpPr>
           <p:nvPr>
-            <p:ph type="ftr" idx="2"/>
+            <p:ph type="ftr" idx="4"/>
           </p:nvPr>
         </p:nvSpPr>
         <p:spPr/>
@@ -223,14 +225,14 @@
             <a:spLocks noGrp="1"/>
           </p:cNvSpPr>
           <p:nvPr>
-            <p:ph type="sldNum" idx="3"/>
+            <p:ph type="sldNum" idx="5"/>
           </p:nvPr>
         </p:nvSpPr>
         <p:spPr/>
         <p:txBody>
           <a:bodyPr/>
           <a:p>
-            <a:fld id="{BF707BF0-05DD-4EF7-A22A-A74DF5419532}" type="slidenum">
+            <a:fld id="{198DC8B6-5717-425A-9C1E-C99E243814CA}" type="slidenum">
               <a:t>&lt;#&gt;</a:t>
             </a:fld>
           </a:p>
@@ -243,7 +245,7 @@
             <a:spLocks noGrp="1"/>
           </p:cNvSpPr>
           <p:nvPr>
-            <p:ph type="dt" idx="1"/>
+            <p:ph type="dt" idx="6"/>
           </p:nvPr>
         </p:nvSpPr>
         <p:spPr/>
@@ -281,7 +283,7 @@
       </p:grpSpPr>
       <p:sp>
         <p:nvSpPr>
-          <p:cNvPr id="14" name="PlaceHolder 1"/>
+          <p:cNvPr id="18" name="PlaceHolder 1"/>
           <p:cNvSpPr>
             <a:spLocks noGrp="1"/>
           </p:cNvSpPr>
@@ -291,8 +293,8 @@
         </p:nvSpPr>
         <p:spPr>
           <a:xfrm>
-            <a:off x="540000" y="270000"/>
-            <a:ext cx="9000000" cy="990000"/>
+            <a:off x="504000" y="226080"/>
+            <a:ext cx="9072000" cy="946440"/>
           </a:xfrm>
           <a:prstGeom prst="rect">
             <a:avLst/>
@@ -304,24 +306,24 @@
         </p:spPr>
         <p:txBody>
           <a:bodyPr lIns="0" rIns="0" tIns="0" bIns="0" anchor="ctr">
-            <a:normAutofit/>
+            <a:noAutofit/>
           </a:bodyPr>
           <a:p>
-            <a:pPr indent="0">
+            <a:pPr indent="0" algn="ctr">
               <a:buNone/>
             </a:pPr>
-            <a:endParaRPr b="0" lang="en-US" sz="4500" spc="-1" strike="noStrike">
+            <a:endParaRPr b="0" lang="en-US" sz="4400" spc="-1" strike="noStrike">
               <a:solidFill>
-                <a:srgbClr val="04617b"/>
+                <a:srgbClr val="000000"/>
               </a:solidFill>
-              <a:latin typeface="Source Sans Pro Light"/>
+              <a:latin typeface="Arial"/>
             </a:endParaRPr>
           </a:p>
         </p:txBody>
       </p:sp>
       <p:sp>
         <p:nvSpPr>
-          <p:cNvPr id="15" name="PlaceHolder 2"/>
+          <p:cNvPr id="19" name="PlaceHolder 2"/>
           <p:cNvSpPr>
             <a:spLocks noGrp="1"/>
           </p:cNvSpPr>
@@ -331,8 +333,8 @@
         </p:nvSpPr>
         <p:spPr>
           <a:xfrm>
-            <a:off x="540000" y="1440000"/>
-            <a:ext cx="9000000" cy="4050000"/>
+            <a:off x="504000" y="1326600"/>
+            <a:ext cx="9072000" cy="3288600"/>
           </a:xfrm>
           <a:prstGeom prst="rect">
             <a:avLst/>
@@ -348,16 +350,16 @@
           </a:bodyPr>
           <a:p>
             <a:pPr indent="0">
-              <a:spcAft>
-                <a:spcPts val="1057"/>
-              </a:spcAft>
+              <a:spcBef>
+                <a:spcPts val="1417"/>
+              </a:spcBef>
               <a:buNone/>
             </a:pPr>
-            <a:endParaRPr b="0" lang="en-US" sz="2400" spc="-1" strike="noStrike">
+            <a:endParaRPr b="0" lang="en-US" sz="3200" spc="-1" strike="noStrike">
               <a:solidFill>
                 <a:srgbClr val="000000"/>
               </a:solidFill>
-              <a:latin typeface="Source Sans Pro"/>
+              <a:latin typeface="Arial"/>
             </a:endParaRPr>
           </a:p>
         </p:txBody>
@@ -369,7 +371,7 @@
             <a:spLocks noGrp="1"/>
           </p:cNvSpPr>
           <p:nvPr>
-            <p:ph type="ftr" idx="5"/>
+            <p:ph type="ftr" idx="7"/>
           </p:nvPr>
         </p:nvSpPr>
         <p:spPr/>
@@ -389,14 +391,14 @@
             <a:spLocks noGrp="1"/>
           </p:cNvSpPr>
           <p:nvPr>
-            <p:ph type="sldNum" idx="6"/>
+            <p:ph type="sldNum" idx="8"/>
           </p:nvPr>
         </p:nvSpPr>
         <p:spPr/>
         <p:txBody>
           <a:bodyPr/>
           <a:p>
-            <a:fld id="{34FF0BB7-3BB9-4470-B6B4-BA6825E9B322}" type="slidenum">
+            <a:fld id="{BABEAFFF-96C7-4034-9642-453F45265642}" type="slidenum">
               <a:t>&lt;#&gt;</a:t>
             </a:fld>
           </a:p>
@@ -409,7 +411,7 @@
             <a:spLocks noGrp="1"/>
           </p:cNvSpPr>
           <p:nvPr>
-            <p:ph type="dt" idx="4"/>
+            <p:ph type="dt" idx="9"/>
           </p:nvPr>
         </p:nvSpPr>
         <p:spPr/>
@@ -429,8 +431,8 @@
 </file>
 
 <file path=ppt/slideLayouts/slideLayout4.xml><?xml version="1.0" encoding="utf-8"?>
-<p:sldLayout xmlns:a="http://schemas.openxmlformats.org/drawingml/2006/main" xmlns:p="http://schemas.openxmlformats.org/presentationml/2006/main" xmlns:r="http://schemas.openxmlformats.org/officeDocument/2006/relationships" xmlns:p14="http://schemas.microsoft.com/office/powerpoint/2010/main" xmlns:p15="http://schemas.microsoft.com/office/powerpoint/2012/main" xmlns:mc="http://schemas.openxmlformats.org/markup-compatibility/2006" type="mediaAndTx" preserve="1">
-  <p:cSld name="Vivid1">
+<p:sldLayout xmlns:a="http://schemas.openxmlformats.org/drawingml/2006/main" xmlns:p="http://schemas.openxmlformats.org/presentationml/2006/main" xmlns:r="http://schemas.openxmlformats.org/officeDocument/2006/relationships" xmlns:p14="http://schemas.microsoft.com/office/powerpoint/2010/main" xmlns:p15="http://schemas.microsoft.com/office/powerpoint/2012/main" xmlns:mc="http://schemas.openxmlformats.org/markup-compatibility/2006" type="blank" preserve="1">
+  <p:cSld name="Default 1">
     <p:spTree>
       <p:nvGrpSpPr>
         <p:cNvPr id="1" name=""/>
@@ -452,7 +454,7 @@
             <a:spLocks noGrp="1"/>
           </p:cNvSpPr>
           <p:nvPr>
-            <p:ph type="ftr" idx="5"/>
+            <p:ph type="ftr" idx="10"/>
           </p:nvPr>
         </p:nvSpPr>
         <p:spPr/>
@@ -472,14 +474,14 @@
             <a:spLocks noGrp="1"/>
           </p:cNvSpPr>
           <p:nvPr>
-            <p:ph type="sldNum" idx="6"/>
+            <p:ph type="sldNum" idx="11"/>
           </p:nvPr>
         </p:nvSpPr>
         <p:spPr/>
         <p:txBody>
           <a:bodyPr/>
           <a:p>
-            <a:fld id="{60B7C51A-9682-443F-87F4-4B609E315EA0}" type="slidenum">
+            <a:fld id="{5F067B67-2CAA-4471-8B38-D06E36A25080}" type="slidenum">
               <a:t>&lt;#&gt;</a:t>
             </a:fld>
           </a:p>
@@ -492,7 +494,7 @@
             <a:spLocks noGrp="1"/>
           </p:cNvSpPr>
           <p:nvPr>
-            <p:ph type="dt" idx="4"/>
+            <p:ph type="dt" idx="12"/>
           </p:nvPr>
         </p:nvSpPr>
         <p:spPr/>
@@ -512,7 +514,7 @@
 </file>
 
 <file path=ppt/slideLayouts/slideLayout5.xml><?xml version="1.0" encoding="utf-8"?>
-<p:sldLayout xmlns:a="http://schemas.openxmlformats.org/drawingml/2006/main" xmlns:p="http://schemas.openxmlformats.org/presentationml/2006/main" xmlns:r="http://schemas.openxmlformats.org/officeDocument/2006/relationships" xmlns:p14="http://schemas.microsoft.com/office/powerpoint/2010/main" xmlns:p15="http://schemas.microsoft.com/office/powerpoint/2012/main" xmlns:mc="http://schemas.openxmlformats.org/markup-compatibility/2006" type="mediaAndTx" preserve="1">
+<p:sldLayout xmlns:a="http://schemas.openxmlformats.org/drawingml/2006/main" xmlns:p="http://schemas.openxmlformats.org/presentationml/2006/main" xmlns:r="http://schemas.openxmlformats.org/officeDocument/2006/relationships" xmlns:p14="http://schemas.microsoft.com/office/powerpoint/2010/main" xmlns:p15="http://schemas.microsoft.com/office/powerpoint/2012/main" xmlns:mc="http://schemas.openxmlformats.org/markup-compatibility/2006" type="blank" preserve="1">
   <p:cSld name="Vivid2">
     <p:spTree>
       <p:nvGrpSpPr>
@@ -535,7 +537,7 @@
             <a:spLocks noGrp="1"/>
           </p:cNvSpPr>
           <p:nvPr>
-            <p:ph type="ftr" idx="8"/>
+            <p:ph type="ftr" idx="13"/>
           </p:nvPr>
         </p:nvSpPr>
         <p:spPr/>
@@ -555,14 +557,14 @@
             <a:spLocks noGrp="1"/>
           </p:cNvSpPr>
           <p:nvPr>
-            <p:ph type="sldNum" idx="9"/>
+            <p:ph type="sldNum" idx="14"/>
           </p:nvPr>
         </p:nvSpPr>
         <p:spPr/>
         <p:txBody>
           <a:bodyPr/>
           <a:p>
-            <a:fld id="{8D6DA397-DFA1-4466-8579-BC1C67F684BB}" type="slidenum">
+            <a:fld id="{41C263F7-3DDB-436A-9C0C-4D04268C965C}" type="slidenum">
               <a:t>&lt;#&gt;</a:t>
             </a:fld>
           </a:p>
@@ -575,7 +577,7 @@
             <a:spLocks noGrp="1"/>
           </p:cNvSpPr>
           <p:nvPr>
-            <p:ph type="dt" idx="7"/>
+            <p:ph type="dt" idx="15"/>
           </p:nvPr>
         </p:nvSpPr>
         <p:spPr/>
@@ -620,7 +622,7 @@
         <p:spPr>
           <a:xfrm>
             <a:off x="0" y="3780000"/>
-            <a:ext cx="10080000" cy="1890000"/>
+            <a:ext cx="10078920" cy="1888920"/>
           </a:xfrm>
           <a:prstGeom prst="rect">
             <a:avLst/>
@@ -637,7 +639,7 @@
             <a:noFill/>
           </a:ln>
           <a:effectLst>
-            <a:outerShdw dist="36000" dir="16200000" blurRad="0" rotWithShape="0">
+            <a:outerShdw blurRad="0" dir="16200000" dist="36000" rotWithShape="0">
               <a:srgbClr val="f49100"/>
             </a:outerShdw>
           </a:effectLst>
@@ -653,11 +655,17 @@
             <a:noAutofit/>
           </a:bodyPr>
           <a:p>
+            <a:pPr>
+              <a:lnSpc>
+                <a:spcPct val="100000"/>
+              </a:lnSpc>
+            </a:pPr>
             <a:endParaRPr b="0" lang="en-US" sz="2200" spc="-1" strike="noStrike">
               <a:solidFill>
                 <a:srgbClr val="ffffff"/>
               </a:solidFill>
               <a:latin typeface="Source Sans Pro"/>
+              <a:ea typeface="DejaVu Sans"/>
             </a:endParaRPr>
           </a:p>
         </p:txBody>
@@ -669,13 +677,161 @@
             <a:spLocks noGrp="1"/>
           </p:cNvSpPr>
           <p:nvPr>
-            <p:ph type="dt" idx="1"/>
+            <p:ph type="ftr" idx="1"/>
+          </p:nvPr>
+        </p:nvSpPr>
+        <p:spPr>
+          <a:xfrm>
+            <a:off x="3420000" y="5130000"/>
+            <a:ext cx="3238920" cy="448920"/>
+          </a:xfrm>
+          <a:prstGeom prst="rect">
+            <a:avLst/>
+          </a:prstGeom>
+          <a:noFill/>
+          <a:ln w="0">
+            <a:solidFill>
+              <a:srgbClr val="808080"/>
+            </a:solidFill>
+          </a:ln>
+        </p:spPr>
+        <p:txBody>
+          <a:bodyPr lIns="0" rIns="0" tIns="0" bIns="0" anchor="t">
+            <a:noAutofit/>
+          </a:bodyPr>
+          <a:lstStyle>
+            <a:lvl1pPr indent="0" algn="ctr">
+              <a:lnSpc>
+                <a:spcPct val="100000"/>
+              </a:lnSpc>
+              <a:buNone/>
+              <a:tabLst>
+                <a:tab algn="l" pos="0"/>
+              </a:tabLst>
+              <a:defRPr b="0" lang="en-US" sz="2400" spc="-1" strike="noStrike">
+                <a:solidFill>
+                  <a:srgbClr val="dbf5f9"/>
+                </a:solidFill>
+                <a:latin typeface="Source Sans Pro"/>
+              </a:defRPr>
+            </a:lvl1pPr>
+          </a:lstStyle>
+          <a:p>
+            <a:pPr indent="0" algn="ctr">
+              <a:lnSpc>
+                <a:spcPct val="100000"/>
+              </a:lnSpc>
+              <a:buNone/>
+              <a:tabLst>
+                <a:tab algn="l" pos="0"/>
+              </a:tabLst>
+            </a:pPr>
+            <a:r>
+              <a:rPr b="0" lang="en-US" sz="2400" spc="-1" strike="noStrike">
+                <a:solidFill>
+                  <a:srgbClr val="dbf5f9"/>
+                </a:solidFill>
+                <a:latin typeface="Source Sans Pro"/>
+              </a:rPr>
+              <a:t> </a:t>
+            </a:r>
+            <a:endParaRPr b="0" lang="en-US" sz="2400" spc="-1" strike="noStrike">
+              <a:solidFill>
+                <a:srgbClr val="000000"/>
+              </a:solidFill>
+              <a:latin typeface="Times New Roman"/>
+            </a:endParaRPr>
+          </a:p>
+        </p:txBody>
+      </p:sp>
+      <p:sp>
+        <p:nvSpPr>
+          <p:cNvPr id="2" name="PlaceHolder 2"/>
+          <p:cNvSpPr>
+            <a:spLocks noGrp="1"/>
+          </p:cNvSpPr>
+          <p:nvPr>
+            <p:ph type="sldNum" idx="2"/>
+          </p:nvPr>
+        </p:nvSpPr>
+        <p:spPr>
+          <a:xfrm>
+            <a:off x="7200000" y="5130000"/>
+            <a:ext cx="2338920" cy="448920"/>
+          </a:xfrm>
+          <a:prstGeom prst="rect">
+            <a:avLst/>
+          </a:prstGeom>
+          <a:noFill/>
+          <a:ln w="0">
+            <a:solidFill>
+              <a:srgbClr val="808080"/>
+            </a:solidFill>
+          </a:ln>
+        </p:spPr>
+        <p:txBody>
+          <a:bodyPr lIns="0" rIns="0" tIns="0" bIns="0" anchor="t">
+            <a:noAutofit/>
+          </a:bodyPr>
+          <a:lstStyle>
+            <a:lvl1pPr indent="0" algn="r">
+              <a:lnSpc>
+                <a:spcPct val="100000"/>
+              </a:lnSpc>
+              <a:buNone/>
+              <a:tabLst>
+                <a:tab algn="l" pos="0"/>
+              </a:tabLst>
+              <a:defRPr b="0" lang="en-US" sz="2400" spc="-1" strike="noStrike">
+                <a:solidFill>
+                  <a:srgbClr val="dbf5f9"/>
+                </a:solidFill>
+                <a:latin typeface="Source Sans Pro"/>
+              </a:defRPr>
+            </a:lvl1pPr>
+          </a:lstStyle>
+          <a:p>
+            <a:pPr indent="0" algn="r">
+              <a:lnSpc>
+                <a:spcPct val="100000"/>
+              </a:lnSpc>
+              <a:buNone/>
+              <a:tabLst>
+                <a:tab algn="l" pos="0"/>
+              </a:tabLst>
+            </a:pPr>
+            <a:fld id="{C1E400CC-3124-4FE5-BFE7-04C62B65DB3A}" type="slidenum">
+              <a:rPr b="0" lang="en-US" sz="2400" spc="-1" strike="noStrike">
+                <a:solidFill>
+                  <a:srgbClr val="dbf5f9"/>
+                </a:solidFill>
+                <a:latin typeface="Source Sans Pro"/>
+              </a:rPr>
+              <a:t>2</a:t>
+            </a:fld>
+            <a:endParaRPr b="0" lang="en-US" sz="2400" spc="-1" strike="noStrike">
+              <a:solidFill>
+                <a:srgbClr val="000000"/>
+              </a:solidFill>
+              <a:latin typeface="Times New Roman"/>
+            </a:endParaRPr>
+          </a:p>
+        </p:txBody>
+      </p:sp>
+      <p:sp>
+        <p:nvSpPr>
+          <p:cNvPr id="3" name="PlaceHolder 3"/>
+          <p:cNvSpPr>
+            <a:spLocks noGrp="1"/>
+          </p:cNvSpPr>
+          <p:nvPr>
+            <p:ph type="dt" idx="3"/>
           </p:nvPr>
         </p:nvSpPr>
         <p:spPr>
           <a:xfrm>
             <a:off x="450000" y="5130000"/>
-            <a:ext cx="2340000" cy="450000"/>
+            <a:ext cx="2338920" cy="448920"/>
           </a:xfrm>
           <a:prstGeom prst="rect">
             <a:avLst/>
@@ -694,11 +850,11 @@
           <a:lstStyle>
             <a:lvl1pPr indent="0">
               <a:buNone/>
-              <a:defRPr b="0" lang="en-US" sz="2400" spc="-1" strike="noStrike">
+              <a:defRPr b="0" lang="en-US" sz="1400" spc="-1" strike="noStrike">
                 <a:solidFill>
-                  <a:srgbClr val="dbf5f9"/>
+                  <a:srgbClr val="000000"/>
                 </a:solidFill>
-                <a:latin typeface="Source Sans Pro"/>
+                <a:latin typeface="Times New Roman"/>
               </a:defRPr>
             </a:lvl1pPr>
           </a:lstStyle>
@@ -707,46 +863,169 @@
               <a:buNone/>
             </a:pPr>
             <a:r>
-              <a:rPr b="0" lang="en-US" sz="2400" spc="-1" strike="noStrike">
+              <a:rPr b="0" lang="en-US" sz="1400" spc="-1" strike="noStrike">
                 <a:solidFill>
-                  <a:srgbClr val="dbf5f9"/>
+                  <a:srgbClr val="000000"/>
                 </a:solidFill>
-                <a:latin typeface="Source Sans Pro"/>
-              </a:rPr>
-              <a:t>&lt;date/time&gt;</a:t>
-            </a:r>
-            <a:r>
-              <a:rPr b="0" lang="en-US" sz="2400" spc="-1" strike="noStrike">
-                <a:solidFill>
-                  <a:srgbClr val="dbf5f9"/>
-                </a:solidFill>
-                <a:latin typeface="Source Sans Pro"/>
+                <a:latin typeface="Times New Roman"/>
               </a:rPr>
               <a:t> </a:t>
             </a:r>
-            <a:endParaRPr b="0" lang="en-US" sz="2400" spc="-1" strike="noStrike">
+            <a:endParaRPr b="0" lang="en-US" sz="1400" spc="-1" strike="noStrike">
               <a:solidFill>
-                <a:srgbClr val="dbf5f9"/>
+                <a:srgbClr val="000000"/>
+              </a:solidFill>
+              <a:latin typeface="Times New Roman"/>
+            </a:endParaRPr>
+          </a:p>
+        </p:txBody>
+      </p:sp>
+    </p:spTree>
+  </p:cSld>
+  <p:clrMap bg1="lt1" bg2="lt2" tx1="dk1" tx2="dk2" accent1="accent1" accent2="accent2" accent3="accent3" accent4="accent4" accent5="accent5" accent6="accent6" hlink="hlink" folHlink="folHlink"/>
+  <p:sldLayoutIdLst>
+    <p:sldLayoutId id="2147483649" r:id="rId2"/>
+  </p:sldLayoutIdLst>
+</p:sldMaster>
+</file>
+
+<file path=ppt/slideMasters/slideMaster2.xml><?xml version="1.0" encoding="utf-8"?>
+<p:sldMaster xmlns:a="http://schemas.openxmlformats.org/drawingml/2006/main" xmlns:p="http://schemas.openxmlformats.org/presentationml/2006/main" xmlns:r="http://schemas.openxmlformats.org/officeDocument/2006/relationships" xmlns:p14="http://schemas.microsoft.com/office/powerpoint/2010/main" xmlns:p15="http://schemas.microsoft.com/office/powerpoint/2012/main" xmlns:mc="http://schemas.openxmlformats.org/markup-compatibility/2006">
+  <p:cSld>
+    <p:spTree>
+      <p:nvGrpSpPr>
+        <p:cNvPr id="1" name=""/>
+        <p:cNvGrpSpPr/>
+        <p:nvPr/>
+      </p:nvGrpSpPr>
+      <p:grpSpPr>
+        <a:xfrm>
+          <a:off x="0" y="0"/>
+          <a:ext cx="0" cy="0"/>
+          <a:chOff x="0" y="0"/>
+          <a:chExt cx="0" cy="0"/>
+        </a:xfrm>
+      </p:grpSpPr>
+      <p:sp>
+        <p:nvSpPr>
+          <p:cNvPr id="4" name=""/>
+          <p:cNvSpPr/>
+          <p:nvPr/>
+        </p:nvSpPr>
+        <p:spPr>
+          <a:xfrm>
+            <a:off x="0" y="3780000"/>
+            <a:ext cx="10078920" cy="1888920"/>
+          </a:xfrm>
+          <a:prstGeom prst="rect">
+            <a:avLst/>
+          </a:prstGeom>
+          <a:pattFill prst="lgGrid">
+            <a:fgClr>
+              <a:srgbClr val="3465a4"/>
+            </a:fgClr>
+            <a:bgClr>
+              <a:srgbClr val="009eda"/>
+            </a:bgClr>
+          </a:pattFill>
+          <a:ln w="18000">
+            <a:noFill/>
+          </a:ln>
+          <a:effectLst>
+            <a:outerShdw blurRad="0" dir="16200000" dist="36000" rotWithShape="0">
+              <a:srgbClr val="f49100"/>
+            </a:outerShdw>
+          </a:effectLst>
+        </p:spPr>
+        <p:style>
+          <a:lnRef idx="0"/>
+          <a:fillRef idx="0"/>
+          <a:effectRef idx="0"/>
+          <a:fontRef idx="minor"/>
+        </p:style>
+        <p:txBody>
+          <a:bodyPr wrap="none" lIns="36000" rIns="36000" tIns="36000" bIns="36000" anchor="ctr">
+            <a:noAutofit/>
+          </a:bodyPr>
+          <a:p>
+            <a:pPr>
+              <a:lnSpc>
+                <a:spcPct val="100000"/>
+              </a:lnSpc>
+            </a:pPr>
+            <a:endParaRPr b="0" lang="en-US" sz="2200" spc="-1" strike="noStrike">
+              <a:solidFill>
+                <a:srgbClr val="ffffff"/>
               </a:solidFill>
               <a:latin typeface="Source Sans Pro"/>
+              <a:ea typeface="DejaVu Sans"/>
             </a:endParaRPr>
           </a:p>
         </p:txBody>
       </p:sp>
       <p:sp>
         <p:nvSpPr>
-          <p:cNvPr id="2" name="PlaceHolder 2"/>
+          <p:cNvPr id="5" name="PlaceHolder 1"/>
           <p:cNvSpPr>
             <a:spLocks noGrp="1"/>
           </p:cNvSpPr>
           <p:nvPr>
-            <p:ph type="ftr" idx="2"/>
+            <p:ph type="title"/>
+          </p:nvPr>
+        </p:nvSpPr>
+        <p:spPr>
+          <a:xfrm>
+            <a:off x="504000" y="226080"/>
+            <a:ext cx="9071640" cy="946080"/>
+          </a:xfrm>
+          <a:prstGeom prst="rect">
+            <a:avLst/>
+          </a:prstGeom>
+          <a:noFill/>
+          <a:ln w="0">
+            <a:noFill/>
+          </a:ln>
+        </p:spPr>
+        <p:txBody>
+          <a:bodyPr lIns="0" rIns="0" tIns="0" bIns="0" anchor="ctr">
+            <a:noAutofit/>
+          </a:bodyPr>
+          <a:p>
+            <a:pPr indent="0">
+              <a:buNone/>
+            </a:pPr>
+            <a:r>
+              <a:rPr b="0" lang="en-US" sz="1800" spc="-1" strike="noStrike">
+                <a:solidFill>
+                  <a:srgbClr val="000000"/>
+                </a:solidFill>
+                <a:latin typeface="Arial"/>
+              </a:rPr>
+              <a:t>Click to edit the title text format</a:t>
+            </a:r>
+            <a:endParaRPr b="0" lang="en-US" sz="1800" spc="-1" strike="noStrike">
+              <a:solidFill>
+                <a:srgbClr val="000000"/>
+              </a:solidFill>
+              <a:latin typeface="Arial"/>
+            </a:endParaRPr>
+          </a:p>
+        </p:txBody>
+      </p:sp>
+      <p:sp>
+        <p:nvSpPr>
+          <p:cNvPr id="6" name="PlaceHolder 2"/>
+          <p:cNvSpPr>
+            <a:spLocks noGrp="1"/>
+          </p:cNvSpPr>
+          <p:nvPr>
+            <p:ph type="ftr" idx="4"/>
           </p:nvPr>
         </p:nvSpPr>
         <p:spPr>
           <a:xfrm>
             <a:off x="3420000" y="5130000"/>
-            <a:ext cx="3240000" cy="450000"/>
+            <a:ext cx="3238920" cy="448920"/>
           </a:xfrm>
           <a:prstGeom prst="rect">
             <a:avLst/>
@@ -764,7 +1043,13 @@
           </a:bodyPr>
           <a:lstStyle>
             <a:lvl1pPr indent="0" algn="ctr">
+              <a:lnSpc>
+                <a:spcPct val="100000"/>
+              </a:lnSpc>
               <a:buNone/>
+              <a:tabLst>
+                <a:tab algn="l" pos="0"/>
+              </a:tabLst>
               <a:defRPr b="0" lang="en-US" sz="2400" spc="-1" strike="noStrike">
                 <a:solidFill>
                   <a:srgbClr val="dbf5f9"/>
@@ -775,7 +1060,13 @@
           </a:lstStyle>
           <a:p>
             <a:pPr indent="0" algn="ctr">
+              <a:lnSpc>
+                <a:spcPct val="100000"/>
+              </a:lnSpc>
               <a:buNone/>
+              <a:tabLst>
+                <a:tab algn="l" pos="0"/>
+              </a:tabLst>
             </a:pPr>
             <a:r>
               <a:rPr b="0" lang="en-US" sz="2400" spc="-1" strike="noStrike">
@@ -786,38 +1077,29 @@
               </a:rPr>
               <a:t>&lt;footer&gt;</a:t>
             </a:r>
-            <a:r>
-              <a:rPr b="0" lang="en-US" sz="2400" spc="-1" strike="noStrike">
-                <a:solidFill>
-                  <a:srgbClr val="dbf5f9"/>
-                </a:solidFill>
-                <a:latin typeface="Source Sans Pro"/>
-              </a:rPr>
-              <a:t> </a:t>
-            </a:r>
             <a:endParaRPr b="0" lang="en-US" sz="2400" spc="-1" strike="noStrike">
               <a:solidFill>
-                <a:srgbClr val="dbf5f9"/>
+                <a:srgbClr val="000000"/>
               </a:solidFill>
-              <a:latin typeface="Source Sans Pro"/>
+              <a:latin typeface="Times New Roman"/>
             </a:endParaRPr>
           </a:p>
         </p:txBody>
       </p:sp>
       <p:sp>
         <p:nvSpPr>
-          <p:cNvPr id="3" name="PlaceHolder 3"/>
+          <p:cNvPr id="7" name="PlaceHolder 3"/>
           <p:cNvSpPr>
             <a:spLocks noGrp="1"/>
           </p:cNvSpPr>
           <p:nvPr>
-            <p:ph type="sldNum" idx="3"/>
+            <p:ph type="sldNum" idx="5"/>
           </p:nvPr>
         </p:nvSpPr>
         <p:spPr>
           <a:xfrm>
             <a:off x="7200000" y="5130000"/>
-            <a:ext cx="2340000" cy="450000"/>
+            <a:ext cx="2338920" cy="448920"/>
           </a:xfrm>
           <a:prstGeom prst="rect">
             <a:avLst/>
@@ -835,7 +1117,13 @@
           </a:bodyPr>
           <a:lstStyle>
             <a:lvl1pPr indent="0" algn="r">
+              <a:lnSpc>
+                <a:spcPct val="100000"/>
+              </a:lnSpc>
               <a:buNone/>
+              <a:tabLst>
+                <a:tab algn="l" pos="0"/>
+              </a:tabLst>
               <a:defRPr b="0" lang="en-US" sz="2400" spc="-1" strike="noStrike">
                 <a:solidFill>
                   <a:srgbClr val="dbf5f9"/>
@@ -846,9 +1134,15 @@
           </a:lstStyle>
           <a:p>
             <a:pPr indent="0" algn="r">
+              <a:lnSpc>
+                <a:spcPct val="100000"/>
+              </a:lnSpc>
               <a:buNone/>
+              <a:tabLst>
+                <a:tab algn="l" pos="0"/>
+              </a:tabLst>
             </a:pPr>
-            <a:fld id="{C0991C7A-7BEC-488D-82E2-3793AD535503}" type="slidenum">
+            <a:fld id="{E1D6FDAC-636E-46BB-B4F7-E47E50E038D6}" type="slidenum">
               <a:rPr b="0" lang="en-US" sz="2400" spc="-1" strike="noStrike">
                 <a:solidFill>
                   <a:srgbClr val="dbf5f9"/>
@@ -857,76 +1151,80 @@
               </a:rPr>
               <a:t>&lt;number&gt;</a:t>
             </a:fld>
-            <a:r>
-              <a:rPr b="0" lang="en-US" sz="2400" spc="-1" strike="noStrike">
-                <a:solidFill>
-                  <a:srgbClr val="dbf5f9"/>
-                </a:solidFill>
-                <a:latin typeface="Source Sans Pro"/>
-              </a:rPr>
-              <a:t> </a:t>
-            </a:r>
             <a:endParaRPr b="0" lang="en-US" sz="2400" spc="-1" strike="noStrike">
               <a:solidFill>
-                <a:srgbClr val="dbf5f9"/>
+                <a:srgbClr val="000000"/>
               </a:solidFill>
-              <a:latin typeface="Source Sans Pro"/>
+              <a:latin typeface="Times New Roman"/>
             </a:endParaRPr>
           </a:p>
         </p:txBody>
       </p:sp>
       <p:sp>
         <p:nvSpPr>
-          <p:cNvPr id="4" name="PlaceHolder 4"/>
+          <p:cNvPr id="8" name="PlaceHolder 4"/>
           <p:cNvSpPr>
             <a:spLocks noGrp="1"/>
           </p:cNvSpPr>
           <p:nvPr>
-            <p:ph type="title"/>
+            <p:ph type="dt" idx="6"/>
           </p:nvPr>
         </p:nvSpPr>
         <p:spPr>
           <a:xfrm>
-            <a:off x="450000" y="270000"/>
-            <a:ext cx="9000000" cy="3240000"/>
+            <a:off x="450000" y="5130000"/>
+            <a:ext cx="2338920" cy="448920"/>
           </a:xfrm>
           <a:prstGeom prst="rect">
             <a:avLst/>
           </a:prstGeom>
           <a:noFill/>
           <a:ln w="0">
-            <a:noFill/>
+            <a:solidFill>
+              <a:srgbClr val="808080"/>
+            </a:solidFill>
           </a:ln>
         </p:spPr>
         <p:txBody>
-          <a:bodyPr lIns="0" rIns="0" tIns="0" bIns="0" anchor="b">
-            <a:normAutofit/>
+          <a:bodyPr lIns="0" rIns="0" tIns="0" bIns="0" anchor="t">
+            <a:noAutofit/>
           </a:bodyPr>
+          <a:lstStyle>
+            <a:lvl1pPr indent="0">
+              <a:buNone/>
+              <a:defRPr b="0" lang="en-US" sz="1400" spc="-1" strike="noStrike">
+                <a:solidFill>
+                  <a:srgbClr val="000000"/>
+                </a:solidFill>
+                <a:latin typeface="Times New Roman"/>
+              </a:defRPr>
+            </a:lvl1pPr>
+          </a:lstStyle>
           <a:p>
             <a:pPr indent="0">
               <a:buNone/>
             </a:pPr>
             <a:r>
-              <a:rPr b="0" lang="en-US" sz="6000" spc="-1" strike="noStrike">
+              <a:rPr b="0" lang="en-US" sz="1400" spc="-1" strike="noStrike">
                 <a:solidFill>
-                  <a:srgbClr val="04617b"/>
+                  <a:srgbClr val="000000"/>
                 </a:solidFill>
-                <a:latin typeface="Source Sans Pro Light"/>
+                <a:latin typeface="Times New Roman"/>
               </a:rPr>
-              <a:t>Click to edit the title text format</a:t>
+              <a:t>&lt;date/time&gt;</a:t>
             </a:r>
-            <a:endParaRPr b="0" lang="en-US" sz="6000" spc="-1" strike="noStrike">
+            <a:endParaRPr b="0" lang="en-US" sz="1400" spc="-1" strike="noStrike">
               <a:solidFill>
-                <a:srgbClr val="04617b"/>
+                <a:srgbClr val="000000"/>
               </a:solidFill>
-              <a:latin typeface="Source Sans Pro Light"/>
+              <a:latin typeface="Times New Roman"/>
             </a:endParaRPr>
           </a:p>
         </p:txBody>
       </p:sp>
       <p:sp>
         <p:nvSpPr>
-          <p:cNvPr id="5" name="PlaceHolder 5"/>
+          <p:cNvPr id="9" name="PlaceHolder 5"/>
           <p:cNvSpPr>
             <a:spLocks noGrp="1"/>
           </p:cNvSpPr>
@@ -936,363 +1234,8 @@
         </p:nvSpPr>
         <p:spPr>
           <a:xfrm>
-            <a:off x="450000" y="3870000"/>
-            <a:ext cx="9000000" cy="1170000"/>
-          </a:xfrm>
-          <a:prstGeom prst="rect">
-            <a:avLst/>
-          </a:prstGeom>
-          <a:noFill/>
-          <a:ln w="0">
-            <a:noFill/>
-          </a:ln>
-        </p:spPr>
-        <p:txBody>
-          <a:bodyPr lIns="0" rIns="0" tIns="0" bIns="0" anchor="t">
-            <a:normAutofit fontScale="47132"/>
-          </a:bodyPr>
-          <a:p>
-            <a:pPr marL="432000" indent="-324000">
-              <a:spcAft>
-                <a:spcPts val="924"/>
-              </a:spcAft>
-              <a:buClr>
-                <a:srgbClr val="f49100"/>
-              </a:buClr>
-              <a:buSzPct val="45000"/>
-              <a:buFont typeface="Wingdings" charset="2"/>
-              <a:buChar char=""/>
-            </a:pPr>
-            <a:r>
-              <a:rPr b="0" lang="en-US" sz="2100" spc="-1" strike="noStrike">
-                <a:solidFill>
-                  <a:srgbClr val="dbf5f9"/>
-                </a:solidFill>
-                <a:latin typeface="Source Sans Pro"/>
-              </a:rPr>
-              <a:t>Click to edit the outline text format</a:t>
-            </a:r>
-            <a:endParaRPr b="0" lang="en-US" sz="2100" spc="-1" strike="noStrike">
-              <a:solidFill>
-                <a:srgbClr val="dbf5f9"/>
-              </a:solidFill>
-              <a:latin typeface="Source Sans Pro"/>
-            </a:endParaRPr>
-          </a:p>
-          <a:p>
-            <a:pPr lvl="1" marL="864000" indent="-324000">
-              <a:spcAft>
-                <a:spcPts val="842"/>
-              </a:spcAft>
-              <a:buClr>
-                <a:srgbClr val="f49100"/>
-              </a:buClr>
-              <a:buSzPct val="75000"/>
-              <a:buFont typeface="Symbol" charset="2"/>
-              <a:buChar char=""/>
-            </a:pPr>
-            <a:r>
-              <a:rPr b="0" lang="en-US" sz="1650" spc="-1" strike="noStrike">
-                <a:solidFill>
-                  <a:srgbClr val="dbf5f9"/>
-                </a:solidFill>
-                <a:latin typeface="Source Sans Pro"/>
-              </a:rPr>
-              <a:t>Second Outline Level</a:t>
-            </a:r>
-            <a:endParaRPr b="0" lang="en-US" sz="1650" spc="-1" strike="noStrike">
-              <a:solidFill>
-                <a:srgbClr val="dbf5f9"/>
-              </a:solidFill>
-              <a:latin typeface="Source Sans Pro"/>
-            </a:endParaRPr>
-          </a:p>
-          <a:p>
-            <a:pPr lvl="2" marL="1296000" indent="-288000">
-              <a:spcAft>
-                <a:spcPts val="635"/>
-              </a:spcAft>
-              <a:buClr>
-                <a:srgbClr val="f49100"/>
-              </a:buClr>
-              <a:buSzPct val="45000"/>
-              <a:buFont typeface="Wingdings" charset="2"/>
-              <a:buChar char=""/>
-            </a:pPr>
-            <a:r>
-              <a:rPr b="0" lang="en-US" sz="1800" spc="-1" strike="noStrike">
-                <a:solidFill>
-                  <a:srgbClr val="dbf5f9"/>
-                </a:solidFill>
-                <a:latin typeface="Source Sans Pro"/>
-              </a:rPr>
-              <a:t>Third Outline Level</a:t>
-            </a:r>
-            <a:endParaRPr b="0" lang="en-US" sz="1800" spc="-1" strike="noStrike">
-              <a:solidFill>
-                <a:srgbClr val="dbf5f9"/>
-              </a:solidFill>
-              <a:latin typeface="Source Sans Pro"/>
-            </a:endParaRPr>
-          </a:p>
-          <a:p>
-            <a:pPr lvl="3" marL="1728000" indent="-216000">
-              <a:spcAft>
-                <a:spcPts val="422"/>
-              </a:spcAft>
-              <a:buClr>
-                <a:srgbClr val="f49100"/>
-              </a:buClr>
-              <a:buSzPct val="75000"/>
-              <a:buFont typeface="Symbol" charset="2"/>
-              <a:buChar char=""/>
-            </a:pPr>
-            <a:r>
-              <a:rPr b="0" lang="en-US" sz="1500" spc="-1" strike="noStrike">
-                <a:solidFill>
-                  <a:srgbClr val="dbf5f9"/>
-                </a:solidFill>
-                <a:latin typeface="Source Sans Pro"/>
-              </a:rPr>
-              <a:t>Fourth Outline Level</a:t>
-            </a:r>
-            <a:endParaRPr b="0" lang="en-US" sz="1500" spc="-1" strike="noStrike">
-              <a:solidFill>
-                <a:srgbClr val="dbf5f9"/>
-              </a:solidFill>
-              <a:latin typeface="Source Sans Pro"/>
-            </a:endParaRPr>
-          </a:p>
-          <a:p>
-            <a:pPr lvl="4" marL="2160000" indent="-216000">
-              <a:spcAft>
-                <a:spcPts val="210"/>
-              </a:spcAft>
-              <a:buClr>
-                <a:srgbClr val="f49100"/>
-              </a:buClr>
-              <a:buSzPct val="45000"/>
-              <a:buFont typeface="Wingdings" charset="2"/>
-              <a:buChar char=""/>
-            </a:pPr>
-            <a:r>
-              <a:rPr b="0" lang="en-US" sz="1500" spc="-1" strike="noStrike">
-                <a:solidFill>
-                  <a:srgbClr val="dbf5f9"/>
-                </a:solidFill>
-                <a:latin typeface="Source Sans Pro"/>
-              </a:rPr>
-              <a:t>Fifth Outline Level</a:t>
-            </a:r>
-            <a:endParaRPr b="0" lang="en-US" sz="1500" spc="-1" strike="noStrike">
-              <a:solidFill>
-                <a:srgbClr val="dbf5f9"/>
-              </a:solidFill>
-              <a:latin typeface="Source Sans Pro"/>
-            </a:endParaRPr>
-          </a:p>
-          <a:p>
-            <a:pPr lvl="5" marL="2592000" indent="-216000">
-              <a:spcAft>
-                <a:spcPts val="210"/>
-              </a:spcAft>
-              <a:buClr>
-                <a:srgbClr val="f49100"/>
-              </a:buClr>
-              <a:buSzPct val="45000"/>
-              <a:buFont typeface="Wingdings" charset="2"/>
-              <a:buChar char=""/>
-            </a:pPr>
-            <a:r>
-              <a:rPr b="0" lang="en-US" sz="1500" spc="-1" strike="noStrike">
-                <a:solidFill>
-                  <a:srgbClr val="dbf5f9"/>
-                </a:solidFill>
-                <a:latin typeface="Source Sans Pro"/>
-              </a:rPr>
-              <a:t>Sixth Outline Level</a:t>
-            </a:r>
-            <a:endParaRPr b="0" lang="en-US" sz="1500" spc="-1" strike="noStrike">
-              <a:solidFill>
-                <a:srgbClr val="dbf5f9"/>
-              </a:solidFill>
-              <a:latin typeface="Source Sans Pro"/>
-            </a:endParaRPr>
-          </a:p>
-          <a:p>
-            <a:pPr lvl="6" marL="3024000" indent="-216000">
-              <a:spcAft>
-                <a:spcPts val="210"/>
-              </a:spcAft>
-              <a:buClr>
-                <a:srgbClr val="f49100"/>
-              </a:buClr>
-              <a:buSzPct val="45000"/>
-              <a:buFont typeface="Wingdings" charset="2"/>
-              <a:buChar char=""/>
-            </a:pPr>
-            <a:r>
-              <a:rPr b="0" lang="en-US" sz="1500" spc="-1" strike="noStrike">
-                <a:solidFill>
-                  <a:srgbClr val="dbf5f9"/>
-                </a:solidFill>
-                <a:latin typeface="Source Sans Pro"/>
-              </a:rPr>
-              <a:t>Seventh Outline Level</a:t>
-            </a:r>
-            <a:endParaRPr b="0" lang="en-US" sz="1500" spc="-1" strike="noStrike">
-              <a:solidFill>
-                <a:srgbClr val="dbf5f9"/>
-              </a:solidFill>
-              <a:latin typeface="Source Sans Pro"/>
-            </a:endParaRPr>
-          </a:p>
-        </p:txBody>
-      </p:sp>
-    </p:spTree>
-  </p:cSld>
-  <p:clrMap bg1="lt1" bg2="lt2" tx1="dk1" tx2="dk2" accent1="accent1" accent2="accent2" accent3="accent3" accent4="accent4" accent5="accent5" accent6="accent6" hlink="hlink" folHlink="folHlink"/>
-  <p:sldLayoutIdLst>
-    <p:sldLayoutId id="2147483649" r:id="rId2"/>
-    <p:sldLayoutId id="2147483650" r:id="rId3"/>
-  </p:sldLayoutIdLst>
-</p:sldMaster>
-</file>
-
-<file path=ppt/slideMasters/slideMaster2.xml><?xml version="1.0" encoding="utf-8"?>
-<p:sldMaster xmlns:a="http://schemas.openxmlformats.org/drawingml/2006/main" xmlns:p="http://schemas.openxmlformats.org/presentationml/2006/main" xmlns:r="http://schemas.openxmlformats.org/officeDocument/2006/relationships" xmlns:p14="http://schemas.microsoft.com/office/powerpoint/2010/main" xmlns:p15="http://schemas.microsoft.com/office/powerpoint/2012/main" xmlns:mc="http://schemas.openxmlformats.org/markup-compatibility/2006">
-  <p:cSld>
-    <p:bg>
-      <p:bgPr/>
-    </p:bg>
-    <p:spTree>
-      <p:nvGrpSpPr>
-        <p:cNvPr id="1" name=""/>
-        <p:cNvGrpSpPr/>
-        <p:nvPr/>
-      </p:nvGrpSpPr>
-      <p:grpSpPr>
-        <a:xfrm>
-          <a:off x="0" y="0"/>
-          <a:ext cx="0" cy="0"/>
-          <a:chOff x="0" y="0"/>
-          <a:chExt cx="0" cy="0"/>
-        </a:xfrm>
-      </p:grpSpPr>
-      <p:sp>
-        <p:nvSpPr>
-          <p:cNvPr id="8" name=""/>
-          <p:cNvSpPr/>
-          <p:nvPr/>
-        </p:nvSpPr>
-        <p:spPr>
-          <a:xfrm flipV="1">
-            <a:off x="0" y="0"/>
-            <a:ext cx="10080000" cy="1080000"/>
-          </a:xfrm>
-          <a:prstGeom prst="rect">
-            <a:avLst/>
-          </a:prstGeom>
-          <a:pattFill prst="lgGrid">
-            <a:fgClr>
-              <a:srgbClr val="3465a4"/>
-            </a:fgClr>
-            <a:bgClr>
-              <a:srgbClr val="009eda"/>
-            </a:bgClr>
-          </a:pattFill>
-          <a:ln w="18000">
-            <a:noFill/>
-          </a:ln>
-          <a:effectLst>
-            <a:outerShdw dist="10800" dir="5400000" blurRad="0" rotWithShape="0">
-              <a:srgbClr val="f49100"/>
-            </a:outerShdw>
-          </a:effectLst>
-        </p:spPr>
-        <p:style>
-          <a:lnRef idx="0"/>
-          <a:fillRef idx="0"/>
-          <a:effectRef idx="0"/>
-          <a:fontRef idx="minor"/>
-        </p:style>
-        <p:txBody>
-          <a:bodyPr wrap="none" lIns="36000" rIns="36000" tIns="36000" bIns="36000" anchor="ctr">
-            <a:noAutofit/>
-          </a:bodyPr>
-          <a:p>
-            <a:endParaRPr b="0" lang="en-US" sz="2200" spc="-1" strike="noStrike">
-              <a:solidFill>
-                <a:srgbClr val="ffffff"/>
-              </a:solidFill>
-              <a:latin typeface="Source Sans Pro"/>
-            </a:endParaRPr>
-          </a:p>
-        </p:txBody>
-      </p:sp>
-      <p:sp>
-        <p:nvSpPr>
-          <p:cNvPr id="9" name="PlaceHolder 1"/>
-          <p:cNvSpPr>
-            <a:spLocks noGrp="1"/>
-          </p:cNvSpPr>
-          <p:nvPr>
-            <p:ph type="title"/>
-          </p:nvPr>
-        </p:nvSpPr>
-        <p:spPr>
-          <a:xfrm>
-            <a:off x="540000" y="90000"/>
-            <a:ext cx="9000000" cy="990000"/>
-          </a:xfrm>
-          <a:prstGeom prst="rect">
-            <a:avLst/>
-          </a:prstGeom>
-          <a:noFill/>
-          <a:ln w="0">
-            <a:noFill/>
-          </a:ln>
-        </p:spPr>
-        <p:txBody>
-          <a:bodyPr lIns="0" rIns="0" tIns="0" bIns="0" anchor="b">
-            <a:normAutofit/>
-          </a:bodyPr>
-          <a:p>
-            <a:pPr indent="0">
-              <a:buNone/>
-            </a:pPr>
-            <a:r>
-              <a:rPr b="0" lang="en-US" sz="4500" spc="-1" strike="noStrike">
-                <a:solidFill>
-                  <a:srgbClr val="ffffff"/>
-                </a:solidFill>
-                <a:latin typeface="Source Sans Pro Light"/>
-              </a:rPr>
-              <a:t>Click to edit the title text format</a:t>
-            </a:r>
-            <a:endParaRPr b="0" lang="en-US" sz="4500" spc="-1" strike="noStrike">
-              <a:solidFill>
-                <a:srgbClr val="ffffff"/>
-              </a:solidFill>
-              <a:latin typeface="Source Sans Pro Light"/>
-            </a:endParaRPr>
-          </a:p>
-        </p:txBody>
-      </p:sp>
-      <p:sp>
-        <p:nvSpPr>
-          <p:cNvPr id="10" name="PlaceHolder 2"/>
-          <p:cNvSpPr>
-            <a:spLocks noGrp="1"/>
-          </p:cNvSpPr>
-          <p:nvPr>
-            <p:ph type="body"/>
-          </p:nvPr>
-        </p:nvSpPr>
-        <p:spPr>
-          <a:xfrm>
-            <a:off x="540000" y="1440000"/>
-            <a:ext cx="9000000" cy="3510000"/>
+            <a:off x="504000" y="1326600"/>
+            <a:ext cx="9072000" cy="3288600"/>
           </a:xfrm>
           <a:prstGeom prst="rect">
             <a:avLst/>
@@ -1308,11 +1251,67 @@
           </a:bodyPr>
           <a:p>
             <a:pPr marL="432000" indent="-324000">
-              <a:spcAft>
-                <a:spcPts val="1054"/>
-              </a:spcAft>
+              <a:spcBef>
+                <a:spcPts val="1417"/>
+              </a:spcBef>
               <a:buClr>
-                <a:srgbClr val="009eda"/>
+                <a:srgbClr val="000000"/>
+              </a:buClr>
+              <a:buSzPct val="45000"/>
+              <a:buFont typeface="Wingdings" charset="2"/>
+              <a:buChar char=""/>
+            </a:pPr>
+            <a:r>
+              <a:rPr b="0" lang="en-US" sz="3200" spc="-1" strike="noStrike">
+                <a:solidFill>
+                  <a:srgbClr val="000000"/>
+                </a:solidFill>
+                <a:latin typeface="Arial"/>
+              </a:rPr>
+              <a:t>Click to edit the outline text format</a:t>
+            </a:r>
+            <a:endParaRPr b="0" lang="en-US" sz="3200" spc="-1" strike="noStrike">
+              <a:solidFill>
+                <a:srgbClr val="000000"/>
+              </a:solidFill>
+              <a:latin typeface="Arial"/>
+            </a:endParaRPr>
+          </a:p>
+          <a:p>
+            <a:pPr lvl="1" marL="864000" indent="-324000">
+              <a:spcBef>
+                <a:spcPts val="1134"/>
+              </a:spcBef>
+              <a:buClr>
+                <a:srgbClr val="000000"/>
+              </a:buClr>
+              <a:buSzPct val="75000"/>
+              <a:buFont typeface="Symbol" charset="2"/>
+              <a:buChar char=""/>
+            </a:pPr>
+            <a:r>
+              <a:rPr b="0" lang="en-US" sz="2800" spc="-1" strike="noStrike">
+                <a:solidFill>
+                  <a:srgbClr val="000000"/>
+                </a:solidFill>
+                <a:latin typeface="Arial"/>
+              </a:rPr>
+              <a:t>Second Outline Level</a:t>
+            </a:r>
+            <a:endParaRPr b="0" lang="en-US" sz="2800" spc="-1" strike="noStrike">
+              <a:solidFill>
+                <a:srgbClr val="000000"/>
+              </a:solidFill>
+              <a:latin typeface="Arial"/>
+            </a:endParaRPr>
+          </a:p>
+          <a:p>
+            <a:pPr lvl="2" marL="1296000" indent="-288000">
+              <a:spcBef>
+                <a:spcPts val="850"/>
+              </a:spcBef>
+              <a:buClr>
+                <a:srgbClr val="000000"/>
               </a:buClr>
               <a:buSzPct val="45000"/>
               <a:buFont typeface="Wingdings" charset="2"/>
@@ -1323,390 +1322,127 @@
                 <a:solidFill>
                   <a:srgbClr val="000000"/>
                 </a:solidFill>
-                <a:latin typeface="Source Sans Pro"/>
+                <a:latin typeface="Arial"/>
               </a:rPr>
-              <a:t>Click to edit the outline text format</a:t>
+              <a:t>Third Outline Level</a:t>
             </a:r>
             <a:endParaRPr b="0" lang="en-US" sz="2400" spc="-1" strike="noStrike">
               <a:solidFill>
                 <a:srgbClr val="000000"/>
               </a:solidFill>
-              <a:latin typeface="Source Sans Pro"/>
+              <a:latin typeface="Arial"/>
             </a:endParaRPr>
           </a:p>
           <a:p>
-            <a:pPr lvl="1" marL="864000" indent="-324000">
-              <a:spcAft>
-                <a:spcPts val="842"/>
-              </a:spcAft>
+            <a:pPr lvl="3" marL="1728000" indent="-216000">
+              <a:spcBef>
+                <a:spcPts val="567"/>
+              </a:spcBef>
               <a:buClr>
-                <a:srgbClr val="009eda"/>
+                <a:srgbClr val="000000"/>
+              </a:buClr>
+              <a:buSzPct val="75000"/>
+              <a:buFont typeface="Symbol" charset="2"/>
+              <a:buChar char=""/>
+            </a:pPr>
+            <a:r>
+              <a:rPr b="0" lang="en-US" sz="2000" spc="-1" strike="noStrike">
+                <a:solidFill>
+                  <a:srgbClr val="000000"/>
+                </a:solidFill>
+                <a:latin typeface="Arial"/>
+              </a:rPr>
+              <a:t>Fourth Outline Level</a:t>
+            </a:r>
+            <a:endParaRPr b="0" lang="en-US" sz="2000" spc="-1" strike="noStrike">
+              <a:solidFill>
+                <a:srgbClr val="000000"/>
+              </a:solidFill>
+              <a:latin typeface="Arial"/>
+            </a:endParaRPr>
+          </a:p>
+          <a:p>
+            <a:pPr lvl="4" marL="2160000" indent="-216000">
+              <a:spcBef>
+                <a:spcPts val="283"/>
+              </a:spcBef>
+              <a:buClr>
+                <a:srgbClr val="000000"/>
               </a:buClr>
               <a:buSzPct val="45000"/>
               <a:buFont typeface="Wingdings" charset="2"/>
               <a:buChar char=""/>
             </a:pPr>
             <a:r>
-              <a:rPr b="0" lang="en-US" sz="2100" spc="-1" strike="noStrike">
+              <a:rPr b="0" lang="en-US" sz="2000" spc="-1" strike="noStrike">
                 <a:solidFill>
                   <a:srgbClr val="000000"/>
                 </a:solidFill>
-                <a:latin typeface="Source Sans Pro"/>
+                <a:latin typeface="Arial"/>
               </a:rPr>
-              <a:t>Second Outline Level</a:t>
+              <a:t>Fifth Outline Level</a:t>
             </a:r>
-            <a:endParaRPr b="0" lang="en-US" sz="2100" spc="-1" strike="noStrike">
+            <a:endParaRPr b="0" lang="en-US" sz="2000" spc="-1" strike="noStrike">
               <a:solidFill>
                 <a:srgbClr val="000000"/>
               </a:solidFill>
-              <a:latin typeface="Source Sans Pro"/>
+              <a:latin typeface="Arial"/>
             </a:endParaRPr>
           </a:p>
           <a:p>
-            <a:pPr lvl="2" marL="1296000" indent="-288000">
-              <a:spcAft>
-                <a:spcPts val="635"/>
-              </a:spcAft>
+            <a:pPr lvl="5" marL="2592000" indent="-216000">
+              <a:spcBef>
+                <a:spcPts val="283"/>
+              </a:spcBef>
               <a:buClr>
-                <a:srgbClr val="009eda"/>
+                <a:srgbClr val="000000"/>
               </a:buClr>
               <a:buSzPct val="45000"/>
               <a:buFont typeface="Wingdings" charset="2"/>
               <a:buChar char=""/>
             </a:pPr>
             <a:r>
-              <a:rPr b="0" lang="en-US" sz="1800" spc="-1" strike="noStrike">
+              <a:rPr b="0" lang="en-US" sz="2000" spc="-1" strike="noStrike">
                 <a:solidFill>
                   <a:srgbClr val="000000"/>
                 </a:solidFill>
-                <a:latin typeface="Source Sans Pro"/>
+                <a:latin typeface="Arial"/>
               </a:rPr>
-              <a:t>Third Outline Level</a:t>
+              <a:t>Sixth Outline Level</a:t>
             </a:r>
-            <a:endParaRPr b="0" lang="en-US" sz="1800" spc="-1" strike="noStrike">
+            <a:endParaRPr b="0" lang="en-US" sz="2000" spc="-1" strike="noStrike">
               <a:solidFill>
                 <a:srgbClr val="000000"/>
               </a:solidFill>
-              <a:latin typeface="Source Sans Pro"/>
+              <a:latin typeface="Arial"/>
             </a:endParaRPr>
           </a:p>
           <a:p>
-            <a:pPr lvl="3" marL="1728000" indent="-216000">
-              <a:spcAft>
-                <a:spcPts val="422"/>
-              </a:spcAft>
+            <a:pPr lvl="6" marL="3024000" indent="-216000">
+              <a:spcBef>
+                <a:spcPts val="283"/>
+              </a:spcBef>
               <a:buClr>
-                <a:srgbClr val="009eda"/>
+                <a:srgbClr val="000000"/>
               </a:buClr>
               <a:buSzPct val="45000"/>
               <a:buFont typeface="Wingdings" charset="2"/>
               <a:buChar char=""/>
             </a:pPr>
             <a:r>
-              <a:rPr b="0" lang="en-US" sz="1800" spc="-1" strike="noStrike">
+              <a:rPr b="0" lang="en-US" sz="2000" spc="-1" strike="noStrike">
                 <a:solidFill>
                   <a:srgbClr val="000000"/>
                 </a:solidFill>
-                <a:latin typeface="Source Sans Pro"/>
-              </a:rPr>
-              <a:t>Fourth Outline Level</a:t>
-            </a:r>
-            <a:endParaRPr b="0" lang="en-US" sz="1800" spc="-1" strike="noStrike">
-              <a:solidFill>
-                <a:srgbClr val="000000"/>
-              </a:solidFill>
-              <a:latin typeface="Source Sans Pro"/>
-            </a:endParaRPr>
-          </a:p>
-          <a:p>
-            <a:pPr lvl="4" marL="2160000" indent="-216000">
-              <a:spcAft>
-                <a:spcPts val="210"/>
-              </a:spcAft>
-              <a:buClr>
-                <a:srgbClr val="009eda"/>
-              </a:buClr>
-              <a:buSzPct val="45000"/>
-              <a:buFont typeface="Wingdings" charset="2"/>
-              <a:buChar char=""/>
-            </a:pPr>
-            <a:r>
-              <a:rPr b="0" lang="en-US" sz="1800" spc="-1" strike="noStrike">
-                <a:solidFill>
-                  <a:srgbClr val="000000"/>
-                </a:solidFill>
-                <a:latin typeface="Source Sans Pro"/>
-              </a:rPr>
-              <a:t>Fifth Outline Level</a:t>
-            </a:r>
-            <a:endParaRPr b="0" lang="en-US" sz="1800" spc="-1" strike="noStrike">
-              <a:solidFill>
-                <a:srgbClr val="000000"/>
-              </a:solidFill>
-              <a:latin typeface="Source Sans Pro"/>
-            </a:endParaRPr>
-          </a:p>
-          <a:p>
-            <a:pPr lvl="5" marL="2592000" indent="-216000">
-              <a:spcAft>
-                <a:spcPts val="210"/>
-              </a:spcAft>
-              <a:buClr>
-                <a:srgbClr val="009eda"/>
-              </a:buClr>
-              <a:buSzPct val="45000"/>
-              <a:buFont typeface="Wingdings" charset="2"/>
-              <a:buChar char=""/>
-            </a:pPr>
-            <a:r>
-              <a:rPr b="0" lang="en-US" sz="1800" spc="-1" strike="noStrike">
-                <a:solidFill>
-                  <a:srgbClr val="000000"/>
-                </a:solidFill>
-                <a:latin typeface="Source Sans Pro"/>
-              </a:rPr>
-              <a:t>Sixth Outline Level</a:t>
-            </a:r>
-            <a:endParaRPr b="0" lang="en-US" sz="1800" spc="-1" strike="noStrike">
-              <a:solidFill>
-                <a:srgbClr val="000000"/>
-              </a:solidFill>
-              <a:latin typeface="Source Sans Pro"/>
-            </a:endParaRPr>
-          </a:p>
-          <a:p>
-            <a:pPr lvl="6" marL="3024000" indent="-216000">
-              <a:spcAft>
-                <a:spcPts val="210"/>
-              </a:spcAft>
-              <a:buClr>
-                <a:srgbClr val="009eda"/>
-              </a:buClr>
-              <a:buSzPct val="45000"/>
-              <a:buFont typeface="Wingdings" charset="2"/>
-              <a:buChar char=""/>
-            </a:pPr>
-            <a:r>
-              <a:rPr b="0" lang="en-US" sz="1800" spc="-1" strike="noStrike">
-                <a:solidFill>
-                  <a:srgbClr val="000000"/>
-                </a:solidFill>
-                <a:latin typeface="Source Sans Pro"/>
+                <a:latin typeface="Arial"/>
               </a:rPr>
               <a:t>Seventh Outline Level</a:t>
             </a:r>
-            <a:endParaRPr b="0" lang="en-US" sz="1800" spc="-1" strike="noStrike">
+            <a:endParaRPr b="0" lang="en-US" sz="2000" spc="-1" strike="noStrike">
               <a:solidFill>
                 <a:srgbClr val="000000"/>
               </a:solidFill>
-              <a:latin typeface="Source Sans Pro"/>
-            </a:endParaRPr>
-          </a:p>
-        </p:txBody>
-      </p:sp>
-      <p:sp>
-        <p:nvSpPr>
-          <p:cNvPr id="11" name="PlaceHolder 3"/>
-          <p:cNvSpPr>
-            <a:spLocks noGrp="1"/>
-          </p:cNvSpPr>
-          <p:nvPr>
-            <p:ph type="dt" idx="4"/>
-          </p:nvPr>
-        </p:nvSpPr>
-        <p:spPr>
-          <a:xfrm>
-            <a:off x="540000" y="5130000"/>
-            <a:ext cx="2340000" cy="450000"/>
-          </a:xfrm>
-          <a:prstGeom prst="rect">
-            <a:avLst/>
-          </a:prstGeom>
-          <a:noFill/>
-          <a:ln w="0">
-            <a:noFill/>
-          </a:ln>
-        </p:spPr>
-        <p:txBody>
-          <a:bodyPr lIns="0" rIns="0" tIns="0" bIns="0" anchor="t">
-            <a:noAutofit/>
-          </a:bodyPr>
-          <a:lstStyle>
-            <a:lvl1pPr indent="0">
-              <a:buNone/>
-              <a:defRPr b="0" lang="en-US" sz="2400" spc="-1" strike="noStrike">
-                <a:solidFill>
-                  <a:srgbClr val="484848"/>
-                </a:solidFill>
-                <a:latin typeface="Source Sans Pro"/>
-              </a:defRPr>
-            </a:lvl1pPr>
-          </a:lstStyle>
-          <a:p>
-            <a:pPr indent="0">
-              <a:buNone/>
-            </a:pPr>
-            <a:r>
-              <a:rPr b="0" lang="en-US" sz="2400" spc="-1" strike="noStrike">
-                <a:solidFill>
-                  <a:srgbClr val="484848"/>
-                </a:solidFill>
-                <a:latin typeface="Source Sans Pro"/>
-              </a:rPr>
-              <a:t>&lt;date/time&gt;</a:t>
-            </a:r>
-            <a:r>
-              <a:rPr b="0" lang="en-US" sz="2400" spc="-1" strike="noStrike">
-                <a:solidFill>
-                  <a:srgbClr val="484848"/>
-                </a:solidFill>
-                <a:latin typeface="Source Sans Pro"/>
-              </a:rPr>
-              <a:t> </a:t>
-            </a:r>
-            <a:endParaRPr b="0" lang="en-US" sz="2400" spc="-1" strike="noStrike">
-              <a:solidFill>
-                <a:srgbClr val="484848"/>
-              </a:solidFill>
-              <a:latin typeface="Source Sans Pro"/>
-            </a:endParaRPr>
-          </a:p>
-        </p:txBody>
-      </p:sp>
-      <p:sp>
-        <p:nvSpPr>
-          <p:cNvPr id="12" name="PlaceHolder 4"/>
-          <p:cNvSpPr>
-            <a:spLocks noGrp="1"/>
-          </p:cNvSpPr>
-          <p:nvPr>
-            <p:ph type="ftr" idx="5"/>
-          </p:nvPr>
-        </p:nvSpPr>
-        <p:spPr>
-          <a:xfrm>
-            <a:off x="3420000" y="5130000"/>
-            <a:ext cx="3240000" cy="450000"/>
-          </a:xfrm>
-          <a:prstGeom prst="rect">
-            <a:avLst/>
-          </a:prstGeom>
-          <a:noFill/>
-          <a:ln w="0">
-            <a:noFill/>
-          </a:ln>
-        </p:spPr>
-        <p:txBody>
-          <a:bodyPr lIns="0" rIns="0" tIns="0" bIns="0" anchor="t">
-            <a:noAutofit/>
-          </a:bodyPr>
-          <a:lstStyle>
-            <a:lvl1pPr indent="0" algn="ctr">
-              <a:buNone/>
-              <a:defRPr b="0" lang="en-US" sz="2400" spc="-1" strike="noStrike">
-                <a:solidFill>
-                  <a:srgbClr val="484848"/>
-                </a:solidFill>
-                <a:latin typeface="Source Sans Pro"/>
-              </a:defRPr>
-            </a:lvl1pPr>
-          </a:lstStyle>
-          <a:p>
-            <a:pPr indent="0" algn="ctr">
-              <a:buNone/>
-            </a:pPr>
-            <a:r>
-              <a:rPr b="0" lang="en-US" sz="2400" spc="-1" strike="noStrike">
-                <a:solidFill>
-                  <a:srgbClr val="484848"/>
-                </a:solidFill>
-                <a:latin typeface="Source Sans Pro"/>
-              </a:rPr>
-              <a:t>&lt;footer&gt;</a:t>
-            </a:r>
-            <a:r>
-              <a:rPr b="0" lang="en-US" sz="2400" spc="-1" strike="noStrike">
-                <a:solidFill>
-                  <a:srgbClr val="484848"/>
-                </a:solidFill>
-                <a:latin typeface="Source Sans Pro"/>
-              </a:rPr>
-              <a:t> </a:t>
-            </a:r>
-            <a:endParaRPr b="0" lang="en-US" sz="2400" spc="-1" strike="noStrike">
-              <a:solidFill>
-                <a:srgbClr val="484848"/>
-              </a:solidFill>
-              <a:latin typeface="Source Sans Pro"/>
-            </a:endParaRPr>
-          </a:p>
-        </p:txBody>
-      </p:sp>
-      <p:sp>
-        <p:nvSpPr>
-          <p:cNvPr id="13" name="PlaceHolder 5"/>
-          <p:cNvSpPr>
-            <a:spLocks noGrp="1"/>
-          </p:cNvSpPr>
-          <p:nvPr>
-            <p:ph type="sldNum" idx="6"/>
-          </p:nvPr>
-        </p:nvSpPr>
-        <p:spPr>
-          <a:xfrm>
-            <a:off x="7200000" y="5130000"/>
-            <a:ext cx="2340000" cy="450000"/>
-          </a:xfrm>
-          <a:prstGeom prst="rect">
-            <a:avLst/>
-          </a:prstGeom>
-          <a:noFill/>
-          <a:ln w="0">
-            <a:noFill/>
-          </a:ln>
-        </p:spPr>
-        <p:txBody>
-          <a:bodyPr lIns="0" rIns="0" tIns="0" bIns="0" anchor="t">
-            <a:noAutofit/>
-          </a:bodyPr>
-          <a:lstStyle>
-            <a:lvl1pPr indent="0" algn="r">
-              <a:buNone/>
-              <a:defRPr b="0" lang="en-US" sz="2400" spc="-1" strike="noStrike">
-                <a:solidFill>
-                  <a:srgbClr val="484848"/>
-                </a:solidFill>
-                <a:latin typeface="Source Sans Pro"/>
-              </a:defRPr>
-            </a:lvl1pPr>
-          </a:lstStyle>
-          <a:p>
-            <a:pPr indent="0" algn="r">
-              <a:buNone/>
-            </a:pPr>
-            <a:fld id="{999A5321-3504-4201-9A6E-232AE5C99642}" type="slidenum">
-              <a:rPr b="0" lang="en-US" sz="2400" spc="-1" strike="noStrike">
-                <a:solidFill>
-                  <a:srgbClr val="484848"/>
-                </a:solidFill>
-                <a:latin typeface="Source Sans Pro"/>
-              </a:rPr>
-              <a:t>&lt;number&gt;</a:t>
-            </a:fld>
-            <a:r>
-              <a:rPr b="0" lang="en-US" sz="2400" spc="-1" strike="noStrike">
-                <a:solidFill>
-                  <a:srgbClr val="484848"/>
-                </a:solidFill>
-                <a:latin typeface="Source Sans Pro"/>
-              </a:rPr>
-              <a:t> </a:t>
-            </a:r>
-            <a:endParaRPr b="0" lang="en-US" sz="2400" spc="-1" strike="noStrike">
-              <a:solidFill>
-                <a:srgbClr val="484848"/>
-              </a:solidFill>
-              <a:latin typeface="Source Sans Pro"/>
+              <a:latin typeface="Arial"/>
             </a:endParaRPr>
           </a:p>
         </p:txBody>
@@ -1715,8 +1451,7 @@
   </p:cSld>
   <p:clrMap bg1="lt1" bg2="lt2" tx1="dk1" tx2="dk2" accent1="accent1" accent2="accent2" accent3="accent3" accent4="accent4" accent5="accent5" accent6="accent6" hlink="hlink" folHlink="folHlink"/>
   <p:sldLayoutIdLst>
-    <p:sldLayoutId id="2147483652" r:id="rId2"/>
-    <p:sldLayoutId id="2147483653" r:id="rId3"/>
+    <p:sldLayoutId id="2147483651" r:id="rId2"/>
   </p:sldLayoutIdLst>
 </p:sldMaster>
 </file>
@@ -1740,14 +1475,14 @@
       </p:grpSpPr>
       <p:sp>
         <p:nvSpPr>
-          <p:cNvPr id="16" name=""/>
+          <p:cNvPr id="12" name=""/>
           <p:cNvSpPr/>
           <p:nvPr/>
         </p:nvSpPr>
         <p:spPr>
           <a:xfrm flipV="1">
-            <a:off x="0" y="0"/>
-            <a:ext cx="10080000" cy="180000"/>
+            <a:off x="0" y="-1440"/>
+            <a:ext cx="10078920" cy="1078920"/>
           </a:xfrm>
           <a:prstGeom prst="rect">
             <a:avLst/>
@@ -1764,7 +1499,7 @@
             <a:noFill/>
           </a:ln>
           <a:effectLst>
-            <a:outerShdw dist="10800" dir="5400000" blurRad="0" rotWithShape="0">
+            <a:outerShdw blurRad="0" dir="5400000" dist="10800" rotWithShape="0">
               <a:srgbClr val="f49100"/>
             </a:outerShdw>
           </a:effectLst>
@@ -1780,18 +1515,24 @@
             <a:noAutofit/>
           </a:bodyPr>
           <a:p>
+            <a:pPr>
+              <a:lnSpc>
+                <a:spcPct val="100000"/>
+              </a:lnSpc>
+            </a:pPr>
             <a:endParaRPr b="0" lang="en-US" sz="2200" spc="-1" strike="noStrike">
               <a:solidFill>
                 <a:srgbClr val="ffffff"/>
               </a:solidFill>
               <a:latin typeface="Source Sans Pro"/>
+              <a:ea typeface="DejaVu Sans"/>
             </a:endParaRPr>
           </a:p>
         </p:txBody>
       </p:sp>
       <p:sp>
         <p:nvSpPr>
-          <p:cNvPr id="17" name="PlaceHolder 1"/>
+          <p:cNvPr id="13" name="PlaceHolder 1"/>
           <p:cNvSpPr>
             <a:spLocks noGrp="1"/>
           </p:cNvSpPr>
@@ -1801,8 +1542,8 @@
         </p:nvSpPr>
         <p:spPr>
           <a:xfrm>
-            <a:off x="540000" y="270000"/>
-            <a:ext cx="9000000" cy="990000"/>
+            <a:off x="504000" y="226080"/>
+            <a:ext cx="9071640" cy="946080"/>
           </a:xfrm>
           <a:prstGeom prst="rect">
             <a:avLst/>
@@ -1814,33 +1555,33 @@
         </p:spPr>
         <p:txBody>
           <a:bodyPr lIns="0" rIns="0" tIns="0" bIns="0" anchor="ctr">
-            <a:normAutofit/>
+            <a:noAutofit/>
           </a:bodyPr>
           <a:p>
             <a:pPr indent="0">
               <a:buNone/>
             </a:pPr>
             <a:r>
-              <a:rPr b="0" lang="en-US" sz="4500" spc="-1" strike="noStrike">
+              <a:rPr b="0" lang="en-US" sz="1800" spc="-1" strike="noStrike">
                 <a:solidFill>
-                  <a:srgbClr val="04617b"/>
+                  <a:srgbClr val="000000"/>
                 </a:solidFill>
-                <a:latin typeface="Source Sans Pro Light"/>
+                <a:latin typeface="Arial"/>
               </a:rPr>
               <a:t>Click to edit the title text format</a:t>
             </a:r>
-            <a:endParaRPr b="0" lang="en-US" sz="4500" spc="-1" strike="noStrike">
+            <a:endParaRPr b="0" lang="en-US" sz="1800" spc="-1" strike="noStrike">
               <a:solidFill>
-                <a:srgbClr val="04617b"/>
+                <a:srgbClr val="000000"/>
               </a:solidFill>
-              <a:latin typeface="Source Sans Pro Light"/>
+              <a:latin typeface="Arial"/>
             </a:endParaRPr>
           </a:p>
         </p:txBody>
       </p:sp>
       <p:sp>
         <p:nvSpPr>
-          <p:cNvPr id="18" name="PlaceHolder 2"/>
+          <p:cNvPr id="14" name="PlaceHolder 2"/>
           <p:cNvSpPr>
             <a:spLocks noGrp="1"/>
           </p:cNvSpPr>
@@ -1850,8 +1591,8 @@
         </p:nvSpPr>
         <p:spPr>
           <a:xfrm>
-            <a:off x="540000" y="1440000"/>
-            <a:ext cx="9000000" cy="4050000"/>
+            <a:off x="504000" y="1326600"/>
+            <a:ext cx="9071640" cy="3288240"/>
           </a:xfrm>
           <a:prstGeom prst="rect">
             <a:avLst/>
@@ -1867,67 +1608,11 @@
           </a:bodyPr>
           <a:p>
             <a:pPr marL="432000" indent="-324000">
-              <a:spcAft>
-                <a:spcPts val="1057"/>
-              </a:spcAft>
+              <a:spcBef>
+                <a:spcPts val="1417"/>
+              </a:spcBef>
               <a:buClr>
-                <a:srgbClr val="04617b"/>
-              </a:buClr>
-              <a:buSzPct val="45000"/>
-              <a:buFont typeface="Wingdings" charset="2"/>
-              <a:buChar char=""/>
-            </a:pPr>
-            <a:r>
-              <a:rPr b="0" lang="en-US" sz="2400" spc="-1" strike="noStrike">
-                <a:solidFill>
-                  <a:srgbClr val="000000"/>
-                </a:solidFill>
-                <a:latin typeface="Source Sans Pro"/>
-              </a:rPr>
-              <a:t>Click to edit the outline text format</a:t>
-            </a:r>
-            <a:endParaRPr b="0" lang="en-US" sz="2400" spc="-1" strike="noStrike">
-              <a:solidFill>
-                <a:srgbClr val="000000"/>
-              </a:solidFill>
-              <a:latin typeface="Source Sans Pro"/>
-            </a:endParaRPr>
-          </a:p>
-          <a:p>
-            <a:pPr lvl="1" marL="864000" indent="-324000">
-              <a:spcAft>
-                <a:spcPts val="842"/>
-              </a:spcAft>
-              <a:buClr>
-                <a:srgbClr val="04617b"/>
-              </a:buClr>
-              <a:buSzPct val="75000"/>
-              <a:buFont typeface="Symbol" charset="2"/>
-              <a:buChar char=""/>
-            </a:pPr>
-            <a:r>
-              <a:rPr b="0" lang="en-US" sz="2100" spc="-1" strike="noStrike">
-                <a:solidFill>
-                  <a:srgbClr val="000000"/>
-                </a:solidFill>
-                <a:latin typeface="Source Sans Pro"/>
-              </a:rPr>
-              <a:t>Second Outline Level</a:t>
-            </a:r>
-            <a:endParaRPr b="0" lang="en-US" sz="2100" spc="-1" strike="noStrike">
-              <a:solidFill>
-                <a:srgbClr val="000000"/>
-              </a:solidFill>
-              <a:latin typeface="Source Sans Pro"/>
-            </a:endParaRPr>
-          </a:p>
-          <a:p>
-            <a:pPr lvl="2" marL="1296000" indent="-288000">
-              <a:spcAft>
-                <a:spcPts val="635"/>
-              </a:spcAft>
-              <a:buClr>
-                <a:srgbClr val="04617b"/>
+                <a:srgbClr val="000000"/>
               </a:buClr>
               <a:buSzPct val="45000"/>
               <a:buFont typeface="Wingdings" charset="2"/>
@@ -1938,24 +1623,24 @@
                 <a:solidFill>
                   <a:srgbClr val="000000"/>
                 </a:solidFill>
-                <a:latin typeface="Source Sans Pro"/>
+                <a:latin typeface="Arial"/>
               </a:rPr>
-              <a:t>Third Outline Level</a:t>
+              <a:t>Click to edit the outline text format</a:t>
             </a:r>
             <a:endParaRPr b="0" lang="en-US" sz="1800" spc="-1" strike="noStrike">
               <a:solidFill>
                 <a:srgbClr val="000000"/>
               </a:solidFill>
-              <a:latin typeface="Source Sans Pro"/>
+              <a:latin typeface="Arial"/>
             </a:endParaRPr>
           </a:p>
           <a:p>
-            <a:pPr lvl="3" marL="1728000" indent="-216000">
-              <a:spcAft>
-                <a:spcPts val="422"/>
-              </a:spcAft>
+            <a:pPr lvl="1" marL="864000" indent="-324000">
+              <a:spcBef>
+                <a:spcPts val="1134"/>
+              </a:spcBef>
               <a:buClr>
-                <a:srgbClr val="04617b"/>
+                <a:srgbClr val="000000"/>
               </a:buClr>
               <a:buSzPct val="75000"/>
               <a:buFont typeface="Symbol" charset="2"/>
@@ -1966,24 +1651,24 @@
                 <a:solidFill>
                   <a:srgbClr val="000000"/>
                 </a:solidFill>
-                <a:latin typeface="Source Sans Pro"/>
+                <a:latin typeface="Arial"/>
               </a:rPr>
-              <a:t>Fourth Outline Level</a:t>
+              <a:t>Second Outline Level</a:t>
             </a:r>
             <a:endParaRPr b="0" lang="en-US" sz="1800" spc="-1" strike="noStrike">
               <a:solidFill>
                 <a:srgbClr val="000000"/>
               </a:solidFill>
-              <a:latin typeface="Source Sans Pro"/>
+              <a:latin typeface="Arial"/>
             </a:endParaRPr>
           </a:p>
           <a:p>
-            <a:pPr lvl="4" marL="2160000" indent="-216000">
-              <a:spcAft>
-                <a:spcPts val="210"/>
-              </a:spcAft>
+            <a:pPr lvl="2" marL="1296000" indent="-288000">
+              <a:spcBef>
+                <a:spcPts val="850"/>
+              </a:spcBef>
               <a:buClr>
-                <a:srgbClr val="04617b"/>
+                <a:srgbClr val="000000"/>
               </a:buClr>
               <a:buSzPct val="45000"/>
               <a:buFont typeface="Wingdings" charset="2"/>
@@ -1994,24 +1679,52 @@
                 <a:solidFill>
                   <a:srgbClr val="000000"/>
                 </a:solidFill>
-                <a:latin typeface="Source Sans Pro"/>
+                <a:latin typeface="Arial"/>
               </a:rPr>
-              <a:t>Fifth Outline Level</a:t>
+              <a:t>Third Outline Level</a:t>
             </a:r>
             <a:endParaRPr b="0" lang="en-US" sz="1800" spc="-1" strike="noStrike">
               <a:solidFill>
                 <a:srgbClr val="000000"/>
               </a:solidFill>
-              <a:latin typeface="Source Sans Pro"/>
+              <a:latin typeface="Arial"/>
             </a:endParaRPr>
           </a:p>
           <a:p>
-            <a:pPr lvl="5" marL="2592000" indent="-216000">
-              <a:spcAft>
-                <a:spcPts val="210"/>
-              </a:spcAft>
+            <a:pPr lvl="3" marL="1728000" indent="-216000">
+              <a:spcBef>
+                <a:spcPts val="567"/>
+              </a:spcBef>
               <a:buClr>
-                <a:srgbClr val="04617b"/>
+                <a:srgbClr val="000000"/>
+              </a:buClr>
+              <a:buSzPct val="75000"/>
+              <a:buFont typeface="Symbol" charset="2"/>
+              <a:buChar char=""/>
+            </a:pPr>
+            <a:r>
+              <a:rPr b="0" lang="en-US" sz="1800" spc="-1" strike="noStrike">
+                <a:solidFill>
+                  <a:srgbClr val="000000"/>
+                </a:solidFill>
+                <a:latin typeface="Arial"/>
+              </a:rPr>
+              <a:t>Fourth Outline Level</a:t>
+            </a:r>
+            <a:endParaRPr b="0" lang="en-US" sz="1800" spc="-1" strike="noStrike">
+              <a:solidFill>
+                <a:srgbClr val="000000"/>
+              </a:solidFill>
+              <a:latin typeface="Arial"/>
+            </a:endParaRPr>
+          </a:p>
+          <a:p>
+            <a:pPr lvl="4" marL="2160000" indent="-216000">
+              <a:spcBef>
+                <a:spcPts val="283"/>
+              </a:spcBef>
+              <a:buClr>
+                <a:srgbClr val="000000"/>
               </a:buClr>
               <a:buSzPct val="45000"/>
               <a:buFont typeface="Wingdings" charset="2"/>
@@ -2022,24 +1735,24 @@
                 <a:solidFill>
                   <a:srgbClr val="000000"/>
                 </a:solidFill>
-                <a:latin typeface="Source Sans Pro"/>
+                <a:latin typeface="Arial"/>
               </a:rPr>
-              <a:t>Sixth Outline Level</a:t>
+              <a:t>Fifth Outline Level</a:t>
             </a:r>
             <a:endParaRPr b="0" lang="en-US" sz="1800" spc="-1" strike="noStrike">
               <a:solidFill>
                 <a:srgbClr val="000000"/>
               </a:solidFill>
-              <a:latin typeface="Source Sans Pro"/>
+              <a:latin typeface="Arial"/>
             </a:endParaRPr>
           </a:p>
           <a:p>
-            <a:pPr lvl="6" marL="3024000" indent="-216000">
-              <a:spcAft>
-                <a:spcPts val="210"/>
-              </a:spcAft>
+            <a:pPr lvl="5" marL="2592000" indent="-216000">
+              <a:spcBef>
+                <a:spcPts val="283"/>
+              </a:spcBef>
               <a:buClr>
-                <a:srgbClr val="04617b"/>
+                <a:srgbClr val="000000"/>
               </a:buClr>
               <a:buSzPct val="45000"/>
               <a:buFont typeface="Wingdings" charset="2"/>
@@ -2050,7 +1763,35 @@
                 <a:solidFill>
                   <a:srgbClr val="000000"/>
                 </a:solidFill>
-                <a:latin typeface="Source Sans Pro"/>
+                <a:latin typeface="Arial"/>
+              </a:rPr>
+              <a:t>Sixth Outline Level</a:t>
+            </a:r>
+            <a:endParaRPr b="0" lang="en-US" sz="1800" spc="-1" strike="noStrike">
+              <a:solidFill>
+                <a:srgbClr val="000000"/>
+              </a:solidFill>
+              <a:latin typeface="Arial"/>
+            </a:endParaRPr>
+          </a:p>
+          <a:p>
+            <a:pPr lvl="6" marL="3024000" indent="-216000">
+              <a:spcBef>
+                <a:spcPts val="283"/>
+              </a:spcBef>
+              <a:buClr>
+                <a:srgbClr val="000000"/>
+              </a:buClr>
+              <a:buSzPct val="45000"/>
+              <a:buFont typeface="Wingdings" charset="2"/>
+              <a:buChar char=""/>
+            </a:pPr>
+            <a:r>
+              <a:rPr b="0" lang="en-US" sz="1800" spc="-1" strike="noStrike">
+                <a:solidFill>
+                  <a:srgbClr val="000000"/>
+                </a:solidFill>
+                <a:latin typeface="Arial"/>
               </a:rPr>
               <a:t>Seventh Outline Level</a:t>
             </a:r>
@@ -2058,25 +1799,169 @@
               <a:solidFill>
                 <a:srgbClr val="000000"/>
               </a:solidFill>
-              <a:latin typeface="Source Sans Pro"/>
+              <a:latin typeface="Arial"/>
             </a:endParaRPr>
           </a:p>
         </p:txBody>
       </p:sp>
       <p:sp>
         <p:nvSpPr>
-          <p:cNvPr id="19" name="PlaceHolder 3"/>
+          <p:cNvPr id="15" name="PlaceHolder 3"/>
           <p:cNvSpPr>
             <a:spLocks noGrp="1"/>
           </p:cNvSpPr>
           <p:nvPr>
-            <p:ph type="dt" idx="7"/>
+            <p:ph type="ftr" idx="7"/>
+          </p:nvPr>
+        </p:nvSpPr>
+        <p:spPr>
+          <a:xfrm>
+            <a:off x="3420000" y="5130000"/>
+            <a:ext cx="3238920" cy="448920"/>
+          </a:xfrm>
+          <a:prstGeom prst="rect">
+            <a:avLst/>
+          </a:prstGeom>
+          <a:noFill/>
+          <a:ln w="0">
+            <a:noFill/>
+          </a:ln>
+        </p:spPr>
+        <p:txBody>
+          <a:bodyPr lIns="0" rIns="0" tIns="0" bIns="0" anchor="t">
+            <a:noAutofit/>
+          </a:bodyPr>
+          <a:lstStyle>
+            <a:lvl1pPr indent="0" algn="ctr">
+              <a:lnSpc>
+                <a:spcPct val="100000"/>
+              </a:lnSpc>
+              <a:buNone/>
+              <a:tabLst>
+                <a:tab algn="l" pos="0"/>
+              </a:tabLst>
+              <a:defRPr b="0" lang="en-US" sz="2400" spc="-1" strike="noStrike">
+                <a:solidFill>
+                  <a:srgbClr val="484848"/>
+                </a:solidFill>
+                <a:latin typeface="Source Sans Pro"/>
+              </a:defRPr>
+            </a:lvl1pPr>
+          </a:lstStyle>
+          <a:p>
+            <a:pPr indent="0" algn="ctr">
+              <a:lnSpc>
+                <a:spcPct val="100000"/>
+              </a:lnSpc>
+              <a:buNone/>
+              <a:tabLst>
+                <a:tab algn="l" pos="0"/>
+              </a:tabLst>
+            </a:pPr>
+            <a:r>
+              <a:rPr b="0" lang="en-US" sz="2400" spc="-1" strike="noStrike">
+                <a:solidFill>
+                  <a:srgbClr val="484848"/>
+                </a:solidFill>
+                <a:latin typeface="Source Sans Pro"/>
+              </a:rPr>
+              <a:t>&lt;footer&gt;</a:t>
+            </a:r>
+            <a:endParaRPr b="0" lang="en-US" sz="2400" spc="-1" strike="noStrike">
+              <a:solidFill>
+                <a:srgbClr val="000000"/>
+              </a:solidFill>
+              <a:latin typeface="Times New Roman"/>
+            </a:endParaRPr>
+          </a:p>
+        </p:txBody>
+      </p:sp>
+      <p:sp>
+        <p:nvSpPr>
+          <p:cNvPr id="16" name="PlaceHolder 4"/>
+          <p:cNvSpPr>
+            <a:spLocks noGrp="1"/>
+          </p:cNvSpPr>
+          <p:nvPr>
+            <p:ph type="sldNum" idx="8"/>
+          </p:nvPr>
+        </p:nvSpPr>
+        <p:spPr>
+          <a:xfrm>
+            <a:off x="7200000" y="5130000"/>
+            <a:ext cx="2338920" cy="448920"/>
+          </a:xfrm>
+          <a:prstGeom prst="rect">
+            <a:avLst/>
+          </a:prstGeom>
+          <a:noFill/>
+          <a:ln w="0">
+            <a:noFill/>
+          </a:ln>
+        </p:spPr>
+        <p:txBody>
+          <a:bodyPr lIns="0" rIns="0" tIns="0" bIns="0" anchor="t">
+            <a:noAutofit/>
+          </a:bodyPr>
+          <a:lstStyle>
+            <a:lvl1pPr indent="0" algn="r">
+              <a:lnSpc>
+                <a:spcPct val="100000"/>
+              </a:lnSpc>
+              <a:buNone/>
+              <a:tabLst>
+                <a:tab algn="l" pos="0"/>
+              </a:tabLst>
+              <a:defRPr b="0" lang="en-US" sz="2400" spc="-1" strike="noStrike">
+                <a:solidFill>
+                  <a:srgbClr val="484848"/>
+                </a:solidFill>
+                <a:latin typeface="Source Sans Pro"/>
+              </a:defRPr>
+            </a:lvl1pPr>
+          </a:lstStyle>
+          <a:p>
+            <a:pPr indent="0" algn="r">
+              <a:lnSpc>
+                <a:spcPct val="100000"/>
+              </a:lnSpc>
+              <a:buNone/>
+              <a:tabLst>
+                <a:tab algn="l" pos="0"/>
+              </a:tabLst>
+            </a:pPr>
+            <a:fld id="{209B7070-52BC-439F-B796-7F9A8A7A1484}" type="slidenum">
+              <a:rPr b="0" lang="en-US" sz="2400" spc="-1" strike="noStrike">
+                <a:solidFill>
+                  <a:srgbClr val="484848"/>
+                </a:solidFill>
+                <a:latin typeface="Source Sans Pro"/>
+              </a:rPr>
+              <a:t>&lt;number&gt;</a:t>
+            </a:fld>
+            <a:endParaRPr b="0" lang="en-US" sz="2400" spc="-1" strike="noStrike">
+              <a:solidFill>
+                <a:srgbClr val="000000"/>
+              </a:solidFill>
+              <a:latin typeface="Times New Roman"/>
+            </a:endParaRPr>
+          </a:p>
+        </p:txBody>
+      </p:sp>
+      <p:sp>
+        <p:nvSpPr>
+          <p:cNvPr id="17" name="PlaceHolder 5"/>
+          <p:cNvSpPr>
+            <a:spLocks noGrp="1"/>
+          </p:cNvSpPr>
+          <p:nvPr>
+            <p:ph type="dt" idx="9"/>
           </p:nvPr>
         </p:nvSpPr>
         <p:spPr>
           <a:xfrm>
             <a:off x="540000" y="5130000"/>
-            <a:ext cx="2340000" cy="450000"/>
+            <a:ext cx="2338920" cy="448920"/>
           </a:xfrm>
           <a:prstGeom prst="rect">
             <a:avLst/>
@@ -2093,11 +1978,11 @@
           <a:lstStyle>
             <a:lvl1pPr indent="0">
               <a:buNone/>
-              <a:defRPr b="0" lang="en-US" sz="2400" spc="-1" strike="noStrike">
+              <a:defRPr b="0" lang="en-US" sz="1400" spc="-1" strike="noStrike">
                 <a:solidFill>
-                  <a:srgbClr val="484848"/>
+                  <a:srgbClr val="000000"/>
                 </a:solidFill>
-                <a:latin typeface="Source Sans Pro"/>
+                <a:latin typeface="Times New Roman"/>
               </a:defRPr>
             </a:lvl1pPr>
           </a:lstStyle>
@@ -2106,180 +1991,59 @@
               <a:buNone/>
             </a:pPr>
             <a:r>
-              <a:rPr b="0" lang="en-US" sz="2400" spc="-1" strike="noStrike">
+              <a:rPr b="0" lang="en-US" sz="1400" spc="-1" strike="noStrike">
                 <a:solidFill>
-                  <a:srgbClr val="484848"/>
+                  <a:srgbClr val="000000"/>
                 </a:solidFill>
-                <a:latin typeface="Source Sans Pro"/>
+                <a:latin typeface="Times New Roman"/>
               </a:rPr>
               <a:t>&lt;date/time&gt;</a:t>
             </a:r>
-            <a:r>
-              <a:rPr b="0" lang="en-US" sz="2400" spc="-1" strike="noStrike">
-                <a:solidFill>
-                  <a:srgbClr val="484848"/>
-                </a:solidFill>
-                <a:latin typeface="Source Sans Pro"/>
-              </a:rPr>
-              <a:t> </a:t>
-            </a:r>
-            <a:endParaRPr b="0" lang="en-US" sz="2400" spc="-1" strike="noStrike">
+            <a:endParaRPr b="0" lang="en-US" sz="1400" spc="-1" strike="noStrike">
               <a:solidFill>
-                <a:srgbClr val="484848"/>
+                <a:srgbClr val="000000"/>
               </a:solidFill>
-              <a:latin typeface="Source Sans Pro"/>
+              <a:latin typeface="Times New Roman"/>
             </a:endParaRPr>
           </a:p>
         </p:txBody>
       </p:sp>
+    </p:spTree>
+  </p:cSld>
+  <p:clrMap bg1="lt1" bg2="lt2" tx1="dk1" tx2="dk2" accent1="accent1" accent2="accent2" accent3="accent3" accent4="accent4" accent5="accent5" accent6="accent6" hlink="hlink" folHlink="folHlink"/>
+  <p:sldLayoutIdLst>
+    <p:sldLayoutId id="2147483653" r:id="rId2"/>
+  </p:sldLayoutIdLst>
+</p:sldMaster>
+</file>
+
+<file path=ppt/slideMasters/slideMaster4.xml><?xml version="1.0" encoding="utf-8"?>
+<p:sldMaster xmlns:a="http://schemas.openxmlformats.org/drawingml/2006/main" xmlns:p="http://schemas.openxmlformats.org/presentationml/2006/main" xmlns:r="http://schemas.openxmlformats.org/officeDocument/2006/relationships" xmlns:p14="http://schemas.microsoft.com/office/powerpoint/2010/main" xmlns:p15="http://schemas.microsoft.com/office/powerpoint/2012/main" xmlns:mc="http://schemas.openxmlformats.org/markup-compatibility/2006">
+  <p:cSld>
+    <p:spTree>
+      <p:nvGrpSpPr>
+        <p:cNvPr id="1" name=""/>
+        <p:cNvGrpSpPr/>
+        <p:nvPr/>
+      </p:nvGrpSpPr>
+      <p:grpSpPr>
+        <a:xfrm>
+          <a:off x="0" y="0"/>
+          <a:ext cx="0" cy="0"/>
+          <a:chOff x="0" y="0"/>
+          <a:chExt cx="0" cy="0"/>
+        </a:xfrm>
+      </p:grpSpPr>
       <p:sp>
         <p:nvSpPr>
-          <p:cNvPr id="20" name="PlaceHolder 4"/>
-          <p:cNvSpPr>
-            <a:spLocks noGrp="1"/>
-          </p:cNvSpPr>
-          <p:nvPr>
-            <p:ph type="ftr" idx="8"/>
-          </p:nvPr>
-        </p:nvSpPr>
-        <p:spPr>
-          <a:xfrm>
-            <a:off x="3420000" y="5119200"/>
-            <a:ext cx="3240000" cy="450000"/>
-          </a:xfrm>
-          <a:prstGeom prst="rect">
-            <a:avLst/>
-          </a:prstGeom>
-          <a:noFill/>
-          <a:ln w="0">
-            <a:noFill/>
-          </a:ln>
-        </p:spPr>
-        <p:txBody>
-          <a:bodyPr lIns="0" rIns="0" tIns="0" bIns="0" anchor="t">
-            <a:noAutofit/>
-          </a:bodyPr>
-          <a:lstStyle>
-            <a:lvl1pPr indent="0" algn="ctr">
-              <a:buNone/>
-              <a:defRPr b="0" lang="en-US" sz="2400" spc="-1" strike="noStrike">
-                <a:solidFill>
-                  <a:srgbClr val="484848"/>
-                </a:solidFill>
-                <a:latin typeface="Source Sans Pro"/>
-              </a:defRPr>
-            </a:lvl1pPr>
-          </a:lstStyle>
-          <a:p>
-            <a:pPr indent="0" algn="ctr">
-              <a:buNone/>
-            </a:pPr>
-            <a:r>
-              <a:rPr b="0" lang="en-US" sz="2400" spc="-1" strike="noStrike">
-                <a:solidFill>
-                  <a:srgbClr val="484848"/>
-                </a:solidFill>
-                <a:latin typeface="Source Sans Pro"/>
-              </a:rPr>
-              <a:t>&lt;footer&gt;</a:t>
-            </a:r>
-            <a:r>
-              <a:rPr b="0" lang="en-US" sz="2400" spc="-1" strike="noStrike">
-                <a:solidFill>
-                  <a:srgbClr val="484848"/>
-                </a:solidFill>
-                <a:latin typeface="Source Sans Pro"/>
-              </a:rPr>
-              <a:t> </a:t>
-            </a:r>
-            <a:endParaRPr b="0" lang="en-US" sz="2400" spc="-1" strike="noStrike">
-              <a:solidFill>
-                <a:srgbClr val="484848"/>
-              </a:solidFill>
-              <a:latin typeface="Source Sans Pro"/>
-            </a:endParaRPr>
-          </a:p>
-        </p:txBody>
-      </p:sp>
-      <p:sp>
-        <p:nvSpPr>
-          <p:cNvPr id="21" name="PlaceHolder 5"/>
-          <p:cNvSpPr>
-            <a:spLocks noGrp="1"/>
-          </p:cNvSpPr>
-          <p:nvPr>
-            <p:ph type="sldNum" idx="9"/>
-          </p:nvPr>
-        </p:nvSpPr>
-        <p:spPr>
-          <a:xfrm>
-            <a:off x="7650000" y="5130000"/>
-            <a:ext cx="1890000" cy="450000"/>
-          </a:xfrm>
-          <a:prstGeom prst="rect">
-            <a:avLst/>
-          </a:prstGeom>
-          <a:noFill/>
-          <a:ln w="0">
-            <a:noFill/>
-          </a:ln>
-        </p:spPr>
-        <p:txBody>
-          <a:bodyPr lIns="0" rIns="0" tIns="0" bIns="0" anchor="t">
-            <a:noAutofit/>
-          </a:bodyPr>
-          <a:lstStyle>
-            <a:lvl1pPr indent="0" algn="r">
-              <a:buNone/>
-              <a:defRPr b="0" lang="en-US" sz="2400" spc="-1" strike="noStrike">
-                <a:solidFill>
-                  <a:srgbClr val="484848"/>
-                </a:solidFill>
-                <a:latin typeface="Source Sans Pro"/>
-              </a:defRPr>
-            </a:lvl1pPr>
-          </a:lstStyle>
-          <a:p>
-            <a:pPr indent="0" algn="r">
-              <a:buNone/>
-            </a:pPr>
-            <a:fld id="{D7446077-1E45-4EC1-82B1-8299DA037C5B}" type="slidenum">
-              <a:rPr b="0" lang="en-US" sz="2400" spc="-1" strike="noStrike">
-                <a:solidFill>
-                  <a:srgbClr val="484848"/>
-                </a:solidFill>
-                <a:latin typeface="Source Sans Pro"/>
-              </a:rPr>
-              <a:t>&lt;number&gt;</a:t>
-            </a:fld>
-            <a:r>
-              <a:rPr b="0" lang="en-US" sz="2400" spc="-1" strike="noStrike">
-                <a:solidFill>
-                  <a:srgbClr val="484848"/>
-                </a:solidFill>
-                <a:latin typeface="Source Sans Pro"/>
-              </a:rPr>
-              <a:t> </a:t>
-            </a:r>
-            <a:endParaRPr b="0" lang="en-US" sz="2400" spc="-1" strike="noStrike">
-              <a:solidFill>
-                <a:srgbClr val="484848"/>
-              </a:solidFill>
-              <a:latin typeface="Source Sans Pro"/>
-            </a:endParaRPr>
-          </a:p>
-        </p:txBody>
-      </p:sp>
-      <p:sp>
-        <p:nvSpPr>
-          <p:cNvPr id="22" name=""/>
+          <p:cNvPr id="20" name=""/>
           <p:cNvSpPr/>
           <p:nvPr/>
         </p:nvSpPr>
         <p:spPr>
-          <a:xfrm>
-            <a:off x="0" y="5580000"/>
-            <a:ext cx="10080000" cy="90000"/>
+          <a:xfrm flipV="1">
+            <a:off x="0" y="-1440"/>
+            <a:ext cx="10078920" cy="1078920"/>
           </a:xfrm>
           <a:prstGeom prst="rect">
             <a:avLst/>
@@ -2296,7 +2060,7 @@
             <a:noFill/>
           </a:ln>
           <a:effectLst>
-            <a:outerShdw dist="10800" dir="16200000" blurRad="0" rotWithShape="0">
+            <a:outerShdw blurRad="0" dir="5400000" dist="10800" rotWithShape="0">
               <a:srgbClr val="f49100"/>
             </a:outerShdw>
           </a:effectLst>
@@ -2312,11 +2076,221 @@
             <a:noAutofit/>
           </a:bodyPr>
           <a:p>
+            <a:pPr>
+              <a:lnSpc>
+                <a:spcPct val="100000"/>
+              </a:lnSpc>
+            </a:pPr>
             <a:endParaRPr b="0" lang="en-US" sz="2200" spc="-1" strike="noStrike">
               <a:solidFill>
                 <a:srgbClr val="ffffff"/>
               </a:solidFill>
               <a:latin typeface="Source Sans Pro"/>
+              <a:ea typeface="DejaVu Sans"/>
+            </a:endParaRPr>
+          </a:p>
+        </p:txBody>
+      </p:sp>
+      <p:sp>
+        <p:nvSpPr>
+          <p:cNvPr id="21" name="PlaceHolder 1"/>
+          <p:cNvSpPr>
+            <a:spLocks noGrp="1"/>
+          </p:cNvSpPr>
+          <p:nvPr>
+            <p:ph type="ftr" idx="10"/>
+          </p:nvPr>
+        </p:nvSpPr>
+        <p:spPr>
+          <a:xfrm>
+            <a:off x="3420000" y="5130000"/>
+            <a:ext cx="3238920" cy="448920"/>
+          </a:xfrm>
+          <a:prstGeom prst="rect">
+            <a:avLst/>
+          </a:prstGeom>
+          <a:noFill/>
+          <a:ln w="0">
+            <a:noFill/>
+          </a:ln>
+        </p:spPr>
+        <p:txBody>
+          <a:bodyPr lIns="0" rIns="0" tIns="0" bIns="0" anchor="t">
+            <a:noAutofit/>
+          </a:bodyPr>
+          <a:lstStyle>
+            <a:lvl1pPr indent="0" algn="ctr">
+              <a:lnSpc>
+                <a:spcPct val="100000"/>
+              </a:lnSpc>
+              <a:buNone/>
+              <a:tabLst>
+                <a:tab algn="l" pos="0"/>
+              </a:tabLst>
+              <a:defRPr b="0" lang="en-US" sz="2400" spc="-1" strike="noStrike">
+                <a:solidFill>
+                  <a:srgbClr val="484848"/>
+                </a:solidFill>
+                <a:latin typeface="Source Sans Pro"/>
+              </a:defRPr>
+            </a:lvl1pPr>
+          </a:lstStyle>
+          <a:p>
+            <a:pPr indent="0" algn="ctr">
+              <a:lnSpc>
+                <a:spcPct val="100000"/>
+              </a:lnSpc>
+              <a:buNone/>
+              <a:tabLst>
+                <a:tab algn="l" pos="0"/>
+              </a:tabLst>
+            </a:pPr>
+            <a:r>
+              <a:rPr b="0" lang="en-US" sz="2400" spc="-1" strike="noStrike">
+                <a:solidFill>
+                  <a:srgbClr val="484848"/>
+                </a:solidFill>
+                <a:latin typeface="Source Sans Pro"/>
+              </a:rPr>
+              <a:t>&lt;footer&gt;</a:t>
+            </a:r>
+            <a:endParaRPr b="0" lang="en-US" sz="2400" spc="-1" strike="noStrike">
+              <a:solidFill>
+                <a:srgbClr val="000000"/>
+              </a:solidFill>
+              <a:latin typeface="Times New Roman"/>
+            </a:endParaRPr>
+          </a:p>
+        </p:txBody>
+      </p:sp>
+      <p:sp>
+        <p:nvSpPr>
+          <p:cNvPr id="22" name="PlaceHolder 2"/>
+          <p:cNvSpPr>
+            <a:spLocks noGrp="1"/>
+          </p:cNvSpPr>
+          <p:nvPr>
+            <p:ph type="sldNum" idx="11"/>
+          </p:nvPr>
+        </p:nvSpPr>
+        <p:spPr>
+          <a:xfrm>
+            <a:off x="7200000" y="5130000"/>
+            <a:ext cx="2338920" cy="448920"/>
+          </a:xfrm>
+          <a:prstGeom prst="rect">
+            <a:avLst/>
+          </a:prstGeom>
+          <a:noFill/>
+          <a:ln w="0">
+            <a:noFill/>
+          </a:ln>
+        </p:spPr>
+        <p:txBody>
+          <a:bodyPr lIns="0" rIns="0" tIns="0" bIns="0" anchor="t">
+            <a:noAutofit/>
+          </a:bodyPr>
+          <a:lstStyle>
+            <a:lvl1pPr indent="0" algn="r">
+              <a:lnSpc>
+                <a:spcPct val="100000"/>
+              </a:lnSpc>
+              <a:buNone/>
+              <a:tabLst>
+                <a:tab algn="l" pos="0"/>
+              </a:tabLst>
+              <a:defRPr b="0" lang="en-US" sz="2400" spc="-1" strike="noStrike">
+                <a:solidFill>
+                  <a:srgbClr val="484848"/>
+                </a:solidFill>
+                <a:latin typeface="Source Sans Pro"/>
+              </a:defRPr>
+            </a:lvl1pPr>
+          </a:lstStyle>
+          <a:p>
+            <a:pPr indent="0" algn="r">
+              <a:lnSpc>
+                <a:spcPct val="100000"/>
+              </a:lnSpc>
+              <a:buNone/>
+              <a:tabLst>
+                <a:tab algn="l" pos="0"/>
+              </a:tabLst>
+            </a:pPr>
+            <a:fld id="{BA842463-A1E4-441D-ACCE-FD0C9105BEAA}" type="slidenum">
+              <a:rPr b="0" lang="en-US" sz="2400" spc="-1" strike="noStrike">
+                <a:solidFill>
+                  <a:srgbClr val="484848"/>
+                </a:solidFill>
+                <a:latin typeface="Source Sans Pro"/>
+              </a:rPr>
+              <a:t>&lt;number&gt;</a:t>
+            </a:fld>
+            <a:endParaRPr b="0" lang="en-US" sz="2400" spc="-1" strike="noStrike">
+              <a:solidFill>
+                <a:srgbClr val="000000"/>
+              </a:solidFill>
+              <a:latin typeface="Times New Roman"/>
+            </a:endParaRPr>
+          </a:p>
+        </p:txBody>
+      </p:sp>
+      <p:sp>
+        <p:nvSpPr>
+          <p:cNvPr id="23" name="PlaceHolder 3"/>
+          <p:cNvSpPr>
+            <a:spLocks noGrp="1"/>
+          </p:cNvSpPr>
+          <p:nvPr>
+            <p:ph type="dt" idx="12"/>
+          </p:nvPr>
+        </p:nvSpPr>
+        <p:spPr>
+          <a:xfrm>
+            <a:off x="540000" y="5130000"/>
+            <a:ext cx="2338920" cy="448920"/>
+          </a:xfrm>
+          <a:prstGeom prst="rect">
+            <a:avLst/>
+          </a:prstGeom>
+          <a:noFill/>
+          <a:ln w="0">
+            <a:noFill/>
+          </a:ln>
+        </p:spPr>
+        <p:txBody>
+          <a:bodyPr lIns="0" rIns="0" tIns="0" bIns="0" anchor="t">
+            <a:noAutofit/>
+          </a:bodyPr>
+          <a:lstStyle>
+            <a:lvl1pPr indent="0">
+              <a:buNone/>
+              <a:defRPr b="0" lang="en-US" sz="1400" spc="-1" strike="noStrike">
+                <a:solidFill>
+                  <a:srgbClr val="000000"/>
+                </a:solidFill>
+                <a:latin typeface="Times New Roman"/>
+              </a:defRPr>
+            </a:lvl1pPr>
+          </a:lstStyle>
+          <a:p>
+            <a:pPr indent="0">
+              <a:buNone/>
+            </a:pPr>
+            <a:r>
+              <a:rPr b="0" lang="en-US" sz="1400" spc="-1" strike="noStrike">
+                <a:solidFill>
+                  <a:srgbClr val="000000"/>
+                </a:solidFill>
+                <a:latin typeface="Times New Roman"/>
+              </a:rPr>
+              <a:t>&lt;date/time&gt;</a:t>
+            </a:r>
+            <a:endParaRPr b="0" lang="en-US" sz="1400" spc="-1" strike="noStrike">
+              <a:solidFill>
+                <a:srgbClr val="000000"/>
+              </a:solidFill>
+              <a:latin typeface="Times New Roman"/>
             </a:endParaRPr>
           </a:p>
         </p:txBody>
@@ -2330,12 +2304,9 @@
 </p:sldMaster>
 </file>
 
-<file path=ppt/slides/slide1.xml><?xml version="1.0" encoding="utf-8"?>
-<p:sld xmlns:a="http://schemas.openxmlformats.org/drawingml/2006/main" xmlns:p="http://schemas.openxmlformats.org/presentationml/2006/main" xmlns:r="http://schemas.openxmlformats.org/officeDocument/2006/relationships" xmlns:p14="http://schemas.microsoft.com/office/powerpoint/2010/main" xmlns:p15="http://schemas.microsoft.com/office/powerpoint/2012/main" xmlns:mc="http://schemas.openxmlformats.org/markup-compatibility/2006">
+<file path=ppt/slideMasters/slideMaster5.xml><?xml version="1.0" encoding="utf-8"?>
+<p:sldMaster xmlns:a="http://schemas.openxmlformats.org/drawingml/2006/main" xmlns:p="http://schemas.openxmlformats.org/presentationml/2006/main" xmlns:r="http://schemas.openxmlformats.org/officeDocument/2006/relationships" xmlns:p14="http://schemas.microsoft.com/office/powerpoint/2010/main" xmlns:p15="http://schemas.microsoft.com/office/powerpoint/2012/main" xmlns:mc="http://schemas.openxmlformats.org/markup-compatibility/2006">
   <p:cSld>
-    <p:bg>
-      <p:bgPr/>
-    </p:bg>
     <p:spTree>
       <p:nvGrpSpPr>
         <p:cNvPr id="1" name=""/>
@@ -2352,67 +2323,132 @@
       </p:grpSpPr>
       <p:sp>
         <p:nvSpPr>
-          <p:cNvPr id="23" name="PlaceHolder 1"/>
+          <p:cNvPr id="24" name=""/>
+          <p:cNvSpPr/>
+          <p:nvPr/>
+        </p:nvSpPr>
+        <p:spPr>
+          <a:xfrm flipV="1">
+            <a:off x="0" y="-1440"/>
+            <a:ext cx="10078920" cy="178920"/>
+          </a:xfrm>
+          <a:prstGeom prst="rect">
+            <a:avLst/>
+          </a:prstGeom>
+          <a:pattFill prst="lgGrid">
+            <a:fgClr>
+              <a:srgbClr val="3465a4"/>
+            </a:fgClr>
+            <a:bgClr>
+              <a:srgbClr val="009eda"/>
+            </a:bgClr>
+          </a:pattFill>
+          <a:ln w="18000">
+            <a:noFill/>
+          </a:ln>
+          <a:effectLst>
+            <a:outerShdw blurRad="0" dir="5400000" dist="10800" rotWithShape="0">
+              <a:srgbClr val="f49100"/>
+            </a:outerShdw>
+          </a:effectLst>
+        </p:spPr>
+        <p:style>
+          <a:lnRef idx="0"/>
+          <a:fillRef idx="0"/>
+          <a:effectRef idx="0"/>
+          <a:fontRef idx="minor"/>
+        </p:style>
+        <p:txBody>
+          <a:bodyPr wrap="none" lIns="36000" rIns="36000" tIns="36000" bIns="36000" anchor="ctr">
+            <a:noAutofit/>
+          </a:bodyPr>
+          <a:p>
+            <a:pPr>
+              <a:lnSpc>
+                <a:spcPct val="100000"/>
+              </a:lnSpc>
+            </a:pPr>
+            <a:endParaRPr b="0" lang="en-US" sz="2200" spc="-1" strike="noStrike">
+              <a:solidFill>
+                <a:srgbClr val="ffffff"/>
+              </a:solidFill>
+              <a:latin typeface="Source Sans Pro"/>
+              <a:ea typeface="DejaVu Sans"/>
+            </a:endParaRPr>
+          </a:p>
+        </p:txBody>
+      </p:sp>
+      <p:sp>
+        <p:nvSpPr>
+          <p:cNvPr id="25" name=""/>
+          <p:cNvSpPr/>
+          <p:nvPr/>
+        </p:nvSpPr>
+        <p:spPr>
+          <a:xfrm>
+            <a:off x="0" y="5580000"/>
+            <a:ext cx="10078920" cy="88920"/>
+          </a:xfrm>
+          <a:prstGeom prst="rect">
+            <a:avLst/>
+          </a:prstGeom>
+          <a:pattFill prst="lgGrid">
+            <a:fgClr>
+              <a:srgbClr val="3465a4"/>
+            </a:fgClr>
+            <a:bgClr>
+              <a:srgbClr val="009eda"/>
+            </a:bgClr>
+          </a:pattFill>
+          <a:ln w="18000">
+            <a:noFill/>
+          </a:ln>
+          <a:effectLst>
+            <a:outerShdw blurRad="0" dir="16200000" dist="10800" rotWithShape="0">
+              <a:srgbClr val="f49100"/>
+            </a:outerShdw>
+          </a:effectLst>
+        </p:spPr>
+        <p:style>
+          <a:lnRef idx="0"/>
+          <a:fillRef idx="0"/>
+          <a:effectRef idx="0"/>
+          <a:fontRef idx="minor"/>
+        </p:style>
+        <p:txBody>
+          <a:bodyPr wrap="none" lIns="36000" rIns="36000" tIns="36000" bIns="36000" anchor="ctr">
+            <a:noAutofit/>
+          </a:bodyPr>
+          <a:p>
+            <a:pPr>
+              <a:lnSpc>
+                <a:spcPct val="100000"/>
+              </a:lnSpc>
+            </a:pPr>
+            <a:endParaRPr b="0" lang="en-US" sz="2200" spc="-1" strike="noStrike">
+              <a:solidFill>
+                <a:srgbClr val="ffffff"/>
+              </a:solidFill>
+              <a:latin typeface="Source Sans Pro"/>
+              <a:ea typeface="DejaVu Sans"/>
+            </a:endParaRPr>
+          </a:p>
+        </p:txBody>
+      </p:sp>
+      <p:sp>
+        <p:nvSpPr>
+          <p:cNvPr id="26" name="PlaceHolder 1"/>
           <p:cNvSpPr>
             <a:spLocks noGrp="1"/>
           </p:cNvSpPr>
           <p:nvPr>
-            <p:ph type="title"/>
+            <p:ph type="ftr" idx="13"/>
           </p:nvPr>
         </p:nvSpPr>
         <p:spPr>
           <a:xfrm>
-            <a:off x="450000" y="270000"/>
-            <a:ext cx="9000000" cy="3240000"/>
-          </a:xfrm>
-          <a:prstGeom prst="rect">
-            <a:avLst/>
-          </a:prstGeom>
-          <a:noFill/>
-          <a:ln w="0">
-            <a:noFill/>
-          </a:ln>
-        </p:spPr>
-        <p:txBody>
-          <a:bodyPr lIns="0" rIns="0" tIns="0" bIns="0" anchor="b">
-            <a:normAutofit/>
-          </a:bodyPr>
-          <a:p>
-            <a:pPr indent="0">
-              <a:buNone/>
-            </a:pPr>
-            <a:r>
-              <a:rPr b="0" lang="en-US" sz="6000" spc="-1" strike="noStrike">
-                <a:solidFill>
-                  <a:srgbClr val="04617b"/>
-                </a:solidFill>
-                <a:latin typeface="Source Sans Pro Light"/>
-              </a:rPr>
-              <a:t>Demo Deck</a:t>
-            </a:r>
-            <a:endParaRPr b="0" lang="en-US" sz="6000" spc="-1" strike="noStrike">
-              <a:solidFill>
-                <a:srgbClr val="04617b"/>
-              </a:solidFill>
-              <a:latin typeface="Source Sans Pro Light"/>
-            </a:endParaRPr>
-          </a:p>
-        </p:txBody>
-      </p:sp>
-      <p:sp>
-        <p:nvSpPr>
-          <p:cNvPr id="24" name="PlaceHolder 2"/>
-          <p:cNvSpPr>
-            <a:spLocks noGrp="1"/>
-          </p:cNvSpPr>
-          <p:nvPr>
-            <p:ph type="subTitle"/>
-          </p:nvPr>
-        </p:nvSpPr>
-        <p:spPr>
-          <a:xfrm>
-            <a:off x="450000" y="3870000"/>
-            <a:ext cx="9000000" cy="1170000"/>
+            <a:off x="3420000" y="5119200"/>
+            <a:ext cx="3238920" cy="448920"/>
           </a:xfrm>
           <a:prstGeom prst="rect">
             <a:avLst/>
@@ -2426,30 +2462,469 @@
           <a:bodyPr lIns="0" rIns="0" tIns="0" bIns="0" anchor="t">
             <a:noAutofit/>
           </a:bodyPr>
+          <a:lstStyle>
+            <a:lvl1pPr indent="0" algn="ctr">
+              <a:lnSpc>
+                <a:spcPct val="100000"/>
+              </a:lnSpc>
+              <a:buNone/>
+              <a:tabLst>
+                <a:tab algn="l" pos="0"/>
+              </a:tabLst>
+              <a:defRPr b="0" lang="en-US" sz="2400" spc="-1" strike="noStrike">
+                <a:solidFill>
+                  <a:srgbClr val="484848"/>
+                </a:solidFill>
+                <a:latin typeface="Source Sans Pro"/>
+              </a:defRPr>
+            </a:lvl1pPr>
+          </a:lstStyle>
+          <a:p>
+            <a:pPr indent="0" algn="ctr">
+              <a:lnSpc>
+                <a:spcPct val="100000"/>
+              </a:lnSpc>
+              <a:buNone/>
+              <a:tabLst>
+                <a:tab algn="l" pos="0"/>
+              </a:tabLst>
+            </a:pPr>
+            <a:r>
+              <a:rPr b="0" lang="en-US" sz="2400" spc="-1" strike="noStrike">
+                <a:solidFill>
+                  <a:srgbClr val="484848"/>
+                </a:solidFill>
+                <a:latin typeface="Source Sans Pro"/>
+              </a:rPr>
+              <a:t>&lt;footer&gt;</a:t>
+            </a:r>
+            <a:endParaRPr b="0" lang="en-US" sz="2400" spc="-1" strike="noStrike">
+              <a:solidFill>
+                <a:srgbClr val="000000"/>
+              </a:solidFill>
+              <a:latin typeface="Times New Roman"/>
+            </a:endParaRPr>
+          </a:p>
+        </p:txBody>
+      </p:sp>
+      <p:sp>
+        <p:nvSpPr>
+          <p:cNvPr id="27" name="PlaceHolder 2"/>
+          <p:cNvSpPr>
+            <a:spLocks noGrp="1"/>
+          </p:cNvSpPr>
+          <p:nvPr>
+            <p:ph type="sldNum" idx="14"/>
+          </p:nvPr>
+        </p:nvSpPr>
+        <p:spPr>
+          <a:xfrm>
+            <a:off x="7650000" y="5130000"/>
+            <a:ext cx="1888920" cy="448920"/>
+          </a:xfrm>
+          <a:prstGeom prst="rect">
+            <a:avLst/>
+          </a:prstGeom>
+          <a:noFill/>
+          <a:ln w="0">
+            <a:noFill/>
+          </a:ln>
+        </p:spPr>
+        <p:txBody>
+          <a:bodyPr lIns="0" rIns="0" tIns="0" bIns="0" anchor="t">
+            <a:noAutofit/>
+          </a:bodyPr>
+          <a:lstStyle>
+            <a:lvl1pPr indent="0" algn="r">
+              <a:lnSpc>
+                <a:spcPct val="100000"/>
+              </a:lnSpc>
+              <a:buNone/>
+              <a:tabLst>
+                <a:tab algn="l" pos="0"/>
+              </a:tabLst>
+              <a:defRPr b="0" lang="en-US" sz="2400" spc="-1" strike="noStrike">
+                <a:solidFill>
+                  <a:srgbClr val="484848"/>
+                </a:solidFill>
+                <a:latin typeface="Source Sans Pro"/>
+              </a:defRPr>
+            </a:lvl1pPr>
+          </a:lstStyle>
+          <a:p>
+            <a:pPr indent="0" algn="r">
+              <a:lnSpc>
+                <a:spcPct val="100000"/>
+              </a:lnSpc>
+              <a:buNone/>
+              <a:tabLst>
+                <a:tab algn="l" pos="0"/>
+              </a:tabLst>
+            </a:pPr>
+            <a:fld id="{251A8AE5-090B-4408-BB22-F3D2F94F25D6}" type="slidenum">
+              <a:rPr b="0" lang="en-US" sz="2400" spc="-1" strike="noStrike">
+                <a:solidFill>
+                  <a:srgbClr val="484848"/>
+                </a:solidFill>
+                <a:latin typeface="Source Sans Pro"/>
+              </a:rPr>
+              <a:t>&lt;number&gt;</a:t>
+            </a:fld>
+            <a:endParaRPr b="0" lang="en-US" sz="2400" spc="-1" strike="noStrike">
+              <a:solidFill>
+                <a:srgbClr val="000000"/>
+              </a:solidFill>
+              <a:latin typeface="Times New Roman"/>
+            </a:endParaRPr>
+          </a:p>
+        </p:txBody>
+      </p:sp>
+      <p:sp>
+        <p:nvSpPr>
+          <p:cNvPr id="28" name="PlaceHolder 3"/>
+          <p:cNvSpPr>
+            <a:spLocks noGrp="1"/>
+          </p:cNvSpPr>
+          <p:nvPr>
+            <p:ph type="dt" idx="15"/>
+          </p:nvPr>
+        </p:nvSpPr>
+        <p:spPr>
+          <a:xfrm>
+            <a:off x="540000" y="5130000"/>
+            <a:ext cx="2338920" cy="448920"/>
+          </a:xfrm>
+          <a:prstGeom prst="rect">
+            <a:avLst/>
+          </a:prstGeom>
+          <a:noFill/>
+          <a:ln w="0">
+            <a:noFill/>
+          </a:ln>
+        </p:spPr>
+        <p:txBody>
+          <a:bodyPr lIns="0" rIns="0" tIns="0" bIns="0" anchor="t">
+            <a:noAutofit/>
+          </a:bodyPr>
+          <a:lstStyle>
+            <a:lvl1pPr indent="0">
+              <a:buNone/>
+              <a:defRPr b="0" lang="en-US" sz="1400" spc="-1" strike="noStrike">
+                <a:solidFill>
+                  <a:srgbClr val="000000"/>
+                </a:solidFill>
+                <a:latin typeface="Times New Roman"/>
+              </a:defRPr>
+            </a:lvl1pPr>
+          </a:lstStyle>
           <a:p>
             <a:pPr indent="0">
               <a:buNone/>
             </a:pPr>
-            <a:endParaRPr b="1" lang="en-US" sz="2700" spc="-1" strike="noStrike">
+            <a:r>
+              <a:rPr b="0" lang="en-US" sz="1400" spc="-1" strike="noStrike">
+                <a:solidFill>
+                  <a:srgbClr val="000000"/>
+                </a:solidFill>
+                <a:latin typeface="Times New Roman"/>
+              </a:rPr>
+              <a:t>&lt;date/time&gt;</a:t>
+            </a:r>
+            <a:endParaRPr b="0" lang="en-US" sz="1400" spc="-1" strike="noStrike">
               <a:solidFill>
-                <a:srgbClr val="dbf5f9"/>
+                <a:srgbClr val="000000"/>
               </a:solidFill>
-              <a:latin typeface="Source Sans Pro"/>
+              <a:latin typeface="Times New Roman"/>
+            </a:endParaRPr>
+          </a:p>
+        </p:txBody>
+      </p:sp>
+      <p:sp>
+        <p:nvSpPr>
+          <p:cNvPr id="29" name="PlaceHolder 4"/>
+          <p:cNvSpPr>
+            <a:spLocks noGrp="1"/>
+          </p:cNvSpPr>
+          <p:nvPr>
+            <p:ph type="title"/>
+          </p:nvPr>
+        </p:nvSpPr>
+        <p:spPr>
+          <a:xfrm>
+            <a:off x="504000" y="226080"/>
+            <a:ext cx="9072000" cy="946440"/>
+          </a:xfrm>
+          <a:prstGeom prst="rect">
+            <a:avLst/>
+          </a:prstGeom>
+          <a:noFill/>
+          <a:ln w="0">
+            <a:noFill/>
+          </a:ln>
+        </p:spPr>
+        <p:txBody>
+          <a:bodyPr lIns="0" rIns="0" tIns="0" bIns="0" anchor="ctr">
+            <a:noAutofit/>
+          </a:bodyPr>
+          <a:p>
+            <a:pPr indent="0" algn="ctr">
+              <a:buNone/>
+            </a:pPr>
+            <a:r>
+              <a:rPr b="0" lang="en-US" sz="4400" spc="-1" strike="noStrike">
+                <a:solidFill>
+                  <a:srgbClr val="000000"/>
+                </a:solidFill>
+                <a:latin typeface="Arial"/>
+              </a:rPr>
+              <a:t>Click to edit the title text format</a:t>
+            </a:r>
+            <a:endParaRPr b="0" lang="en-US" sz="4400" spc="-1" strike="noStrike">
+              <a:solidFill>
+                <a:srgbClr val="000000"/>
+              </a:solidFill>
+              <a:latin typeface="Arial"/>
+            </a:endParaRPr>
+          </a:p>
+        </p:txBody>
+      </p:sp>
+      <p:sp>
+        <p:nvSpPr>
+          <p:cNvPr id="30" name="PlaceHolder 5"/>
+          <p:cNvSpPr>
+            <a:spLocks noGrp="1"/>
+          </p:cNvSpPr>
+          <p:nvPr>
+            <p:ph type="body"/>
+          </p:nvPr>
+        </p:nvSpPr>
+        <p:spPr>
+          <a:xfrm>
+            <a:off x="504000" y="1326600"/>
+            <a:ext cx="9072000" cy="3288600"/>
+          </a:xfrm>
+          <a:prstGeom prst="rect">
+            <a:avLst/>
+          </a:prstGeom>
+          <a:noFill/>
+          <a:ln w="0">
+            <a:noFill/>
+          </a:ln>
+        </p:spPr>
+        <p:txBody>
+          <a:bodyPr lIns="0" rIns="0" tIns="0" bIns="0" anchor="t">
+            <a:normAutofit/>
+          </a:bodyPr>
+          <a:p>
+            <a:pPr marL="432000" indent="-324000">
+              <a:spcBef>
+                <a:spcPts val="1417"/>
+              </a:spcBef>
+              <a:buClr>
+                <a:srgbClr val="000000"/>
+              </a:buClr>
+              <a:buSzPct val="45000"/>
+              <a:buFont typeface="Wingdings" charset="2"/>
+              <a:buChar char=""/>
+            </a:pPr>
+            <a:r>
+              <a:rPr b="0" lang="en-US" sz="3200" spc="-1" strike="noStrike">
+                <a:solidFill>
+                  <a:srgbClr val="000000"/>
+                </a:solidFill>
+                <a:latin typeface="Arial"/>
+              </a:rPr>
+              <a:t>Click to edit the outline text format</a:t>
+            </a:r>
+            <a:endParaRPr b="0" lang="en-US" sz="3200" spc="-1" strike="noStrike">
+              <a:solidFill>
+                <a:srgbClr val="000000"/>
+              </a:solidFill>
+              <a:latin typeface="Arial"/>
+            </a:endParaRPr>
+          </a:p>
+          <a:p>
+            <a:pPr lvl="1" marL="864000" indent="-324000">
+              <a:spcBef>
+                <a:spcPts val="1134"/>
+              </a:spcBef>
+              <a:buClr>
+                <a:srgbClr val="000000"/>
+              </a:buClr>
+              <a:buSzPct val="75000"/>
+              <a:buFont typeface="Symbol" charset="2"/>
+              <a:buChar char=""/>
+            </a:pPr>
+            <a:r>
+              <a:rPr b="0" lang="en-US" sz="2800" spc="-1" strike="noStrike">
+                <a:solidFill>
+                  <a:srgbClr val="000000"/>
+                </a:solidFill>
+                <a:latin typeface="Arial"/>
+              </a:rPr>
+              <a:t>Second Outline Level</a:t>
+            </a:r>
+            <a:endParaRPr b="0" lang="en-US" sz="2800" spc="-1" strike="noStrike">
+              <a:solidFill>
+                <a:srgbClr val="000000"/>
+              </a:solidFill>
+              <a:latin typeface="Arial"/>
+            </a:endParaRPr>
+          </a:p>
+          <a:p>
+            <a:pPr lvl="2" marL="1296000" indent="-288000">
+              <a:spcBef>
+                <a:spcPts val="850"/>
+              </a:spcBef>
+              <a:buClr>
+                <a:srgbClr val="000000"/>
+              </a:buClr>
+              <a:buSzPct val="45000"/>
+              <a:buFont typeface="Wingdings" charset="2"/>
+              <a:buChar char=""/>
+            </a:pPr>
+            <a:r>
+              <a:rPr b="0" lang="en-US" sz="2400" spc="-1" strike="noStrike">
+                <a:solidFill>
+                  <a:srgbClr val="000000"/>
+                </a:solidFill>
+                <a:latin typeface="Arial"/>
+              </a:rPr>
+              <a:t>Third Outline Level</a:t>
+            </a:r>
+            <a:endParaRPr b="0" lang="en-US" sz="2400" spc="-1" strike="noStrike">
+              <a:solidFill>
+                <a:srgbClr val="000000"/>
+              </a:solidFill>
+              <a:latin typeface="Arial"/>
+            </a:endParaRPr>
+          </a:p>
+          <a:p>
+            <a:pPr lvl="3" marL="1728000" indent="-216000">
+              <a:spcBef>
+                <a:spcPts val="567"/>
+              </a:spcBef>
+              <a:buClr>
+                <a:srgbClr val="000000"/>
+              </a:buClr>
+              <a:buSzPct val="75000"/>
+              <a:buFont typeface="Symbol" charset="2"/>
+              <a:buChar char=""/>
+            </a:pPr>
+            <a:r>
+              <a:rPr b="0" lang="en-US" sz="2000" spc="-1" strike="noStrike">
+                <a:solidFill>
+                  <a:srgbClr val="000000"/>
+                </a:solidFill>
+                <a:latin typeface="Arial"/>
+              </a:rPr>
+              <a:t>Fourth Outline Level</a:t>
+            </a:r>
+            <a:endParaRPr b="0" lang="en-US" sz="2000" spc="-1" strike="noStrike">
+              <a:solidFill>
+                <a:srgbClr val="000000"/>
+              </a:solidFill>
+              <a:latin typeface="Arial"/>
+            </a:endParaRPr>
+          </a:p>
+          <a:p>
+            <a:pPr lvl="4" marL="2160000" indent="-216000">
+              <a:spcBef>
+                <a:spcPts val="283"/>
+              </a:spcBef>
+              <a:buClr>
+                <a:srgbClr val="000000"/>
+              </a:buClr>
+              <a:buSzPct val="45000"/>
+              <a:buFont typeface="Wingdings" charset="2"/>
+              <a:buChar char=""/>
+            </a:pPr>
+            <a:r>
+              <a:rPr b="0" lang="en-US" sz="2000" spc="-1" strike="noStrike">
+                <a:solidFill>
+                  <a:srgbClr val="000000"/>
+                </a:solidFill>
+                <a:latin typeface="Arial"/>
+              </a:rPr>
+              <a:t>Fifth Outline Level</a:t>
+            </a:r>
+            <a:endParaRPr b="0" lang="en-US" sz="2000" spc="-1" strike="noStrike">
+              <a:solidFill>
+                <a:srgbClr val="000000"/>
+              </a:solidFill>
+              <a:latin typeface="Arial"/>
+            </a:endParaRPr>
+          </a:p>
+          <a:p>
+            <a:pPr lvl="5" marL="2592000" indent="-216000">
+              <a:spcBef>
+                <a:spcPts val="283"/>
+              </a:spcBef>
+              <a:buClr>
+                <a:srgbClr val="000000"/>
+              </a:buClr>
+              <a:buSzPct val="45000"/>
+              <a:buFont typeface="Wingdings" charset="2"/>
+              <a:buChar char=""/>
+            </a:pPr>
+            <a:r>
+              <a:rPr b="0" lang="en-US" sz="2000" spc="-1" strike="noStrike">
+                <a:solidFill>
+                  <a:srgbClr val="000000"/>
+                </a:solidFill>
+                <a:latin typeface="Arial"/>
+              </a:rPr>
+              <a:t>Sixth Outline Level</a:t>
+            </a:r>
+            <a:endParaRPr b="0" lang="en-US" sz="2000" spc="-1" strike="noStrike">
+              <a:solidFill>
+                <a:srgbClr val="000000"/>
+              </a:solidFill>
+              <a:latin typeface="Arial"/>
+            </a:endParaRPr>
+          </a:p>
+          <a:p>
+            <a:pPr lvl="6" marL="3024000" indent="-216000">
+              <a:spcBef>
+                <a:spcPts val="283"/>
+              </a:spcBef>
+              <a:buClr>
+                <a:srgbClr val="000000"/>
+              </a:buClr>
+              <a:buSzPct val="45000"/>
+              <a:buFont typeface="Wingdings" charset="2"/>
+              <a:buChar char=""/>
+            </a:pPr>
+            <a:r>
+              <a:rPr b="0" lang="en-US" sz="2000" spc="-1" strike="noStrike">
+                <a:solidFill>
+                  <a:srgbClr val="000000"/>
+                </a:solidFill>
+                <a:latin typeface="Arial"/>
+              </a:rPr>
+              <a:t>Seventh Outline Level</a:t>
+            </a:r>
+            <a:endParaRPr b="0" lang="en-US" sz="2000" spc="-1" strike="noStrike">
+              <a:solidFill>
+                <a:srgbClr val="000000"/>
+              </a:solidFill>
+              <a:latin typeface="Arial"/>
             </a:endParaRPr>
           </a:p>
         </p:txBody>
       </p:sp>
     </p:spTree>
   </p:cSld>
-</p:sld>
+  <p:clrMap bg1="lt1" bg2="lt2" tx1="dk1" tx2="dk2" accent1="accent1" accent2="accent2" accent3="accent3" accent4="accent4" accent5="accent5" accent6="accent6" hlink="hlink" folHlink="folHlink"/>
+  <p:sldLayoutIdLst>
+    <p:sldLayoutId id="2147483657" r:id="rId2"/>
+  </p:sldLayoutIdLst>
+</p:sldMaster>
 </file>
 
-<file path=ppt/slides/slide2.xml><?xml version="1.0" encoding="utf-8"?>
+<file path=ppt/slides/slide1.xml><?xml version="1.0" encoding="utf-8"?>
 <p:sld xmlns:a="http://schemas.openxmlformats.org/drawingml/2006/main" xmlns:p="http://schemas.openxmlformats.org/presentationml/2006/main" xmlns:r="http://schemas.openxmlformats.org/officeDocument/2006/relationships" xmlns:p14="http://schemas.microsoft.com/office/powerpoint/2010/main" xmlns:p15="http://schemas.microsoft.com/office/powerpoint/2012/main" xmlns:mc="http://schemas.openxmlformats.org/markup-compatibility/2006">
   <p:cSld>
-    <p:bg>
-      <p:bgPr/>
-    </p:bg>
     <p:spTree>
       <p:nvGrpSpPr>
         <p:cNvPr id="1" name=""/>
@@ -2466,7 +2941,7 @@
       </p:grpSpPr>
       <p:sp>
         <p:nvSpPr>
-          <p:cNvPr id="25" name="PlaceHolder 1"/>
+          <p:cNvPr id="31" name="PlaceHolder 1"/>
           <p:cNvSpPr>
             <a:spLocks noGrp="1"/>
           </p:cNvSpPr>
@@ -2476,8 +2951,8 @@
         </p:nvSpPr>
         <p:spPr>
           <a:xfrm>
-            <a:off x="502920" y="90720"/>
-            <a:ext cx="9071640" cy="946800"/>
+            <a:off x="450000" y="270000"/>
+            <a:ext cx="8998920" cy="3238920"/>
           </a:xfrm>
           <a:prstGeom prst="rect">
             <a:avLst/>
@@ -2493,7 +2968,138 @@
           </a:bodyPr>
           <a:p>
             <a:pPr indent="0">
+              <a:lnSpc>
+                <a:spcPct val="100000"/>
+              </a:lnSpc>
               <a:buNone/>
+              <a:tabLst>
+                <a:tab algn="l" pos="0"/>
+              </a:tabLst>
+            </a:pPr>
+            <a:r>
+              <a:rPr b="0" lang="en-US" sz="6000" spc="-1" strike="noStrike">
+                <a:solidFill>
+                  <a:srgbClr val="04617b"/>
+                </a:solidFill>
+                <a:latin typeface="Source Sans Pro Light"/>
+              </a:rPr>
+              <a:t>Demo Deck</a:t>
+            </a:r>
+            <a:endParaRPr b="0" lang="en-US" sz="6000" spc="-1" strike="noStrike">
+              <a:solidFill>
+                <a:srgbClr val="000000"/>
+              </a:solidFill>
+              <a:latin typeface="Arial"/>
+            </a:endParaRPr>
+          </a:p>
+        </p:txBody>
+      </p:sp>
+      <p:sp>
+        <p:nvSpPr>
+          <p:cNvPr id="32" name="PlaceHolder 2"/>
+          <p:cNvSpPr>
+            <a:spLocks noGrp="1"/>
+          </p:cNvSpPr>
+          <p:nvPr>
+            <p:ph type="subTitle"/>
+          </p:nvPr>
+        </p:nvSpPr>
+        <p:spPr>
+          <a:xfrm>
+            <a:off x="450000" y="3870000"/>
+            <a:ext cx="8998920" cy="1168920"/>
+          </a:xfrm>
+          <a:prstGeom prst="rect">
+            <a:avLst/>
+          </a:prstGeom>
+          <a:noFill/>
+          <a:ln w="0">
+            <a:noFill/>
+          </a:ln>
+        </p:spPr>
+        <p:txBody>
+          <a:bodyPr lIns="0" rIns="0" tIns="0" bIns="0" anchor="t">
+            <a:noAutofit/>
+          </a:bodyPr>
+          <a:p>
+            <a:pPr indent="0" algn="ctr">
+              <a:buNone/>
+            </a:pPr>
+            <a:endParaRPr b="0" lang="en-US" sz="1800" spc="-1" strike="noStrike">
+              <a:solidFill>
+                <a:srgbClr val="000000"/>
+              </a:solidFill>
+              <a:latin typeface="Arial"/>
+            </a:endParaRPr>
+          </a:p>
+        </p:txBody>
+      </p:sp>
+    </p:spTree>
+  </p:cSld>
+  <mc:AlternateContent>
+    <mc:Choice Requires="p14">
+      <p:transition spd="slow" p14:dur="2000"/>
+    </mc:Choice>
+    <mc:Fallback>
+      <p:transition spd="slow"/>
+    </mc:Fallback>
+  </mc:AlternateContent>
+</p:sld>
+</file>
+
+<file path=ppt/slides/slide2.xml><?xml version="1.0" encoding="utf-8"?>
+<p:sld xmlns:a="http://schemas.openxmlformats.org/drawingml/2006/main" xmlns:p="http://schemas.openxmlformats.org/presentationml/2006/main" xmlns:r="http://schemas.openxmlformats.org/officeDocument/2006/relationships" xmlns:p14="http://schemas.microsoft.com/office/powerpoint/2010/main" xmlns:p15="http://schemas.microsoft.com/office/powerpoint/2012/main" xmlns:mc="http://schemas.openxmlformats.org/markup-compatibility/2006">
+  <p:cSld>
+    <p:spTree>
+      <p:nvGrpSpPr>
+        <p:cNvPr id="1" name=""/>
+        <p:cNvGrpSpPr/>
+        <p:nvPr/>
+      </p:nvGrpSpPr>
+      <p:grpSpPr>
+        <a:xfrm>
+          <a:off x="0" y="0"/>
+          <a:ext cx="0" cy="0"/>
+          <a:chOff x="0" y="0"/>
+          <a:chExt cx="0" cy="0"/>
+        </a:xfrm>
+      </p:grpSpPr>
+      <p:sp>
+        <p:nvSpPr>
+          <p:cNvPr id="33" name="PlaceHolder 1"/>
+          <p:cNvSpPr>
+            <a:spLocks noGrp="1"/>
+          </p:cNvSpPr>
+          <p:nvPr>
+            <p:ph type="title"/>
+          </p:nvPr>
+        </p:nvSpPr>
+        <p:spPr>
+          <a:xfrm>
+            <a:off x="502920" y="90720"/>
+            <a:ext cx="9070560" cy="945720"/>
+          </a:xfrm>
+          <a:prstGeom prst="rect">
+            <a:avLst/>
+          </a:prstGeom>
+          <a:noFill/>
+          <a:ln w="0">
+            <a:noFill/>
+          </a:ln>
+        </p:spPr>
+        <p:txBody>
+          <a:bodyPr lIns="0" rIns="0" tIns="0" bIns="0" anchor="b">
+            <a:normAutofit/>
+          </a:bodyPr>
+          <a:p>
+            <a:pPr indent="0">
+              <a:lnSpc>
+                <a:spcPct val="100000"/>
+              </a:lnSpc>
+              <a:buNone/>
+              <a:tabLst>
+                <a:tab algn="l" pos="0"/>
+              </a:tabLst>
             </a:pPr>
             <a:r>
               <a:rPr b="0" lang="en-US" sz="4500" spc="-1" strike="noStrike">
@@ -2506,22 +3112,22 @@
             </a:r>
             <a:endParaRPr b="0" lang="en-US" sz="4500" spc="-1" strike="noStrike">
               <a:solidFill>
-                <a:srgbClr val="ffffff"/>
+                <a:srgbClr val="000000"/>
               </a:solidFill>
-              <a:latin typeface="Source Sans Pro Light"/>
+              <a:latin typeface="Arial"/>
             </a:endParaRPr>
           </a:p>
         </p:txBody>
       </p:sp>
       <p:graphicFrame>
         <p:nvGraphicFramePr>
-          <p:cNvPr id="26" name=""/>
+          <p:cNvPr id="34" name=""/>
           <p:cNvGraphicFramePr/>
           <p:nvPr/>
         </p:nvGraphicFramePr>
         <p:xfrm>
           <a:off x="237960" y="1687680"/>
-          <a:ext cx="9021600" cy="769320"/>
+          <a:ext cx="12630960" cy="2361960"/>
         </p:xfrm>
         <a:graphic>
           <a:graphicData uri="http://schemas.openxmlformats.org/drawingml/2006/table">
@@ -2533,17 +3139,36 @@
                 <a:gridCol w="1804320"/>
                 <a:gridCol w="1804320"/>
                 <a:gridCol w="1804680"/>
+                <a:gridCol w="1804680"/>
+                <a:gridCol w="1804680"/>
               </a:tblGrid>
               <a:tr h="384840">
                 <a:tc>
                   <a:txBody>
-                    <a:bodyPr lIns="36000" rIns="36000" tIns="36000" bIns="36000" anchor="t">
+                    <a:bodyPr lIns="36000" rIns="36000" anchor="t">
                       <a:noAutofit/>
                     </a:bodyPr>
                     <a:p>
+                      <a:pPr>
+                        <a:lnSpc>
+                          <a:spcPct val="100000"/>
+                        </a:lnSpc>
+                      </a:pPr>
                       <a:r>
-                        <a:t>SPEND</a:t>
+                        <a:rPr b="0" lang="en-US" sz="1800" spc="-1" strike="noStrike">
+                          <a:solidFill>
+                            <a:srgbClr val="000000"/>
+                          </a:solidFill>
+                          <a:latin typeface="Arial"/>
+                        </a:rPr>
+                        <a:t>Year</a:t>
                       </a:r>
+                      <a:endParaRPr b="0" lang="en-US" sz="1800" spc="-1" strike="noStrike">
+                        <a:solidFill>
+                          <a:srgbClr val="000000"/>
+                        </a:solidFill>
+                        <a:latin typeface="Arial"/>
+                      </a:endParaRPr>
                     </a:p>
                   </a:txBody>
                   <a:tcPr anchor="t" marL="36000" marR="36000">
@@ -2576,12 +3201,14 @@
                 </a:tc>
                 <a:tc>
                   <a:txBody>
-                    <a:bodyPr lIns="36000" rIns="36000" tIns="36000" bIns="36000" anchor="t">
+                    <a:bodyPr lIns="36000" rIns="36000" anchor="t">
                       <a:noAutofit/>
                     </a:bodyPr>
                     <a:p>
-                      <a:pPr indent="0">
-                        <a:buNone/>
+                      <a:pPr>
+                        <a:lnSpc>
+                          <a:spcPct val="100000"/>
+                        </a:lnSpc>
                       </a:pPr>
                       <a:r>
                         <a:rPr b="0" lang="en-US" sz="1800" spc="-1" strike="noStrike">
@@ -2630,12 +3257,14 @@
                 </a:tc>
                 <a:tc>
                   <a:txBody>
-                    <a:bodyPr lIns="36000" rIns="36000" tIns="36000" bIns="36000" anchor="t">
+                    <a:bodyPr lIns="36000" rIns="36000" anchor="t">
                       <a:noAutofit/>
                     </a:bodyPr>
                     <a:p>
-                      <a:pPr indent="0">
-                        <a:buNone/>
+                      <a:pPr>
+                        <a:lnSpc>
+                          <a:spcPct val="100000"/>
+                        </a:lnSpc>
                       </a:pPr>
                       <a:r>
                         <a:rPr b="0" lang="en-US" sz="1800" spc="-1" strike="noStrike">
@@ -2684,12 +3313,126 @@
                 </a:tc>
                 <a:tc>
                   <a:txBody>
-                    <a:bodyPr lIns="36000" rIns="36000" tIns="36000" bIns="36000" anchor="t">
+                    <a:bodyPr lIns="36000" rIns="36000" anchor="t">
                       <a:noAutofit/>
                     </a:bodyPr>
                     <a:p>
-                      <a:pPr indent="0">
-                        <a:buNone/>
+                      <a:pPr>
+                        <a:lnSpc>
+                          <a:spcPct val="100000"/>
+                        </a:lnSpc>
+                      </a:pPr>
+                      <a:r>
+                        <a:rPr b="0" lang="en-US" sz="1800" spc="-1" strike="noStrike">
+                          <a:solidFill>
+                            <a:srgbClr val="000000"/>
+                          </a:solidFill>
+                          <a:latin typeface="Arial"/>
+                        </a:rPr>
+                        <a:t>CTR</a:t>
+                      </a:r>
+                      <a:endParaRPr b="0" lang="en-US" sz="1800" spc="-1" strike="noStrike">
+                        <a:solidFill>
+                          <a:srgbClr val="000000"/>
+                        </a:solidFill>
+                        <a:latin typeface="Arial"/>
+                      </a:endParaRPr>
+                    </a:p>
+                  </a:txBody>
+                  <a:tcPr anchor="t" marL="36000" marR="36000">
+                    <a:lnL w="7200">
+                      <a:solidFill>
+                        <a:srgbClr val="000000"/>
+                      </a:solidFill>
+                      <a:prstDash val="solid"/>
+                    </a:lnL>
+                    <a:lnR w="7200">
+                      <a:solidFill>
+                        <a:srgbClr val="000000"/>
+                      </a:solidFill>
+                      <a:prstDash val="solid"/>
+                    </a:lnR>
+                    <a:lnT w="7200">
+                      <a:solidFill>
+                        <a:srgbClr val="000000"/>
+                      </a:solidFill>
+                      <a:prstDash val="solid"/>
+                    </a:lnT>
+                    <a:lnB w="7200">
+                      <a:solidFill>
+                        <a:srgbClr val="000000"/>
+                      </a:solidFill>
+                      <a:prstDash val="solid"/>
+                    </a:lnB>
+                    <a:noFill/>
+                  </a:tcPr>
+                </a:tc>
+                <a:tc>
+                  <a:txBody>
+                    <a:bodyPr lIns="36000" rIns="36000" anchor="t">
+                      <a:noAutofit/>
+                    </a:bodyPr>
+                    <a:p>
+                      <a:pPr>
+                        <a:lnSpc>
+                          <a:spcPct val="100000"/>
+                        </a:lnSpc>
+                      </a:pPr>
+                      <a:r>
+                        <a:rPr b="0" lang="en-US" sz="1800" spc="-1" strike="noStrike">
+                          <a:solidFill>
+                            <a:srgbClr val="000000"/>
+                          </a:solidFill>
+                          <a:latin typeface="Arial"/>
+                        </a:rPr>
+                        <a:t>CPC</a:t>
+                      </a:r>
+                      <a:endParaRPr b="0" lang="en-US" sz="1800" spc="-1" strike="noStrike">
+                        <a:solidFill>
+                          <a:srgbClr val="000000"/>
+                        </a:solidFill>
+                        <a:latin typeface="Arial"/>
+                      </a:endParaRPr>
+                    </a:p>
+                  </a:txBody>
+                  <a:tcPr anchor="t" marL="36000" marR="36000">
+                    <a:lnL w="7200">
+                      <a:solidFill>
+                        <a:srgbClr val="000000"/>
+                      </a:solidFill>
+                      <a:prstDash val="solid"/>
+                    </a:lnL>
+                    <a:lnR w="7200">
+                      <a:solidFill>
+                        <a:srgbClr val="000000"/>
+                      </a:solidFill>
+                      <a:prstDash val="solid"/>
+                    </a:lnR>
+                    <a:lnT w="7200">
+                      <a:solidFill>
+                        <a:srgbClr val="000000"/>
+                      </a:solidFill>
+                      <a:prstDash val="solid"/>
+                    </a:lnT>
+                    <a:lnB w="7200">
+                      <a:solidFill>
+                        <a:srgbClr val="000000"/>
+                      </a:solidFill>
+                      <a:prstDash val="solid"/>
+                    </a:lnB>
+                    <a:noFill/>
+                  </a:tcPr>
+                </a:tc>
+                <a:tc>
+                  <a:txBody>
+                    <a:bodyPr lIns="36000" rIns="36000" anchor="t">
+                      <a:noAutofit/>
+                    </a:bodyPr>
+                    <a:p>
+                      <a:pPr>
+                        <a:lnSpc>
+                          <a:spcPct val="100000"/>
+                        </a:lnSpc>
                       </a:pPr>
                       <a:r>
                         <a:rPr b="0" lang="en-US" sz="1800" spc="-1" strike="noStrike">
@@ -2738,12 +3481,916 @@
                 </a:tc>
                 <a:tc>
                   <a:txBody>
-                    <a:bodyPr lIns="36000" rIns="36000" tIns="36000" bIns="36000" anchor="t">
+                    <a:bodyPr lIns="36000" rIns="36000" anchor="t">
                       <a:noAutofit/>
                     </a:bodyPr>
                     <a:p>
-                      <a:pPr indent="0">
-                        <a:buNone/>
+                      <a:pPr>
+                        <a:lnSpc>
+                          <a:spcPct val="100000"/>
+                        </a:lnSpc>
+                      </a:pPr>
+                      <a:r>
+                        <a:rPr b="0" lang="en-US" sz="1800" spc="-1" strike="noStrike">
+                          <a:solidFill>
+                            <a:srgbClr val="000000"/>
+                          </a:solidFill>
+                          <a:latin typeface="Arial"/>
+                        </a:rPr>
+                        <a:t>Conv. Rate</a:t>
+                      </a:r>
+                      <a:endParaRPr b="0" lang="en-US" sz="1800" spc="-1" strike="noStrike">
+                        <a:solidFill>
+                          <a:srgbClr val="000000"/>
+                        </a:solidFill>
+                        <a:latin typeface="Arial"/>
+                      </a:endParaRPr>
+                    </a:p>
+                  </a:txBody>
+                  <a:tcPr anchor="t" marL="36000" marR="36000">
+                    <a:lnL w="7200">
+                      <a:solidFill>
+                        <a:srgbClr val="000000"/>
+                      </a:solidFill>
+                      <a:prstDash val="solid"/>
+                    </a:lnL>
+                    <a:lnR w="7200">
+                      <a:solidFill>
+                        <a:srgbClr val="000000"/>
+                      </a:solidFill>
+                      <a:prstDash val="solid"/>
+                    </a:lnR>
+                    <a:lnT w="7200">
+                      <a:solidFill>
+                        <a:srgbClr val="000000"/>
+                      </a:solidFill>
+                      <a:prstDash val="solid"/>
+                    </a:lnT>
+                    <a:lnB w="7200">
+                      <a:solidFill>
+                        <a:srgbClr val="000000"/>
+                      </a:solidFill>
+                      <a:prstDash val="solid"/>
+                    </a:lnB>
+                    <a:noFill/>
+                  </a:tcPr>
+                </a:tc>
+              </a:tr>
+              <a:tr h="384840">
+                <a:tc>
+                  <a:txBody>
+                    <a:bodyPr lIns="36000" rIns="36000" anchor="t">
+                      <a:noAutofit/>
+                    </a:bodyPr>
+                    <a:p>
+                      <a:pPr>
+                        <a:lnSpc>
+                          <a:spcPct val="100000"/>
+                        </a:lnSpc>
+                      </a:pPr>
+                      <a:r>
+                        <a:rPr b="0" lang="en-US" sz="1800" spc="-1" strike="noStrike">
+                          <a:solidFill>
+                            <a:srgbClr val="000000"/>
+                          </a:solidFill>
+                          <a:latin typeface="Arial"/>
+                        </a:rPr>
+                        <a:t>2024</a:t>
+                      </a:r>
+                      <a:endParaRPr b="0" lang="en-US" sz="1800" spc="-1" strike="noStrike">
+                        <a:solidFill>
+                          <a:srgbClr val="000000"/>
+                        </a:solidFill>
+                        <a:latin typeface="Arial"/>
+                      </a:endParaRPr>
+                    </a:p>
+                  </a:txBody>
+                  <a:tcPr anchor="t" marL="36000" marR="36000">
+                    <a:lnL w="7200">
+                      <a:solidFill>
+                        <a:srgbClr val="000000"/>
+                      </a:solidFill>
+                      <a:prstDash val="solid"/>
+                    </a:lnL>
+                    <a:lnR w="7200">
+                      <a:solidFill>
+                        <a:srgbClr val="000000"/>
+                      </a:solidFill>
+                      <a:prstDash val="solid"/>
+                    </a:lnR>
+                    <a:lnT w="7200">
+                      <a:solidFill>
+                        <a:srgbClr val="000000"/>
+                      </a:solidFill>
+                      <a:prstDash val="solid"/>
+                    </a:lnT>
+                    <a:lnB w="7200">
+                      <a:solidFill>
+                        <a:srgbClr val="000000"/>
+                      </a:solidFill>
+                      <a:prstDash val="solid"/>
+                    </a:lnB>
+                    <a:noFill/>
+                  </a:tcPr>
+                </a:tc>
+                <a:tc>
+                  <a:txBody>
+                    <a:bodyPr lIns="36000" rIns="36000" anchor="t">
+                      <a:noAutofit/>
+                    </a:bodyPr>
+                    <a:p>
+                      <a:pPr>
+                        <a:lnSpc>
+                          <a:spcPct val="100000"/>
+                        </a:lnSpc>
+                      </a:pPr>
+                      <a:r>
+                        <a:rPr b="0" lang="en-US" sz="1800" spc="-1" strike="noStrike">
+                          <a:solidFill>
+                            <a:srgbClr val="000000"/>
+                          </a:solidFill>
+                          <a:latin typeface="Arial"/>
+                        </a:rPr>
+                        <a:t>1031778000.0</a:t>
+                      </a:r>
+                      <a:endParaRPr b="0" lang="en-US" sz="1800" spc="-1" strike="noStrike">
+                        <a:solidFill>
+                          <a:srgbClr val="000000"/>
+                        </a:solidFill>
+                        <a:latin typeface="Arial"/>
+                      </a:endParaRPr>
+                    </a:p>
+                  </a:txBody>
+                  <a:tcPr anchor="t" marL="36000" marR="36000">
+                    <a:lnL w="7200">
+                      <a:solidFill>
+                        <a:srgbClr val="000000"/>
+                      </a:solidFill>
+                      <a:prstDash val="solid"/>
+                    </a:lnL>
+                    <a:lnR w="7200">
+                      <a:solidFill>
+                        <a:srgbClr val="000000"/>
+                      </a:solidFill>
+                      <a:prstDash val="solid"/>
+                    </a:lnR>
+                    <a:lnT w="7200">
+                      <a:solidFill>
+                        <a:srgbClr val="000000"/>
+                      </a:solidFill>
+                      <a:prstDash val="solid"/>
+                    </a:lnT>
+                    <a:lnB w="7200">
+                      <a:solidFill>
+                        <a:srgbClr val="000000"/>
+                      </a:solidFill>
+                      <a:prstDash val="solid"/>
+                    </a:lnB>
+                    <a:noFill/>
+                  </a:tcPr>
+                </a:tc>
+                <a:tc>
+                  <a:txBody>
+                    <a:bodyPr lIns="36000" rIns="36000" anchor="t">
+                      <a:noAutofit/>
+                    </a:bodyPr>
+                    <a:p>
+                      <a:pPr>
+                        <a:lnSpc>
+                          <a:spcPct val="100000"/>
+                        </a:lnSpc>
+                      </a:pPr>
+                      <a:r>
+                        <a:rPr b="0" lang="en-US" sz="1800" spc="-1" strike="noStrike">
+                          <a:solidFill>
+                            <a:srgbClr val="000000"/>
+                          </a:solidFill>
+                          <a:latin typeface="Arial"/>
+                        </a:rPr>
+                        <a:t>127889599.0</a:t>
+                      </a:r>
+                      <a:endParaRPr b="0" lang="en-US" sz="1800" spc="-1" strike="noStrike">
+                        <a:solidFill>
+                          <a:srgbClr val="000000"/>
+                        </a:solidFill>
+                        <a:latin typeface="Arial"/>
+                      </a:endParaRPr>
+                    </a:p>
+                  </a:txBody>
+                  <a:tcPr anchor="t" marL="36000" marR="36000">
+                    <a:lnL w="7200">
+                      <a:solidFill>
+                        <a:srgbClr val="000000"/>
+                      </a:solidFill>
+                      <a:prstDash val="solid"/>
+                    </a:lnL>
+                    <a:lnR w="7200">
+                      <a:solidFill>
+                        <a:srgbClr val="000000"/>
+                      </a:solidFill>
+                      <a:prstDash val="solid"/>
+                    </a:lnR>
+                    <a:lnT w="7200">
+                      <a:solidFill>
+                        <a:srgbClr val="000000"/>
+                      </a:solidFill>
+                      <a:prstDash val="solid"/>
+                    </a:lnT>
+                    <a:lnB w="7200">
+                      <a:solidFill>
+                        <a:srgbClr val="000000"/>
+                      </a:solidFill>
+                      <a:prstDash val="solid"/>
+                    </a:lnB>
+                    <a:noFill/>
+                  </a:tcPr>
+                </a:tc>
+                <a:tc>
+                  <a:txBody>
+                    <a:bodyPr lIns="36000" rIns="36000" anchor="t">
+                      <a:noAutofit/>
+                    </a:bodyPr>
+                    <a:p>
+                      <a:pPr>
+                        <a:lnSpc>
+                          <a:spcPct val="100000"/>
+                        </a:lnSpc>
+                      </a:pPr>
+                      <a:r>
+                        <a:rPr b="0" lang="en-US" sz="1800" spc="-1" strike="noStrike">
+                          <a:solidFill>
+                            <a:srgbClr val="000000"/>
+                          </a:solidFill>
+                          <a:latin typeface="Arial"/>
+                        </a:rPr>
+                        <a:t>0.123950693850809</a:t>
+                      </a:r>
+                      <a:endParaRPr b="0" lang="en-US" sz="1800" spc="-1" strike="noStrike">
+                        <a:solidFill>
+                          <a:srgbClr val="000000"/>
+                        </a:solidFill>
+                        <a:latin typeface="Arial"/>
+                      </a:endParaRPr>
+                    </a:p>
+                  </a:txBody>
+                  <a:tcPr anchor="t" marL="36000" marR="36000">
+                    <a:lnL w="7200">
+                      <a:solidFill>
+                        <a:srgbClr val="000000"/>
+                      </a:solidFill>
+                      <a:prstDash val="solid"/>
+                    </a:lnL>
+                    <a:lnR w="7200">
+                      <a:solidFill>
+                        <a:srgbClr val="000000"/>
+                      </a:solidFill>
+                      <a:prstDash val="solid"/>
+                    </a:lnR>
+                    <a:lnT w="7200">
+                      <a:solidFill>
+                        <a:srgbClr val="000000"/>
+                      </a:solidFill>
+                      <a:prstDash val="solid"/>
+                    </a:lnT>
+                    <a:lnB w="7200">
+                      <a:solidFill>
+                        <a:srgbClr val="000000"/>
+                      </a:solidFill>
+                      <a:prstDash val="solid"/>
+                    </a:lnB>
+                    <a:noFill/>
+                  </a:tcPr>
+                </a:tc>
+                <a:tc>
+                  <a:txBody>
+                    <a:bodyPr lIns="36000" rIns="36000" anchor="t">
+                      <a:noAutofit/>
+                    </a:bodyPr>
+                    <a:p>
+                      <a:pPr>
+                        <a:lnSpc>
+                          <a:spcPct val="100000"/>
+                        </a:lnSpc>
+                      </a:pPr>
+                      <a:r>
+                        <a:rPr b="0" lang="en-US" sz="1800" spc="-1" strike="noStrike">
+                          <a:solidFill>
+                            <a:srgbClr val="000000"/>
+                          </a:solidFill>
+                          <a:latin typeface="Arial"/>
+                        </a:rPr>
+                        <a:t>0.0001954811039481</a:t>
+                      </a:r>
+                      <a:endParaRPr b="0" lang="en-US" sz="1800" spc="-1" strike="noStrike">
+                        <a:solidFill>
+                          <a:srgbClr val="000000"/>
+                        </a:solidFill>
+                        <a:latin typeface="Arial"/>
+                      </a:endParaRPr>
+                    </a:p>
+                  </a:txBody>
+                  <a:tcPr anchor="t" marL="36000" marR="36000">
+                    <a:lnL w="7200">
+                      <a:solidFill>
+                        <a:srgbClr val="000000"/>
+                      </a:solidFill>
+                      <a:prstDash val="solid"/>
+                    </a:lnL>
+                    <a:lnR w="7200">
+                      <a:solidFill>
+                        <a:srgbClr val="000000"/>
+                      </a:solidFill>
+                      <a:prstDash val="solid"/>
+                    </a:lnR>
+                    <a:lnT w="7200">
+                      <a:solidFill>
+                        <a:srgbClr val="000000"/>
+                      </a:solidFill>
+                      <a:prstDash val="solid"/>
+                    </a:lnT>
+                    <a:lnB w="7200">
+                      <a:solidFill>
+                        <a:srgbClr val="000000"/>
+                      </a:solidFill>
+                      <a:prstDash val="solid"/>
+                    </a:lnB>
+                    <a:noFill/>
+                  </a:tcPr>
+                </a:tc>
+                <a:tc>
+                  <a:txBody>
+                    <a:bodyPr lIns="36000" rIns="36000" anchor="t">
+                      <a:noAutofit/>
+                    </a:bodyPr>
+                    <a:p>
+                      <a:pPr>
+                        <a:lnSpc>
+                          <a:spcPct val="100000"/>
+                        </a:lnSpc>
+                      </a:pPr>
+                      <a:r>
+                        <a:rPr b="0" lang="en-US" sz="1800" spc="-1" strike="noStrike">
+                          <a:solidFill>
+                            <a:srgbClr val="000000"/>
+                          </a:solidFill>
+                          <a:latin typeface="Arial"/>
+                        </a:rPr>
+                        <a:t>16609671.7091</a:t>
+                      </a:r>
+                      <a:endParaRPr b="0" lang="en-US" sz="1800" spc="-1" strike="noStrike">
+                        <a:solidFill>
+                          <a:srgbClr val="000000"/>
+                        </a:solidFill>
+                        <a:latin typeface="Arial"/>
+                      </a:endParaRPr>
+                    </a:p>
+                  </a:txBody>
+                  <a:tcPr anchor="t" marL="36000" marR="36000">
+                    <a:lnL w="7200">
+                      <a:solidFill>
+                        <a:srgbClr val="000000"/>
+                      </a:solidFill>
+                      <a:prstDash val="solid"/>
+                    </a:lnL>
+                    <a:lnR w="7200">
+                      <a:solidFill>
+                        <a:srgbClr val="000000"/>
+                      </a:solidFill>
+                      <a:prstDash val="solid"/>
+                    </a:lnR>
+                    <a:lnT w="7200">
+                      <a:solidFill>
+                        <a:srgbClr val="000000"/>
+                      </a:solidFill>
+                      <a:prstDash val="solid"/>
+                    </a:lnT>
+                    <a:lnB w="7200">
+                      <a:solidFill>
+                        <a:srgbClr val="000000"/>
+                      </a:solidFill>
+                      <a:prstDash val="solid"/>
+                    </a:lnB>
+                    <a:noFill/>
+                  </a:tcPr>
+                </a:tc>
+                <a:tc>
+                  <a:txBody>
+                    <a:bodyPr lIns="36000" rIns="36000" anchor="t">
+                      <a:noAutofit/>
+                    </a:bodyPr>
+                    <a:p>
+                      <a:pPr>
+                        <a:lnSpc>
+                          <a:spcPct val="100000"/>
+                        </a:lnSpc>
+                      </a:pPr>
+                      <a:r>
+                        <a:rPr b="0" lang="en-US" sz="1800" spc="-1" strike="noStrike">
+                          <a:solidFill>
+                            <a:srgbClr val="000000"/>
+                          </a:solidFill>
+                          <a:latin typeface="Arial"/>
+                        </a:rPr>
+                        <a:t>0.1298750784971966</a:t>
+                      </a:r>
+                      <a:endParaRPr b="0" lang="en-US" sz="1800" spc="-1" strike="noStrike">
+                        <a:solidFill>
+                          <a:srgbClr val="000000"/>
+                        </a:solidFill>
+                        <a:latin typeface="Arial"/>
+                      </a:endParaRPr>
+                    </a:p>
+                  </a:txBody>
+                  <a:tcPr anchor="t" marL="36000" marR="36000">
+                    <a:lnL w="7200">
+                      <a:solidFill>
+                        <a:srgbClr val="000000"/>
+                      </a:solidFill>
+                      <a:prstDash val="solid"/>
+                    </a:lnL>
+                    <a:lnR w="7200">
+                      <a:solidFill>
+                        <a:srgbClr val="000000"/>
+                      </a:solidFill>
+                      <a:prstDash val="solid"/>
+                    </a:lnR>
+                    <a:lnT w="7200">
+                      <a:solidFill>
+                        <a:srgbClr val="000000"/>
+                      </a:solidFill>
+                      <a:prstDash val="solid"/>
+                    </a:lnT>
+                    <a:lnB w="7200">
+                      <a:solidFill>
+                        <a:srgbClr val="000000"/>
+                      </a:solidFill>
+                      <a:prstDash val="solid"/>
+                    </a:lnB>
+                    <a:noFill/>
+                  </a:tcPr>
+                </a:tc>
+              </a:tr>
+              <a:tr h="384840">
+                <a:tc>
+                  <a:txBody>
+                    <a:bodyPr lIns="36000" rIns="36000" anchor="t">
+                      <a:noAutofit/>
+                    </a:bodyPr>
+                    <a:p>
+                      <a:pPr>
+                        <a:lnSpc>
+                          <a:spcPct val="100000"/>
+                        </a:lnSpc>
+                      </a:pPr>
+                      <a:r>
+                        <a:rPr b="0" lang="en-US" sz="1800" spc="-1" strike="noStrike">
+                          <a:solidFill>
+                            <a:srgbClr val="000000"/>
+                          </a:solidFill>
+                          <a:latin typeface="Arial"/>
+                        </a:rPr>
+                        <a:t>2023</a:t>
+                      </a:r>
+                      <a:endParaRPr b="0" lang="en-US" sz="1800" spc="-1" strike="noStrike">
+                        <a:solidFill>
+                          <a:srgbClr val="000000"/>
+                        </a:solidFill>
+                        <a:latin typeface="Arial"/>
+                      </a:endParaRPr>
+                    </a:p>
+                  </a:txBody>
+                  <a:tcPr anchor="t" marL="36000" marR="36000">
+                    <a:lnL w="7200">
+                      <a:solidFill>
+                        <a:srgbClr val="000000"/>
+                      </a:solidFill>
+                      <a:prstDash val="solid"/>
+                    </a:lnL>
+                    <a:lnR w="7200">
+                      <a:solidFill>
+                        <a:srgbClr val="000000"/>
+                      </a:solidFill>
+                      <a:prstDash val="solid"/>
+                    </a:lnR>
+                    <a:lnT w="7200">
+                      <a:solidFill>
+                        <a:srgbClr val="000000"/>
+                      </a:solidFill>
+                      <a:prstDash val="solid"/>
+                    </a:lnT>
+                    <a:lnB w="7200">
+                      <a:solidFill>
+                        <a:srgbClr val="000000"/>
+                      </a:solidFill>
+                      <a:prstDash val="solid"/>
+                    </a:lnB>
+                    <a:noFill/>
+                  </a:tcPr>
+                </a:tc>
+                <a:tc>
+                  <a:txBody>
+                    <a:bodyPr lIns="36000" rIns="36000" anchor="t">
+                      <a:noAutofit/>
+                    </a:bodyPr>
+                    <a:p>
+                      <a:pPr>
+                        <a:lnSpc>
+                          <a:spcPct val="100000"/>
+                        </a:lnSpc>
+                      </a:pPr>
+                      <a:r>
+                        <a:rPr b="0" lang="en-US" sz="1800" spc="-1" strike="noStrike">
+                          <a:solidFill>
+                            <a:srgbClr val="000000"/>
+                          </a:solidFill>
+                          <a:latin typeface="Arial"/>
+                        </a:rPr>
+                        <a:t>985011000.0</a:t>
+                      </a:r>
+                      <a:endParaRPr b="0" lang="en-US" sz="1800" spc="-1" strike="noStrike">
+                        <a:solidFill>
+                          <a:srgbClr val="000000"/>
+                        </a:solidFill>
+                        <a:latin typeface="Arial"/>
+                      </a:endParaRPr>
+                    </a:p>
+                  </a:txBody>
+                  <a:tcPr anchor="t" marL="36000" marR="36000">
+                    <a:lnL w="7200">
+                      <a:solidFill>
+                        <a:srgbClr val="000000"/>
+                      </a:solidFill>
+                      <a:prstDash val="solid"/>
+                    </a:lnL>
+                    <a:lnR w="7200">
+                      <a:solidFill>
+                        <a:srgbClr val="000000"/>
+                      </a:solidFill>
+                      <a:prstDash val="solid"/>
+                    </a:lnR>
+                    <a:lnT w="7200">
+                      <a:solidFill>
+                        <a:srgbClr val="000000"/>
+                      </a:solidFill>
+                      <a:prstDash val="solid"/>
+                    </a:lnT>
+                    <a:lnB w="7200">
+                      <a:solidFill>
+                        <a:srgbClr val="000000"/>
+                      </a:solidFill>
+                      <a:prstDash val="solid"/>
+                    </a:lnB>
+                    <a:noFill/>
+                  </a:tcPr>
+                </a:tc>
+                <a:tc>
+                  <a:txBody>
+                    <a:bodyPr lIns="36000" rIns="36000" anchor="t">
+                      <a:noAutofit/>
+                    </a:bodyPr>
+                    <a:p>
+                      <a:pPr>
+                        <a:lnSpc>
+                          <a:spcPct val="100000"/>
+                        </a:lnSpc>
+                      </a:pPr>
+                      <a:r>
+                        <a:rPr b="0" lang="en-US" sz="1800" spc="-1" strike="noStrike">
+                          <a:solidFill>
+                            <a:srgbClr val="000000"/>
+                          </a:solidFill>
+                          <a:latin typeface="Arial"/>
+                        </a:rPr>
+                        <a:t>100783000.0</a:t>
+                      </a:r>
+                      <a:endParaRPr b="0" lang="en-US" sz="1800" spc="-1" strike="noStrike">
+                        <a:solidFill>
+                          <a:srgbClr val="000000"/>
+                        </a:solidFill>
+                        <a:latin typeface="Arial"/>
+                      </a:endParaRPr>
+                    </a:p>
+                  </a:txBody>
+                  <a:tcPr anchor="t" marL="36000" marR="36000">
+                    <a:lnL w="7200">
+                      <a:solidFill>
+                        <a:srgbClr val="000000"/>
+                      </a:solidFill>
+                      <a:prstDash val="solid"/>
+                    </a:lnL>
+                    <a:lnR w="7200">
+                      <a:solidFill>
+                        <a:srgbClr val="000000"/>
+                      </a:solidFill>
+                      <a:prstDash val="solid"/>
+                    </a:lnR>
+                    <a:lnT w="7200">
+                      <a:solidFill>
+                        <a:srgbClr val="000000"/>
+                      </a:solidFill>
+                      <a:prstDash val="solid"/>
+                    </a:lnT>
+                    <a:lnB w="7200">
+                      <a:solidFill>
+                        <a:srgbClr val="000000"/>
+                      </a:solidFill>
+                      <a:prstDash val="solid"/>
+                    </a:lnB>
+                    <a:noFill/>
+                  </a:tcPr>
+                </a:tc>
+                <a:tc>
+                  <a:txBody>
+                    <a:bodyPr lIns="36000" rIns="36000" anchor="t">
+                      <a:noAutofit/>
+                    </a:bodyPr>
+                    <a:p>
+                      <a:pPr>
+                        <a:lnSpc>
+                          <a:spcPct val="100000"/>
+                        </a:lnSpc>
+                      </a:pPr>
+                      <a:r>
+                        <a:rPr b="0" lang="en-US" sz="1800" spc="-1" strike="noStrike">
+                          <a:solidFill>
+                            <a:srgbClr val="000000"/>
+                          </a:solidFill>
+                          <a:latin typeface="Arial"/>
+                        </a:rPr>
+                        <a:t>0.1023166238752663</a:t>
+                      </a:r>
+                      <a:endParaRPr b="0" lang="en-US" sz="1800" spc="-1" strike="noStrike">
+                        <a:solidFill>
+                          <a:srgbClr val="000000"/>
+                        </a:solidFill>
+                        <a:latin typeface="Arial"/>
+                      </a:endParaRPr>
+                    </a:p>
+                  </a:txBody>
+                  <a:tcPr anchor="t" marL="36000" marR="36000">
+                    <a:lnL w="7200">
+                      <a:solidFill>
+                        <a:srgbClr val="000000"/>
+                      </a:solidFill>
+                      <a:prstDash val="solid"/>
+                    </a:lnL>
+                    <a:lnR w="7200">
+                      <a:solidFill>
+                        <a:srgbClr val="000000"/>
+                      </a:solidFill>
+                      <a:prstDash val="solid"/>
+                    </a:lnR>
+                    <a:lnT w="7200">
+                      <a:solidFill>
+                        <a:srgbClr val="000000"/>
+                      </a:solidFill>
+                      <a:prstDash val="solid"/>
+                    </a:lnT>
+                    <a:lnB w="7200">
+                      <a:solidFill>
+                        <a:srgbClr val="000000"/>
+                      </a:solidFill>
+                      <a:prstDash val="solid"/>
+                    </a:lnB>
+                    <a:noFill/>
+                  </a:tcPr>
+                </a:tc>
+                <a:tc>
+                  <a:txBody>
+                    <a:bodyPr lIns="36000" rIns="36000" anchor="t">
+                      <a:noAutofit/>
+                    </a:bodyPr>
+                    <a:p>
+                      <a:pPr>
+                        <a:lnSpc>
+                          <a:spcPct val="100000"/>
+                        </a:lnSpc>
+                      </a:pPr>
+                      <a:r>
+                        <a:rPr b="0" lang="en-US" sz="1800" spc="-1" strike="noStrike">
+                          <a:solidFill>
+                            <a:srgbClr val="000000"/>
+                          </a:solidFill>
+                          <a:latin typeface="Arial"/>
+                        </a:rPr>
+                        <a:t>0.0002480577081055</a:t>
+                      </a:r>
+                      <a:endParaRPr b="0" lang="en-US" sz="1800" spc="-1" strike="noStrike">
+                        <a:solidFill>
+                          <a:srgbClr val="000000"/>
+                        </a:solidFill>
+                        <a:latin typeface="Arial"/>
+                      </a:endParaRPr>
+                    </a:p>
+                  </a:txBody>
+                  <a:tcPr anchor="t" marL="36000" marR="36000">
+                    <a:lnL w="7200">
+                      <a:solidFill>
+                        <a:srgbClr val="000000"/>
+                      </a:solidFill>
+                      <a:prstDash val="solid"/>
+                    </a:lnL>
+                    <a:lnR w="7200">
+                      <a:solidFill>
+                        <a:srgbClr val="000000"/>
+                      </a:solidFill>
+                      <a:prstDash val="solid"/>
+                    </a:lnR>
+                    <a:lnT w="7200">
+                      <a:solidFill>
+                        <a:srgbClr val="000000"/>
+                      </a:solidFill>
+                      <a:prstDash val="solid"/>
+                    </a:lnT>
+                    <a:lnB w="7200">
+                      <a:solidFill>
+                        <a:srgbClr val="000000"/>
+                      </a:solidFill>
+                      <a:prstDash val="solid"/>
+                    </a:lnB>
+                    <a:noFill/>
+                  </a:tcPr>
+                </a:tc>
+                <a:tc>
+                  <a:txBody>
+                    <a:bodyPr lIns="36000" rIns="36000" anchor="t">
+                      <a:noAutofit/>
+                    </a:bodyPr>
+                    <a:p>
+                      <a:pPr>
+                        <a:lnSpc>
+                          <a:spcPct val="100000"/>
+                        </a:lnSpc>
+                      </a:pPr>
+                      <a:r>
+                        <a:rPr b="0" lang="en-US" sz="1800" spc="-1" strike="noStrike">
+                          <a:solidFill>
+                            <a:srgbClr val="000000"/>
+                          </a:solidFill>
+                          <a:latin typeface="Arial"/>
+                        </a:rPr>
+                        <a:t>13918744.010000002</a:t>
+                      </a:r>
+                      <a:endParaRPr b="0" lang="en-US" sz="1800" spc="-1" strike="noStrike">
+                        <a:solidFill>
+                          <a:srgbClr val="000000"/>
+                        </a:solidFill>
+                        <a:latin typeface="Arial"/>
+                      </a:endParaRPr>
+                    </a:p>
+                  </a:txBody>
+                  <a:tcPr anchor="t" marL="36000" marR="36000">
+                    <a:lnL w="7200">
+                      <a:solidFill>
+                        <a:srgbClr val="000000"/>
+                      </a:solidFill>
+                      <a:prstDash val="solid"/>
+                    </a:lnL>
+                    <a:lnR w="7200">
+                      <a:solidFill>
+                        <a:srgbClr val="000000"/>
+                      </a:solidFill>
+                      <a:prstDash val="solid"/>
+                    </a:lnR>
+                    <a:lnT w="7200">
+                      <a:solidFill>
+                        <a:srgbClr val="000000"/>
+                      </a:solidFill>
+                      <a:prstDash val="solid"/>
+                    </a:lnT>
+                    <a:lnB w="7200">
+                      <a:solidFill>
+                        <a:srgbClr val="000000"/>
+                      </a:solidFill>
+                      <a:prstDash val="solid"/>
+                    </a:lnB>
+                    <a:noFill/>
+                  </a:tcPr>
+                </a:tc>
+                <a:tc>
+                  <a:txBody>
+                    <a:bodyPr lIns="36000" rIns="36000" anchor="t">
+                      <a:noAutofit/>
+                    </a:bodyPr>
+                    <a:p>
+                      <a:pPr>
+                        <a:lnSpc>
+                          <a:spcPct val="100000"/>
+                        </a:lnSpc>
+                      </a:pPr>
+                      <a:r>
+                        <a:rPr b="0" lang="en-US" sz="1800" spc="-1" strike="noStrike">
+                          <a:solidFill>
+                            <a:srgbClr val="000000"/>
+                          </a:solidFill>
+                          <a:latin typeface="Arial"/>
+                        </a:rPr>
+                        <a:t>0.138106069575226</a:t>
+                      </a:r>
+                      <a:endParaRPr b="0" lang="en-US" sz="1800" spc="-1" strike="noStrike">
+                        <a:solidFill>
+                          <a:srgbClr val="000000"/>
+                        </a:solidFill>
+                        <a:latin typeface="Arial"/>
+                      </a:endParaRPr>
+                    </a:p>
+                  </a:txBody>
+                  <a:tcPr anchor="t" marL="36000" marR="36000">
+                    <a:lnL w="7200">
+                      <a:solidFill>
+                        <a:srgbClr val="000000"/>
+                      </a:solidFill>
+                      <a:prstDash val="solid"/>
+                    </a:lnL>
+                    <a:lnR w="7200">
+                      <a:solidFill>
+                        <a:srgbClr val="000000"/>
+                      </a:solidFill>
+                      <a:prstDash val="solid"/>
+                    </a:lnR>
+                    <a:lnT w="7200">
+                      <a:solidFill>
+                        <a:srgbClr val="000000"/>
+                      </a:solidFill>
+                      <a:prstDash val="solid"/>
+                    </a:lnT>
+                    <a:lnB w="7200">
+                      <a:solidFill>
+                        <a:srgbClr val="000000"/>
+                      </a:solidFill>
+                      <a:prstDash val="solid"/>
+                    </a:lnB>
+                    <a:noFill/>
+                  </a:tcPr>
+                </a:tc>
+              </a:tr>
+              <a:tr h="384840">
+                <a:tc>
+                  <a:txBody>
+                    <a:bodyPr lIns="36000" rIns="36000" anchor="t">
+                      <a:noAutofit/>
+                    </a:bodyPr>
+                    <a:p>
+                      <a:pPr>
+                        <a:lnSpc>
+                          <a:spcPct val="100000"/>
+                        </a:lnSpc>
+                      </a:pPr>
+                      <a:r>
+                        <a:rPr b="0" lang="en-US" sz="1800" spc="-1" strike="noStrike">
+                          <a:solidFill>
+                            <a:srgbClr val="000000"/>
+                          </a:solidFill>
+                          <a:latin typeface="Arial"/>
+                        </a:rPr>
+                        <a:t>YoY</a:t>
+                      </a:r>
+                      <a:endParaRPr b="0" lang="en-US" sz="1800" spc="-1" strike="noStrike">
+                        <a:solidFill>
+                          <a:srgbClr val="000000"/>
+                        </a:solidFill>
+                        <a:latin typeface="Arial"/>
+                      </a:endParaRPr>
+                    </a:p>
+                  </a:txBody>
+                  <a:tcPr anchor="t" marL="36000" marR="36000">
+                    <a:lnL w="7200">
+                      <a:solidFill>
+                        <a:srgbClr val="000000"/>
+                      </a:solidFill>
+                      <a:prstDash val="solid"/>
+                    </a:lnL>
+                    <a:lnR w="7200">
+                      <a:solidFill>
+                        <a:srgbClr val="000000"/>
+                      </a:solidFill>
+                      <a:prstDash val="solid"/>
+                    </a:lnR>
+                    <a:lnT w="7200">
+                      <a:solidFill>
+                        <a:srgbClr val="000000"/>
+                      </a:solidFill>
+                      <a:prstDash val="solid"/>
+                    </a:lnT>
+                    <a:lnB w="7200">
+                      <a:solidFill>
+                        <a:srgbClr val="000000"/>
+                      </a:solidFill>
+                      <a:prstDash val="solid"/>
+                    </a:lnB>
+                    <a:noFill/>
+                  </a:tcPr>
+                </a:tc>
+                <a:tc>
+                  <a:txBody>
+                    <a:bodyPr lIns="36000" rIns="36000" anchor="t">
+                      <a:noAutofit/>
+                    </a:bodyPr>
+                    <a:p>
+                      <a:pPr>
+                        <a:lnSpc>
+                          <a:spcPct val="100000"/>
+                        </a:lnSpc>
                       </a:pPr>
                       <a:endParaRPr b="0" lang="en-US" sz="1800" spc="-1" strike="noStrike">
                         <a:solidFill>
@@ -2781,232 +4428,16 @@
                     <a:noFill/>
                   </a:tcPr>
                 </a:tc>
-              </a:tr>
-              <a:tr h="384840">
                 <a:tc>
                   <a:txBody>
-                    <a:bodyPr lIns="36000" rIns="36000" tIns="36000" bIns="36000" anchor="t">
+                    <a:bodyPr lIns="36000" rIns="36000" anchor="t">
                       <a:noAutofit/>
                     </a:bodyPr>
                     <a:p>
-                      <a:pPr indent="0">
-                        <a:buNone/>
-                      </a:pPr>
-                      <a:r>
-                        <a:rPr b="0" lang="en-US" sz="1800" spc="-1" strike="noStrike">
-                          <a:solidFill>
-                            <a:srgbClr val="000000"/>
-                          </a:solidFill>
-                          <a:latin typeface="Arial"/>
-                        </a:rPr>
-                        <a:t>$13,508</a:t>
-                      </a:r>
-                      <a:endParaRPr b="0" lang="en-US" sz="1800" spc="-1" strike="noStrike">
-                        <a:solidFill>
-                          <a:srgbClr val="000000"/>
-                        </a:solidFill>
-                        <a:latin typeface="Arial"/>
-                      </a:endParaRPr>
-                    </a:p>
-                  </a:txBody>
-                  <a:tcPr anchor="t" marL="36000" marR="36000">
-                    <a:lnL w="7200">
-                      <a:solidFill>
-                        <a:srgbClr val="000000"/>
-                      </a:solidFill>
-                      <a:prstDash val="solid"/>
-                    </a:lnL>
-                    <a:lnR w="7200">
-                      <a:solidFill>
-                        <a:srgbClr val="000000"/>
-                      </a:solidFill>
-                      <a:prstDash val="solid"/>
-                    </a:lnR>
-                    <a:lnT w="7200">
-                      <a:solidFill>
-                        <a:srgbClr val="000000"/>
-                      </a:solidFill>
-                      <a:prstDash val="solid"/>
-                    </a:lnT>
-                    <a:lnB w="7200">
-                      <a:solidFill>
-                        <a:srgbClr val="000000"/>
-                      </a:solidFill>
-                      <a:prstDash val="solid"/>
-                    </a:lnB>
-                    <a:noFill/>
-                  </a:tcPr>
-                </a:tc>
-                <a:tc>
-                  <a:txBody>
-                    <a:bodyPr lIns="36000" rIns="36000" tIns="36000" bIns="36000" anchor="t">
-                      <a:noAutofit/>
-                    </a:bodyPr>
-                    <a:p>
-                      <a:pPr indent="0">
-                        <a:buNone/>
-                      </a:pPr>
-                      <a:r>
-                        <a:rPr b="0" lang="en-US" sz="1800" spc="-1" strike="noStrike">
-                          <a:solidFill>
-                            <a:srgbClr val="000000"/>
-                          </a:solidFill>
-                          <a:latin typeface="Arial"/>
-                        </a:rPr>
-                        <a:t>1.51M</a:t>
-                      </a:r>
-                      <a:endParaRPr b="0" lang="en-US" sz="1800" spc="-1" strike="noStrike">
-                        <a:solidFill>
-                          <a:srgbClr val="000000"/>
-                        </a:solidFill>
-                        <a:latin typeface="Arial"/>
-                      </a:endParaRPr>
-                    </a:p>
-                  </a:txBody>
-                  <a:tcPr anchor="t" marL="36000" marR="36000">
-                    <a:lnL w="7200">
-                      <a:solidFill>
-                        <a:srgbClr val="000000"/>
-                      </a:solidFill>
-                      <a:prstDash val="solid"/>
-                    </a:lnL>
-                    <a:lnR w="7200">
-                      <a:solidFill>
-                        <a:srgbClr val="000000"/>
-                      </a:solidFill>
-                      <a:prstDash val="solid"/>
-                    </a:lnR>
-                    <a:lnT w="7200">
-                      <a:solidFill>
-                        <a:srgbClr val="000000"/>
-                      </a:solidFill>
-                      <a:prstDash val="solid"/>
-                    </a:lnT>
-                    <a:lnB w="7200">
-                      <a:solidFill>
-                        <a:srgbClr val="000000"/>
-                      </a:solidFill>
-                      <a:prstDash val="solid"/>
-                    </a:lnB>
-                    <a:noFill/>
-                  </a:tcPr>
-                </a:tc>
-                <a:tc>
-                  <a:txBody>
-                    <a:bodyPr lIns="36000" rIns="36000" tIns="36000" bIns="36000" anchor="t">
-                      <a:noAutofit/>
-                    </a:bodyPr>
-                    <a:p>
-                      <a:pPr indent="0">
-                        <a:buNone/>
-                      </a:pPr>
-                      <a:r>
-                        <a:rPr b="0" lang="en-US" sz="1800" spc="-1" strike="noStrike">
-                          <a:solidFill>
-                            <a:srgbClr val="000000"/>
-                          </a:solidFill>
-                          <a:latin typeface="Arial"/>
-                        </a:rPr>
-                        <a:t>30.2k</a:t>
-                      </a:r>
-                      <a:endParaRPr b="0" lang="en-US" sz="1800" spc="-1" strike="noStrike">
-                        <a:solidFill>
-                          <a:srgbClr val="000000"/>
-                        </a:solidFill>
-                        <a:latin typeface="Arial"/>
-                      </a:endParaRPr>
-                    </a:p>
-                  </a:txBody>
-                  <a:tcPr anchor="t" marL="36000" marR="36000">
-                    <a:lnL w="7200">
-                      <a:solidFill>
-                        <a:srgbClr val="000000"/>
-                      </a:solidFill>
-                      <a:prstDash val="solid"/>
-                    </a:lnL>
-                    <a:lnR w="7200">
-                      <a:solidFill>
-                        <a:srgbClr val="000000"/>
-                      </a:solidFill>
-                      <a:prstDash val="solid"/>
-                    </a:lnR>
-                    <a:lnT w="7200">
-                      <a:solidFill>
-                        <a:srgbClr val="000000"/>
-                      </a:solidFill>
-                      <a:prstDash val="solid"/>
-                    </a:lnT>
-                    <a:lnB w="7200">
-                      <a:solidFill>
-                        <a:srgbClr val="000000"/>
-                      </a:solidFill>
-                      <a:prstDash val="solid"/>
-                    </a:lnB>
-                    <a:noFill/>
-                  </a:tcPr>
-                </a:tc>
-                <a:tc>
-                  <a:txBody>
-                    <a:bodyPr lIns="36000" rIns="36000" tIns="36000" bIns="36000" anchor="t">
-                      <a:noAutofit/>
-                    </a:bodyPr>
-                    <a:p>
-                      <a:pPr indent="0">
-                        <a:buNone/>
-                      </a:pPr>
-                      <a:r>
-                        <a:rPr b="0" lang="en-US" sz="1800" spc="-1" strike="noStrike">
-                          <a:solidFill>
-                            <a:srgbClr val="000000"/>
-                          </a:solidFill>
-                          <a:latin typeface="Arial"/>
-                        </a:rPr>
-                        <a:t>10.0k</a:t>
-                      </a:r>
-                      <a:endParaRPr b="0" lang="en-US" sz="1800" spc="-1" strike="noStrike">
-                        <a:solidFill>
-                          <a:srgbClr val="000000"/>
-                        </a:solidFill>
-                        <a:latin typeface="Arial"/>
-                      </a:endParaRPr>
-                    </a:p>
-                  </a:txBody>
-                  <a:tcPr anchor="t" marL="36000" marR="36000">
-                    <a:lnL w="7200">
-                      <a:solidFill>
-                        <a:srgbClr val="000000"/>
-                      </a:solidFill>
-                      <a:prstDash val="solid"/>
-                    </a:lnL>
-                    <a:lnR w="7200">
-                      <a:solidFill>
-                        <a:srgbClr val="000000"/>
-                      </a:solidFill>
-                      <a:prstDash val="solid"/>
-                    </a:lnR>
-                    <a:lnT w="7200">
-                      <a:solidFill>
-                        <a:srgbClr val="000000"/>
-                      </a:solidFill>
-                      <a:prstDash val="solid"/>
-                    </a:lnT>
-                    <a:lnB w="7200">
-                      <a:solidFill>
-                        <a:srgbClr val="000000"/>
-                      </a:solidFill>
-                      <a:prstDash val="solid"/>
-                    </a:lnB>
-                    <a:noFill/>
-                  </a:tcPr>
-                </a:tc>
-                <a:tc>
-                  <a:txBody>
-                    <a:bodyPr lIns="36000" rIns="36000" tIns="36000" bIns="36000" anchor="t">
-                      <a:noAutofit/>
-                    </a:bodyPr>
-                    <a:p>
-                      <a:pPr indent="0">
-                        <a:buNone/>
+                      <a:pPr>
+                        <a:lnSpc>
+                          <a:spcPct val="100000"/>
+                        </a:lnSpc>
                       </a:pPr>
                       <a:endParaRPr b="0" lang="en-US" sz="1800" spc="-1" strike="noStrike">
                         <a:solidFill>
@@ -3044,6 +4475,525 @@
                     <a:noFill/>
                   </a:tcPr>
                 </a:tc>
+                <a:tc>
+                  <a:txBody>
+                    <a:bodyPr lIns="36000" rIns="36000" anchor="t">
+                      <a:noAutofit/>
+                    </a:bodyPr>
+                    <a:p>
+                      <a:pPr>
+                        <a:lnSpc>
+                          <a:spcPct val="100000"/>
+                        </a:lnSpc>
+                      </a:pPr>
+                      <a:endParaRPr b="0" lang="en-US" sz="1800" spc="-1" strike="noStrike">
+                        <a:solidFill>
+                          <a:srgbClr val="000000"/>
+                        </a:solidFill>
+                        <a:latin typeface="Arial"/>
+                      </a:endParaRPr>
+                    </a:p>
+                  </a:txBody>
+                  <a:tcPr anchor="t" marL="36000" marR="36000">
+                    <a:lnL w="7200">
+                      <a:solidFill>
+                        <a:srgbClr val="000000"/>
+                      </a:solidFill>
+                      <a:prstDash val="solid"/>
+                    </a:lnL>
+                    <a:lnR w="7200">
+                      <a:solidFill>
+                        <a:srgbClr val="000000"/>
+                      </a:solidFill>
+                      <a:prstDash val="solid"/>
+                    </a:lnR>
+                    <a:lnT w="7200">
+                      <a:solidFill>
+                        <a:srgbClr val="000000"/>
+                      </a:solidFill>
+                      <a:prstDash val="solid"/>
+                    </a:lnT>
+                    <a:lnB w="7200">
+                      <a:solidFill>
+                        <a:srgbClr val="000000"/>
+                      </a:solidFill>
+                      <a:prstDash val="solid"/>
+                    </a:lnB>
+                    <a:noFill/>
+                  </a:tcPr>
+                </a:tc>
+                <a:tc>
+                  <a:txBody>
+                    <a:bodyPr lIns="36000" rIns="36000" anchor="t">
+                      <a:noAutofit/>
+                    </a:bodyPr>
+                    <a:p>
+                      <a:pPr>
+                        <a:lnSpc>
+                          <a:spcPct val="100000"/>
+                        </a:lnSpc>
+                      </a:pPr>
+                      <a:endParaRPr b="0" lang="en-US" sz="1800" spc="-1" strike="noStrike">
+                        <a:solidFill>
+                          <a:srgbClr val="000000"/>
+                        </a:solidFill>
+                        <a:latin typeface="Arial"/>
+                      </a:endParaRPr>
+                    </a:p>
+                  </a:txBody>
+                  <a:tcPr anchor="t" marL="36000" marR="36000">
+                    <a:lnL w="7200">
+                      <a:solidFill>
+                        <a:srgbClr val="000000"/>
+                      </a:solidFill>
+                      <a:prstDash val="solid"/>
+                    </a:lnL>
+                    <a:lnR w="7200">
+                      <a:solidFill>
+                        <a:srgbClr val="000000"/>
+                      </a:solidFill>
+                      <a:prstDash val="solid"/>
+                    </a:lnR>
+                    <a:lnT w="7200">
+                      <a:solidFill>
+                        <a:srgbClr val="000000"/>
+                      </a:solidFill>
+                      <a:prstDash val="solid"/>
+                    </a:lnT>
+                    <a:lnB w="7200">
+                      <a:solidFill>
+                        <a:srgbClr val="000000"/>
+                      </a:solidFill>
+                      <a:prstDash val="solid"/>
+                    </a:lnB>
+                    <a:noFill/>
+                  </a:tcPr>
+                </a:tc>
+                <a:tc>
+                  <a:txBody>
+                    <a:bodyPr lIns="36000" rIns="36000" anchor="t">
+                      <a:noAutofit/>
+                    </a:bodyPr>
+                    <a:p>
+                      <a:pPr>
+                        <a:lnSpc>
+                          <a:spcPct val="100000"/>
+                        </a:lnSpc>
+                      </a:pPr>
+                      <a:endParaRPr b="0" lang="en-US" sz="1800" spc="-1" strike="noStrike">
+                        <a:solidFill>
+                          <a:srgbClr val="000000"/>
+                        </a:solidFill>
+                        <a:latin typeface="Arial"/>
+                      </a:endParaRPr>
+                    </a:p>
+                  </a:txBody>
+                  <a:tcPr anchor="t" marL="36000" marR="36000">
+                    <a:lnL w="7200">
+                      <a:solidFill>
+                        <a:srgbClr val="000000"/>
+                      </a:solidFill>
+                      <a:prstDash val="solid"/>
+                    </a:lnL>
+                    <a:lnR w="7200">
+                      <a:solidFill>
+                        <a:srgbClr val="000000"/>
+                      </a:solidFill>
+                      <a:prstDash val="solid"/>
+                    </a:lnR>
+                    <a:lnT w="7200">
+                      <a:solidFill>
+                        <a:srgbClr val="000000"/>
+                      </a:solidFill>
+                      <a:prstDash val="solid"/>
+                    </a:lnT>
+                    <a:lnB w="7200">
+                      <a:solidFill>
+                        <a:srgbClr val="000000"/>
+                      </a:solidFill>
+                      <a:prstDash val="solid"/>
+                    </a:lnB>
+                    <a:noFill/>
+                  </a:tcPr>
+                </a:tc>
+                <a:tc>
+                  <a:txBody>
+                    <a:bodyPr lIns="36000" rIns="36000" anchor="t">
+                      <a:noAutofit/>
+                    </a:bodyPr>
+                    <a:p>
+                      <a:pPr>
+                        <a:lnSpc>
+                          <a:spcPct val="100000"/>
+                        </a:lnSpc>
+                      </a:pPr>
+                      <a:endParaRPr b="0" lang="en-US" sz="1800" spc="-1" strike="noStrike">
+                        <a:solidFill>
+                          <a:srgbClr val="000000"/>
+                        </a:solidFill>
+                        <a:latin typeface="Arial"/>
+                      </a:endParaRPr>
+                    </a:p>
+                  </a:txBody>
+                  <a:tcPr anchor="t" marL="36000" marR="36000">
+                    <a:lnL w="7200">
+                      <a:solidFill>
+                        <a:srgbClr val="000000"/>
+                      </a:solidFill>
+                      <a:prstDash val="solid"/>
+                    </a:lnL>
+                    <a:lnR w="7200">
+                      <a:solidFill>
+                        <a:srgbClr val="000000"/>
+                      </a:solidFill>
+                      <a:prstDash val="solid"/>
+                    </a:lnR>
+                    <a:lnT w="7200">
+                      <a:solidFill>
+                        <a:srgbClr val="000000"/>
+                      </a:solidFill>
+                      <a:prstDash val="solid"/>
+                    </a:lnT>
+                    <a:lnB w="7200">
+                      <a:solidFill>
+                        <a:srgbClr val="000000"/>
+                      </a:solidFill>
+                      <a:prstDash val="solid"/>
+                    </a:lnB>
+                    <a:noFill/>
+                  </a:tcPr>
+                </a:tc>
+              </a:tr>
+              <a:tr h="384840">
+                <a:tc>
+                  <a:txBody>
+                    <a:bodyPr lIns="36000" rIns="36000" anchor="t">
+                      <a:noAutofit/>
+                    </a:bodyPr>
+                    <a:p>
+                      <a:pPr>
+                        <a:lnSpc>
+                          <a:spcPct val="100000"/>
+                        </a:lnSpc>
+                      </a:pPr>
+                      <a:endParaRPr b="0" lang="en-US" sz="1800" spc="-1" strike="noStrike">
+                        <a:solidFill>
+                          <a:srgbClr val="000000"/>
+                        </a:solidFill>
+                        <a:latin typeface="Arial"/>
+                      </a:endParaRPr>
+                    </a:p>
+                  </a:txBody>
+                  <a:tcPr anchor="t" marL="36000" marR="36000">
+                    <a:lnL w="7200">
+                      <a:solidFill>
+                        <a:srgbClr val="000000"/>
+                      </a:solidFill>
+                      <a:prstDash val="solid"/>
+                    </a:lnL>
+                    <a:lnR w="7200">
+                      <a:solidFill>
+                        <a:srgbClr val="000000"/>
+                      </a:solidFill>
+                      <a:prstDash val="solid"/>
+                    </a:lnR>
+                    <a:lnT w="7200">
+                      <a:solidFill>
+                        <a:srgbClr val="000000"/>
+                      </a:solidFill>
+                      <a:prstDash val="solid"/>
+                    </a:lnT>
+                    <a:lnB w="7200">
+                      <a:solidFill>
+                        <a:srgbClr val="000000"/>
+                      </a:solidFill>
+                      <a:prstDash val="solid"/>
+                    </a:lnB>
+                    <a:noFill/>
+                  </a:tcPr>
+                </a:tc>
+                <a:tc>
+                  <a:txBody>
+                    <a:bodyPr lIns="36000" rIns="36000" anchor="t">
+                      <a:noAutofit/>
+                    </a:bodyPr>
+                    <a:p>
+                      <a:pPr>
+                        <a:lnSpc>
+                          <a:spcPct val="100000"/>
+                        </a:lnSpc>
+                      </a:pPr>
+                      <a:endParaRPr b="0" lang="en-US" sz="1800" spc="-1" strike="noStrike">
+                        <a:solidFill>
+                          <a:srgbClr val="000000"/>
+                        </a:solidFill>
+                        <a:latin typeface="Arial"/>
+                      </a:endParaRPr>
+                    </a:p>
+                  </a:txBody>
+                  <a:tcPr anchor="t" marL="36000" marR="36000">
+                    <a:lnL w="7200">
+                      <a:solidFill>
+                        <a:srgbClr val="000000"/>
+                      </a:solidFill>
+                      <a:prstDash val="solid"/>
+                    </a:lnL>
+                    <a:lnR w="7200">
+                      <a:solidFill>
+                        <a:srgbClr val="000000"/>
+                      </a:solidFill>
+                      <a:prstDash val="solid"/>
+                    </a:lnR>
+                    <a:lnT w="7200">
+                      <a:solidFill>
+                        <a:srgbClr val="000000"/>
+                      </a:solidFill>
+                      <a:prstDash val="solid"/>
+                    </a:lnT>
+                    <a:lnB w="7200">
+                      <a:solidFill>
+                        <a:srgbClr val="000000"/>
+                      </a:solidFill>
+                      <a:prstDash val="solid"/>
+                    </a:lnB>
+                    <a:noFill/>
+                  </a:tcPr>
+                </a:tc>
+                <a:tc>
+                  <a:txBody>
+                    <a:bodyPr lIns="36000" rIns="36000" anchor="t">
+                      <a:noAutofit/>
+                    </a:bodyPr>
+                    <a:p>
+                      <a:pPr>
+                        <a:lnSpc>
+                          <a:spcPct val="100000"/>
+                        </a:lnSpc>
+                      </a:pPr>
+                      <a:endParaRPr b="0" lang="en-US" sz="1800" spc="-1" strike="noStrike">
+                        <a:solidFill>
+                          <a:srgbClr val="000000"/>
+                        </a:solidFill>
+                        <a:latin typeface="Arial"/>
+                      </a:endParaRPr>
+                    </a:p>
+                  </a:txBody>
+                  <a:tcPr anchor="t" marL="36000" marR="36000">
+                    <a:lnL w="7200">
+                      <a:solidFill>
+                        <a:srgbClr val="000000"/>
+                      </a:solidFill>
+                      <a:prstDash val="solid"/>
+                    </a:lnL>
+                    <a:lnR w="7200">
+                      <a:solidFill>
+                        <a:srgbClr val="000000"/>
+                      </a:solidFill>
+                      <a:prstDash val="solid"/>
+                    </a:lnR>
+                    <a:lnT w="7200">
+                      <a:solidFill>
+                        <a:srgbClr val="000000"/>
+                      </a:solidFill>
+                      <a:prstDash val="solid"/>
+                    </a:lnT>
+                    <a:lnB w="7200">
+                      <a:solidFill>
+                        <a:srgbClr val="000000"/>
+                      </a:solidFill>
+                      <a:prstDash val="solid"/>
+                    </a:lnB>
+                    <a:noFill/>
+                  </a:tcPr>
+                </a:tc>
+                <a:tc>
+                  <a:txBody>
+                    <a:bodyPr lIns="36000" rIns="36000" anchor="t">
+                      <a:noAutofit/>
+                    </a:bodyPr>
+                    <a:p>
+                      <a:pPr>
+                        <a:lnSpc>
+                          <a:spcPct val="100000"/>
+                        </a:lnSpc>
+                      </a:pPr>
+                      <a:endParaRPr b="0" lang="en-US" sz="1800" spc="-1" strike="noStrike">
+                        <a:solidFill>
+                          <a:srgbClr val="000000"/>
+                        </a:solidFill>
+                        <a:latin typeface="Arial"/>
+                      </a:endParaRPr>
+                    </a:p>
+                  </a:txBody>
+                  <a:tcPr anchor="t" marL="36000" marR="36000">
+                    <a:lnL w="7200">
+                      <a:solidFill>
+                        <a:srgbClr val="000000"/>
+                      </a:solidFill>
+                      <a:prstDash val="solid"/>
+                    </a:lnL>
+                    <a:lnR w="7200">
+                      <a:solidFill>
+                        <a:srgbClr val="000000"/>
+                      </a:solidFill>
+                      <a:prstDash val="solid"/>
+                    </a:lnR>
+                    <a:lnT w="7200">
+                      <a:solidFill>
+                        <a:srgbClr val="000000"/>
+                      </a:solidFill>
+                      <a:prstDash val="solid"/>
+                    </a:lnT>
+                    <a:lnB w="7200">
+                      <a:solidFill>
+                        <a:srgbClr val="000000"/>
+                      </a:solidFill>
+                      <a:prstDash val="solid"/>
+                    </a:lnB>
+                    <a:noFill/>
+                  </a:tcPr>
+                </a:tc>
+                <a:tc>
+                  <a:txBody>
+                    <a:bodyPr lIns="36000" rIns="36000" anchor="t">
+                      <a:noAutofit/>
+                    </a:bodyPr>
+                    <a:p>
+                      <a:pPr>
+                        <a:lnSpc>
+                          <a:spcPct val="100000"/>
+                        </a:lnSpc>
+                      </a:pPr>
+                      <a:endParaRPr b="0" lang="en-US" sz="1800" spc="-1" strike="noStrike">
+                        <a:solidFill>
+                          <a:srgbClr val="000000"/>
+                        </a:solidFill>
+                        <a:latin typeface="Arial"/>
+                      </a:endParaRPr>
+                    </a:p>
+                  </a:txBody>
+                  <a:tcPr anchor="t" marL="36000" marR="36000">
+                    <a:lnL w="7200">
+                      <a:solidFill>
+                        <a:srgbClr val="000000"/>
+                      </a:solidFill>
+                      <a:prstDash val="solid"/>
+                    </a:lnL>
+                    <a:lnR w="7200">
+                      <a:solidFill>
+                        <a:srgbClr val="000000"/>
+                      </a:solidFill>
+                      <a:prstDash val="solid"/>
+                    </a:lnR>
+                    <a:lnT w="7200">
+                      <a:solidFill>
+                        <a:srgbClr val="000000"/>
+                      </a:solidFill>
+                      <a:prstDash val="solid"/>
+                    </a:lnT>
+                    <a:lnB w="7200">
+                      <a:solidFill>
+                        <a:srgbClr val="000000"/>
+                      </a:solidFill>
+                      <a:prstDash val="solid"/>
+                    </a:lnB>
+                    <a:noFill/>
+                  </a:tcPr>
+                </a:tc>
+                <a:tc>
+                  <a:txBody>
+                    <a:bodyPr lIns="36000" rIns="36000" anchor="t">
+                      <a:noAutofit/>
+                    </a:bodyPr>
+                    <a:p>
+                      <a:pPr>
+                        <a:lnSpc>
+                          <a:spcPct val="100000"/>
+                        </a:lnSpc>
+                      </a:pPr>
+                      <a:endParaRPr b="0" lang="en-US" sz="1800" spc="-1" strike="noStrike">
+                        <a:solidFill>
+                          <a:srgbClr val="000000"/>
+                        </a:solidFill>
+                        <a:latin typeface="Arial"/>
+                      </a:endParaRPr>
+                    </a:p>
+                  </a:txBody>
+                  <a:tcPr anchor="t" marL="36000" marR="36000">
+                    <a:lnL w="7200">
+                      <a:solidFill>
+                        <a:srgbClr val="000000"/>
+                      </a:solidFill>
+                      <a:prstDash val="solid"/>
+                    </a:lnL>
+                    <a:lnR w="7200">
+                      <a:solidFill>
+                        <a:srgbClr val="000000"/>
+                      </a:solidFill>
+                      <a:prstDash val="solid"/>
+                    </a:lnR>
+                    <a:lnT w="7200">
+                      <a:solidFill>
+                        <a:srgbClr val="000000"/>
+                      </a:solidFill>
+                      <a:prstDash val="solid"/>
+                    </a:lnT>
+                    <a:lnB w="7200">
+                      <a:solidFill>
+                        <a:srgbClr val="000000"/>
+                      </a:solidFill>
+                      <a:prstDash val="solid"/>
+                    </a:lnB>
+                    <a:noFill/>
+                  </a:tcPr>
+                </a:tc>
+                <a:tc>
+                  <a:txBody>
+                    <a:bodyPr lIns="36000" rIns="36000" anchor="t">
+                      <a:noAutofit/>
+                    </a:bodyPr>
+                    <a:p>
+                      <a:pPr>
+                        <a:lnSpc>
+                          <a:spcPct val="100000"/>
+                        </a:lnSpc>
+                      </a:pPr>
+                      <a:endParaRPr b="0" lang="en-US" sz="1800" spc="-1" strike="noStrike">
+                        <a:solidFill>
+                          <a:srgbClr val="000000"/>
+                        </a:solidFill>
+                        <a:latin typeface="Arial"/>
+                      </a:endParaRPr>
+                    </a:p>
+                  </a:txBody>
+                  <a:tcPr anchor="t" marL="36000" marR="36000">
+                    <a:lnL w="7200">
+                      <a:solidFill>
+                        <a:srgbClr val="000000"/>
+                      </a:solidFill>
+                      <a:prstDash val="solid"/>
+                    </a:lnL>
+                    <a:lnR w="7200">
+                      <a:solidFill>
+                        <a:srgbClr val="000000"/>
+                      </a:solidFill>
+                      <a:prstDash val="solid"/>
+                    </a:lnR>
+                    <a:lnT w="7200">
+                      <a:solidFill>
+                        <a:srgbClr val="000000"/>
+                      </a:solidFill>
+                      <a:prstDash val="solid"/>
+                    </a:lnT>
+                    <a:lnB w="7200">
+                      <a:solidFill>
+                        <a:srgbClr val="000000"/>
+                      </a:solidFill>
+                      <a:prstDash val="solid"/>
+                    </a:lnB>
+                    <a:noFill/>
+                  </a:tcPr>
+                </a:tc>
               </a:tr>
             </a:tbl>
           </a:graphicData>
@@ -3051,14 +5001,14 @@
       </p:graphicFrame>
       <p:sp>
         <p:nvSpPr>
-          <p:cNvPr id="27" name=""/>
-          <p:cNvSpPr txBox="1"/>
+          <p:cNvPr id="35" name=""/>
+          <p:cNvSpPr/>
           <p:nvPr/>
         </p:nvSpPr>
         <p:spPr>
           <a:xfrm>
             <a:off x="457200" y="2971800"/>
-            <a:ext cx="8915400" cy="1371600"/>
+            <a:ext cx="8914320" cy="1370520"/>
           </a:xfrm>
           <a:prstGeom prst="rect">
             <a:avLst/>
@@ -3068,17 +5018,29 @@
             <a:noFill/>
           </a:ln>
         </p:spPr>
+        <p:style>
+          <a:lnRef idx="0"/>
+          <a:fillRef idx="0"/>
+          <a:effectRef idx="0"/>
+          <a:fontRef idx="minor"/>
+        </p:style>
         <p:txBody>
           <a:bodyPr lIns="36000" rIns="36000" tIns="36000" bIns="36000" anchor="ctr">
             <a:noAutofit/>
           </a:bodyPr>
           <a:p>
+            <a:pPr>
+              <a:lnSpc>
+                <a:spcPct val="100000"/>
+              </a:lnSpc>
+            </a:pPr>
             <a:r>
               <a:rPr b="0" lang="en-US" sz="2200" spc="-1" strike="noStrike">
                 <a:solidFill>
                   <a:srgbClr val="000000"/>
                 </a:solidFill>
                 <a:latin typeface="Source Sans Pro"/>
+                <a:ea typeface="DejaVu Sans"/>
               </a:rPr>
               <a:t>Search Performance Breakdown</a:t>
             </a:r>
@@ -3086,13 +5048,21 @@
               <a:solidFill>
                 <a:srgbClr val="000000"/>
               </a:solidFill>
-              <a:latin typeface="Source Sans Pro"/>
+              <a:latin typeface="Arial"/>
             </a:endParaRPr>
           </a:p>
         </p:txBody>
       </p:sp>
     </p:spTree>
   </p:cSld>
+  <mc:AlternateContent>
+    <mc:Choice Requires="p14">
+      <p:transition spd="slow" p14:dur="2000"/>
+    </mc:Choice>
+    <mc:Fallback>
+      <p:transition spd="slow"/>
+    </mc:Fallback>
+  </mc:AlternateContent>
 </p:sld>
 </file>
 
@@ -3115,7 +5085,7 @@
       </p:grpSpPr>
       <p:sp>
         <p:nvSpPr>
-          <p:cNvPr id="28" name="PlaceHolder 1"/>
+          <p:cNvPr id="36" name="PlaceHolder 1"/>
           <p:cNvSpPr>
             <a:spLocks noGrp="1"/>
           </p:cNvSpPr>
@@ -3126,7 +5096,7 @@
         <p:spPr>
           <a:xfrm>
             <a:off x="502920" y="630720"/>
-            <a:ext cx="9071640" cy="4388760"/>
+            <a:ext cx="9070560" cy="4387680"/>
           </a:xfrm>
           <a:prstGeom prst="rect">
             <a:avLst/>
@@ -3142,17 +5112,25 @@
           </a:bodyPr>
           <a:p>
             <a:pPr algn="ctr"/>
-            <a:endParaRPr b="1" lang="en-US" sz="3000" spc="-1" strike="noStrike">
+            <a:endParaRPr b="0" lang="en-US" sz="1800" spc="-1" strike="noStrike">
               <a:solidFill>
-                <a:srgbClr val="009eda"/>
+                <a:srgbClr val="000000"/>
               </a:solidFill>
-              <a:latin typeface="Source Sans Pro Black"/>
+              <a:latin typeface="Arial"/>
             </a:endParaRPr>
           </a:p>
         </p:txBody>
       </p:sp>
     </p:spTree>
   </p:cSld>
+  <mc:AlternateContent>
+    <mc:Choice Requires="p14">
+      <p:transition spd="slow" p14:dur="2000"/>
+    </mc:Choice>
+    <mc:Fallback>
+      <p:transition spd="slow"/>
+    </mc:Fallback>
+  </mc:AlternateContent>
 </p:sld>
 </file>
 
@@ -3472,4 +5450,216 @@
     </a:fmtScheme>
   </a:themeElements>
 </a:theme>
+</file>
+
+<file path=ppt/theme/theme4.xml><?xml version="1.0" encoding="utf-8"?>
+<a:theme xmlns:a="http://schemas.openxmlformats.org/drawingml/2006/main" xmlns:r="http://schemas.openxmlformats.org/officeDocument/2006/relationships" name="Office">
+  <a:themeElements>
+    <a:clrScheme name="LibreOffice">
+      <a:dk1>
+        <a:srgbClr val="000000"/>
+      </a:dk1>
+      <a:lt1>
+        <a:srgbClr val="ffffff"/>
+      </a:lt1>
+      <a:dk2>
+        <a:srgbClr val="000000"/>
+      </a:dk2>
+      <a:lt2>
+        <a:srgbClr val="ffffff"/>
+      </a:lt2>
+      <a:accent1>
+        <a:srgbClr val="18a303"/>
+      </a:accent1>
+      <a:accent2>
+        <a:srgbClr val="0369a3"/>
+      </a:accent2>
+      <a:accent3>
+        <a:srgbClr val="a33e03"/>
+      </a:accent3>
+      <a:accent4>
+        <a:srgbClr val="8e03a3"/>
+      </a:accent4>
+      <a:accent5>
+        <a:srgbClr val="c99c00"/>
+      </a:accent5>
+      <a:accent6>
+        <a:srgbClr val="c9211e"/>
+      </a:accent6>
+      <a:hlink>
+        <a:srgbClr val="0000ee"/>
+      </a:hlink>
+      <a:folHlink>
+        <a:srgbClr val="551a8b"/>
+      </a:folHlink>
+    </a:clrScheme>
+    <a:fontScheme name="Office">
+      <a:majorFont>
+        <a:latin typeface="Arial" pitchFamily="0" charset="1"/>
+        <a:ea typeface="DejaVu Sans" pitchFamily="0" charset="1"/>
+        <a:cs typeface="DejaVu Sans" pitchFamily="0" charset="1"/>
+      </a:majorFont>
+      <a:minorFont>
+        <a:latin typeface="Arial" pitchFamily="0" charset="1"/>
+        <a:ea typeface="DejaVu Sans" pitchFamily="0" charset="1"/>
+        <a:cs typeface="DejaVu Sans" pitchFamily="0" charset="1"/>
+      </a:minorFont>
+    </a:fontScheme>
+    <a:fmtScheme>
+      <a:fillStyleLst>
+        <a:solidFill>
+          <a:schemeClr val="phClr"/>
+        </a:solidFill>
+        <a:solidFill>
+          <a:schemeClr val="phClr"/>
+        </a:solidFill>
+        <a:solidFill>
+          <a:schemeClr val="phClr"/>
+        </a:solidFill>
+      </a:fillStyleLst>
+      <a:lnStyleLst>
+        <a:ln w="6350" cap="flat" cmpd="sng" algn="ctr">
+          <a:prstDash val="solid"/>
+          <a:miter/>
+        </a:ln>
+        <a:ln w="6350" cap="flat" cmpd="sng" algn="ctr">
+          <a:prstDash val="solid"/>
+          <a:miter/>
+        </a:ln>
+        <a:ln w="6350" cap="flat" cmpd="sng" algn="ctr">
+          <a:prstDash val="solid"/>
+          <a:miter/>
+        </a:ln>
+      </a:lnStyleLst>
+      <a:effectStyleLst>
+        <a:effectStyle>
+          <a:effectLst/>
+        </a:effectStyle>
+        <a:effectStyle>
+          <a:effectLst/>
+        </a:effectStyle>
+        <a:effectStyle>
+          <a:effectLst/>
+        </a:effectStyle>
+      </a:effectStyleLst>
+      <a:bgFillStyleLst>
+        <a:solidFill>
+          <a:schemeClr val="phClr"/>
+        </a:solidFill>
+        <a:solidFill>
+          <a:schemeClr val="phClr"/>
+        </a:solidFill>
+        <a:solidFill>
+          <a:schemeClr val="phClr"/>
+        </a:solidFill>
+      </a:bgFillStyleLst>
+    </a:fmtScheme>
+  </a:themeElements>
+</a:theme>
+</file>
+
+<file path=ppt/theme/theme5.xml><?xml version="1.0" encoding="utf-8"?>
+<a:theme xmlns:a="http://schemas.openxmlformats.org/drawingml/2006/main" xmlns:r="http://schemas.openxmlformats.org/officeDocument/2006/relationships" name="Office">
+  <a:themeElements>
+    <a:clrScheme name="LibreOffice">
+      <a:dk1>
+        <a:srgbClr val="000000"/>
+      </a:dk1>
+      <a:lt1>
+        <a:srgbClr val="ffffff"/>
+      </a:lt1>
+      <a:dk2>
+        <a:srgbClr val="000000"/>
+      </a:dk2>
+      <a:lt2>
+        <a:srgbClr val="ffffff"/>
+      </a:lt2>
+      <a:accent1>
+        <a:srgbClr val="18a303"/>
+      </a:accent1>
+      <a:accent2>
+        <a:srgbClr val="0369a3"/>
+      </a:accent2>
+      <a:accent3>
+        <a:srgbClr val="a33e03"/>
+      </a:accent3>
+      <a:accent4>
+        <a:srgbClr val="8e03a3"/>
+      </a:accent4>
+      <a:accent5>
+        <a:srgbClr val="c99c00"/>
+      </a:accent5>
+      <a:accent6>
+        <a:srgbClr val="c9211e"/>
+      </a:accent6>
+      <a:hlink>
+        <a:srgbClr val="0000ee"/>
+      </a:hlink>
+      <a:folHlink>
+        <a:srgbClr val="551a8b"/>
+      </a:folHlink>
+    </a:clrScheme>
+    <a:fontScheme name="Office">
+      <a:majorFont>
+        <a:latin typeface="Arial" pitchFamily="0" charset="1"/>
+        <a:ea typeface="DejaVu Sans" pitchFamily="0" charset="1"/>
+        <a:cs typeface="DejaVu Sans" pitchFamily="0" charset="1"/>
+      </a:majorFont>
+      <a:minorFont>
+        <a:latin typeface="Arial" pitchFamily="0" charset="1"/>
+        <a:ea typeface="DejaVu Sans" pitchFamily="0" charset="1"/>
+        <a:cs typeface="DejaVu Sans" pitchFamily="0" charset="1"/>
+      </a:minorFont>
+    </a:fontScheme>
+    <a:fmtScheme>
+      <a:fillStyleLst>
+        <a:solidFill>
+          <a:schemeClr val="phClr"/>
+        </a:solidFill>
+        <a:solidFill>
+          <a:schemeClr val="phClr"/>
+        </a:solidFill>
+        <a:solidFill>
+          <a:schemeClr val="phClr"/>
+        </a:solidFill>
+      </a:fillStyleLst>
+      <a:lnStyleLst>
+        <a:ln w="6350" cap="flat" cmpd="sng" algn="ctr">
+          <a:prstDash val="solid"/>
+          <a:miter/>
+        </a:ln>
+        <a:ln w="6350" cap="flat" cmpd="sng" algn="ctr">
+          <a:prstDash val="solid"/>
+          <a:miter/>
+        </a:ln>
+        <a:ln w="6350" cap="flat" cmpd="sng" algn="ctr">
+          <a:prstDash val="solid"/>
+          <a:miter/>
+        </a:ln>
+      </a:lnStyleLst>
+      <a:effectStyleLst>
+        <a:effectStyle>
+          <a:effectLst/>
+        </a:effectStyle>
+        <a:effectStyle>
+          <a:effectLst/>
+        </a:effectStyle>
+        <a:effectStyle>
+          <a:effectLst/>
+        </a:effectStyle>
+      </a:effectStyleLst>
+      <a:bgFillStyleLst>
+        <a:solidFill>
+          <a:schemeClr val="phClr"/>
+        </a:solidFill>
+        <a:solidFill>
+          <a:schemeClr val="phClr"/>
+        </a:solidFill>
+        <a:solidFill>
+          <a:schemeClr val="phClr"/>
+        </a:solidFill>
+      </a:bgFillStyleLst>
+    </a:fmtScheme>
+  </a:themeElements>
+</a:theme>
 </file>
--- a/pull_test.pptx
+++ b/pull_test.pptx
@@ -69,7 +69,7 @@
         <p:txBody>
           <a:bodyPr/>
           <a:p>
-            <a:fld id="{1567D91D-1AB3-4856-BF30-7FDBCA3015ED}" type="slidenum">
+            <a:fld id="{1448D755-A7EB-462D-9233-A4D29380605B}" type="slidenum">
               <a:t>&lt;#&gt;</a:t>
             </a:fld>
           </a:p>
@@ -232,7 +232,7 @@
         <p:txBody>
           <a:bodyPr/>
           <a:p>
-            <a:fld id="{198DC8B6-5717-425A-9C1E-C99E243814CA}" type="slidenum">
+            <a:fld id="{E10FA086-BB6A-4A5E-A55C-14E8F3484E64}" type="slidenum">
               <a:t>&lt;#&gt;</a:t>
             </a:fld>
           </a:p>
@@ -398,7 +398,7 @@
         <p:txBody>
           <a:bodyPr/>
           <a:p>
-            <a:fld id="{BABEAFFF-96C7-4034-9642-453F45265642}" type="slidenum">
+            <a:fld id="{9CB434BE-90BA-4579-BD61-1FF0EEBF361D}" type="slidenum">
               <a:t>&lt;#&gt;</a:t>
             </a:fld>
           </a:p>
@@ -481,7 +481,7 @@
         <p:txBody>
           <a:bodyPr/>
           <a:p>
-            <a:fld id="{5F067B67-2CAA-4471-8B38-D06E36A25080}" type="slidenum">
+            <a:fld id="{16685791-4374-4D79-A19F-1E0345F07327}" type="slidenum">
               <a:t>&lt;#&gt;</a:t>
             </a:fld>
           </a:p>
@@ -564,7 +564,7 @@
         <p:txBody>
           <a:bodyPr/>
           <a:p>
-            <a:fld id="{41C263F7-3DDB-436A-9C0C-4D04268C965C}" type="slidenum">
+            <a:fld id="{DDE6C558-CFE1-4156-9AA6-479533D27860}" type="slidenum">
               <a:t>&lt;#&gt;</a:t>
             </a:fld>
           </a:p>
@@ -800,7 +800,7 @@
                 <a:tab algn="l" pos="0"/>
               </a:tabLst>
             </a:pPr>
-            <a:fld id="{C1E400CC-3124-4FE5-BFE7-04C62B65DB3A}" type="slidenum">
+            <a:fld id="{4C425D0F-42E7-410D-AE5C-D1607603740C}" type="slidenum">
               <a:rPr b="0" lang="en-US" sz="2400" spc="-1" strike="noStrike">
                 <a:solidFill>
                   <a:srgbClr val="dbf5f9"/>
@@ -1142,7 +1142,7 @@
                 <a:tab algn="l" pos="0"/>
               </a:tabLst>
             </a:pPr>
-            <a:fld id="{E1D6FDAC-636E-46BB-B4F7-E47E50E038D6}" type="slidenum">
+            <a:fld id="{83B5126E-4C4C-445D-ACC6-8D597DF595A0}" type="slidenum">
               <a:rPr b="0" lang="en-US" sz="2400" spc="-1" strike="noStrike">
                 <a:solidFill>
                   <a:srgbClr val="dbf5f9"/>
@@ -1930,7 +1930,7 @@
                 <a:tab algn="l" pos="0"/>
               </a:tabLst>
             </a:pPr>
-            <a:fld id="{209B7070-52BC-439F-B796-7F9A8A7A1484}" type="slidenum">
+            <a:fld id="{CFD0BE14-9CE8-4B99-B18C-A199BBF16091}" type="slidenum">
               <a:rPr b="0" lang="en-US" sz="2400" spc="-1" strike="noStrike">
                 <a:solidFill>
                   <a:srgbClr val="484848"/>
@@ -2217,7 +2217,7 @@
                 <a:tab algn="l" pos="0"/>
               </a:tabLst>
             </a:pPr>
-            <a:fld id="{BA842463-A1E4-441D-ACCE-FD0C9105BEAA}" type="slidenum">
+            <a:fld id="{F2EC1D60-B485-4DD0-9594-750803006540}" type="slidenum">
               <a:rPr b="0" lang="en-US" sz="2400" spc="-1" strike="noStrike">
                 <a:solidFill>
                   <a:srgbClr val="484848"/>
@@ -2561,7 +2561,7 @@
                 <a:tab algn="l" pos="0"/>
               </a:tabLst>
             </a:pPr>
-            <a:fld id="{251A8AE5-090B-4408-BB22-F3D2F94F25D6}" type="slidenum">
+            <a:fld id="{E9B81675-B75C-4E0F-9996-D3AC632F9704}" type="slidenum">
               <a:rPr b="0" lang="en-US" sz="2400" spc="-1" strike="noStrike">
                 <a:solidFill>
                   <a:srgbClr val="484848"/>
@@ -3127,13 +3127,14 @@
         </p:nvGraphicFramePr>
         <p:xfrm>
           <a:off x="237960" y="1687680"/>
-          <a:ext cx="12630960" cy="2361960"/>
+          <a:ext cx="12630960" cy="1924200"/>
         </p:xfrm>
         <a:graphic>
           <a:graphicData uri="http://schemas.openxmlformats.org/drawingml/2006/table">
             <a:tbl>
               <a:tblPr/>
               <a:tblGrid>
+                <a:gridCol w="1804320"/>
                 <a:gridCol w="1804320"/>
                 <a:gridCol w="1804320"/>
                 <a:gridCol w="1804320"/>
@@ -3149,26 +3150,9 @@
                       <a:noAutofit/>
                     </a:bodyPr>
                     <a:p>
-                      <a:pPr>
-                        <a:lnSpc>
-                          <a:spcPct val="100000"/>
-                        </a:lnSpc>
-                      </a:pPr>
                       <a:r>
-                        <a:rPr b="0" lang="en-US" sz="1800" spc="-1" strike="noStrike">
-                          <a:solidFill>
-                            <a:srgbClr val="000000"/>
-                          </a:solidFill>
-                          <a:latin typeface="Arial"/>
-                        </a:rPr>
                         <a:t>Year</a:t>
                       </a:r>
-                      <a:endParaRPr b="0" lang="en-US" sz="1800" spc="-1" strike="noStrike">
-                        <a:solidFill>
-                          <a:srgbClr val="000000"/>
-                        </a:solidFill>
-                        <a:latin typeface="Arial"/>
-                      </a:endParaRPr>
                     </a:p>
                   </a:txBody>
                   <a:tcPr anchor="t" marL="36000" marR="36000">
@@ -3205,26 +3189,9 @@
                       <a:noAutofit/>
                     </a:bodyPr>
                     <a:p>
-                      <a:pPr>
-                        <a:lnSpc>
-                          <a:spcPct val="100000"/>
-                        </a:lnSpc>
-                      </a:pPr>
                       <a:r>
-                        <a:rPr b="0" lang="en-US" sz="1800" spc="-1" strike="noStrike">
-                          <a:solidFill>
-                            <a:srgbClr val="000000"/>
-                          </a:solidFill>
-                          <a:latin typeface="Arial"/>
-                        </a:rPr>
-                        <a:t>Impressions</a:t>
+                        <a:t>Spend</a:t>
                       </a:r>
-                      <a:endParaRPr b="0" lang="en-US" sz="1800" spc="-1" strike="noStrike">
-                        <a:solidFill>
-                          <a:srgbClr val="000000"/>
-                        </a:solidFill>
-                        <a:latin typeface="Arial"/>
-                      </a:endParaRPr>
                     </a:p>
                   </a:txBody>
                   <a:tcPr anchor="t" marL="36000" marR="36000">
@@ -3261,26 +3228,9 @@
                       <a:noAutofit/>
                     </a:bodyPr>
                     <a:p>
-                      <a:pPr>
-                        <a:lnSpc>
-                          <a:spcPct val="100000"/>
-                        </a:lnSpc>
-                      </a:pPr>
                       <a:r>
-                        <a:rPr b="0" lang="en-US" sz="1800" spc="-1" strike="noStrike">
-                          <a:solidFill>
-                            <a:srgbClr val="000000"/>
-                          </a:solidFill>
-                          <a:latin typeface="Arial"/>
-                        </a:rPr>
-                        <a:t>Clicks</a:t>
+                        <a:t>Impr.</a:t>
                       </a:r>
-                      <a:endParaRPr b="0" lang="en-US" sz="1800" spc="-1" strike="noStrike">
-                        <a:solidFill>
-                          <a:srgbClr val="000000"/>
-                        </a:solidFill>
-                        <a:latin typeface="Arial"/>
-                      </a:endParaRPr>
                     </a:p>
                   </a:txBody>
                   <a:tcPr anchor="t" marL="36000" marR="36000">
@@ -3317,26 +3267,9 @@
                       <a:noAutofit/>
                     </a:bodyPr>
                     <a:p>
-                      <a:pPr>
-                        <a:lnSpc>
-                          <a:spcPct val="100000"/>
-                        </a:lnSpc>
-                      </a:pPr>
                       <a:r>
-                        <a:rPr b="0" lang="en-US" sz="1800" spc="-1" strike="noStrike">
-                          <a:solidFill>
-                            <a:srgbClr val="000000"/>
-                          </a:solidFill>
-                          <a:latin typeface="Arial"/>
-                        </a:rPr>
-                        <a:t>CTR</a:t>
+                        <a:t>Clicks</a:t>
                       </a:r>
-                      <a:endParaRPr b="0" lang="en-US" sz="1800" spc="-1" strike="noStrike">
-                        <a:solidFill>
-                          <a:srgbClr val="000000"/>
-                        </a:solidFill>
-                        <a:latin typeface="Arial"/>
-                      </a:endParaRPr>
                     </a:p>
                   </a:txBody>
                   <a:tcPr anchor="t" marL="36000" marR="36000">
@@ -3373,26 +3306,9 @@
                       <a:noAutofit/>
                     </a:bodyPr>
                     <a:p>
-                      <a:pPr>
-                        <a:lnSpc>
-                          <a:spcPct val="100000"/>
-                        </a:lnSpc>
-                      </a:pPr>
                       <a:r>
-                        <a:rPr b="0" lang="en-US" sz="1800" spc="-1" strike="noStrike">
-                          <a:solidFill>
-                            <a:srgbClr val="000000"/>
-                          </a:solidFill>
-                          <a:latin typeface="Arial"/>
-                        </a:rPr>
-                        <a:t>CPC</a:t>
+                        <a:t>CTR</a:t>
                       </a:r>
-                      <a:endParaRPr b="0" lang="en-US" sz="1800" spc="-1" strike="noStrike">
-                        <a:solidFill>
-                          <a:srgbClr val="000000"/>
-                        </a:solidFill>
-                        <a:latin typeface="Arial"/>
-                      </a:endParaRPr>
                     </a:p>
                   </a:txBody>
                   <a:tcPr anchor="t" marL="36000" marR="36000">
@@ -3429,26 +3345,9 @@
                       <a:noAutofit/>
                     </a:bodyPr>
                     <a:p>
-                      <a:pPr>
-                        <a:lnSpc>
-                          <a:spcPct val="100000"/>
-                        </a:lnSpc>
-                      </a:pPr>
                       <a:r>
-                        <a:rPr b="0" lang="en-US" sz="1800" spc="-1" strike="noStrike">
-                          <a:solidFill>
-                            <a:srgbClr val="000000"/>
-                          </a:solidFill>
-                          <a:latin typeface="Arial"/>
-                        </a:rPr>
-                        <a:t>Conversions</a:t>
+                        <a:t>CPC</a:t>
                       </a:r>
-                      <a:endParaRPr b="0" lang="en-US" sz="1800" spc="-1" strike="noStrike">
-                        <a:solidFill>
-                          <a:srgbClr val="000000"/>
-                        </a:solidFill>
-                        <a:latin typeface="Arial"/>
-                      </a:endParaRPr>
                     </a:p>
                   </a:txBody>
                   <a:tcPr anchor="t" marL="36000" marR="36000">
@@ -3485,26 +3384,48 @@
                       <a:noAutofit/>
                     </a:bodyPr>
                     <a:p>
-                      <a:pPr>
-                        <a:lnSpc>
-                          <a:spcPct val="100000"/>
-                        </a:lnSpc>
-                      </a:pPr>
                       <a:r>
-                        <a:rPr b="0" lang="en-US" sz="1800" spc="-1" strike="noStrike">
-                          <a:solidFill>
-                            <a:srgbClr val="000000"/>
-                          </a:solidFill>
-                          <a:latin typeface="Arial"/>
-                        </a:rPr>
+                        <a:t>Conversions</a:t>
+                      </a:r>
+                    </a:p>
+                  </a:txBody>
+                  <a:tcPr anchor="t" marL="36000" marR="36000">
+                    <a:lnL w="7200">
+                      <a:solidFill>
+                        <a:srgbClr val="000000"/>
+                      </a:solidFill>
+                      <a:prstDash val="solid"/>
+                    </a:lnL>
+                    <a:lnR w="7200">
+                      <a:solidFill>
+                        <a:srgbClr val="000000"/>
+                      </a:solidFill>
+                      <a:prstDash val="solid"/>
+                    </a:lnR>
+                    <a:lnT w="7200">
+                      <a:solidFill>
+                        <a:srgbClr val="000000"/>
+                      </a:solidFill>
+                      <a:prstDash val="solid"/>
+                    </a:lnT>
+                    <a:lnB w="7200">
+                      <a:solidFill>
+                        <a:srgbClr val="000000"/>
+                      </a:solidFill>
+                      <a:prstDash val="solid"/>
+                    </a:lnB>
+                    <a:noFill/>
+                  </a:tcPr>
+                </a:tc>
+                <a:tc>
+                  <a:txBody>
+                    <a:bodyPr lIns="36000" rIns="36000" anchor="t">
+                      <a:noAutofit/>
+                    </a:bodyPr>
+                    <a:p>
+                      <a:r>
                         <a:t>Conv. Rate</a:t>
                       </a:r>
-                      <a:endParaRPr b="0" lang="en-US" sz="1800" spc="-1" strike="noStrike">
-                        <a:solidFill>
-                          <a:srgbClr val="000000"/>
-                        </a:solidFill>
-                        <a:latin typeface="Arial"/>
-                      </a:endParaRPr>
                     </a:p>
                   </a:txBody>
                   <a:tcPr anchor="t" marL="36000" marR="36000">
@@ -3543,26 +3464,9 @@
                       <a:noAutofit/>
                     </a:bodyPr>
                     <a:p>
-                      <a:pPr>
-                        <a:lnSpc>
-                          <a:spcPct val="100000"/>
-                        </a:lnSpc>
-                      </a:pPr>
                       <a:r>
-                        <a:rPr b="0" lang="en-US" sz="1800" spc="-1" strike="noStrike">
-                          <a:solidFill>
-                            <a:srgbClr val="000000"/>
-                          </a:solidFill>
-                          <a:latin typeface="Arial"/>
-                        </a:rPr>
                         <a:t>2024</a:t>
                       </a:r>
-                      <a:endParaRPr b="0" lang="en-US" sz="1800" spc="-1" strike="noStrike">
-                        <a:solidFill>
-                          <a:srgbClr val="000000"/>
-                        </a:solidFill>
-                        <a:latin typeface="Arial"/>
-                      </a:endParaRPr>
                     </a:p>
                   </a:txBody>
                   <a:tcPr anchor="t" marL="36000" marR="36000">
@@ -3599,26 +3503,9 @@
                       <a:noAutofit/>
                     </a:bodyPr>
                     <a:p>
-                      <a:pPr>
-                        <a:lnSpc>
-                          <a:spcPct val="100000"/>
-                        </a:lnSpc>
-                      </a:pPr>
                       <a:r>
-                        <a:rPr b="0" lang="en-US" sz="1800" spc="-1" strike="noStrike">
-                          <a:solidFill>
-                            <a:srgbClr val="000000"/>
-                          </a:solidFill>
-                          <a:latin typeface="Arial"/>
-                        </a:rPr>
-                        <a:t>1031778000.0</a:t>
+                        <a:t>$25.0k</a:t>
                       </a:r>
-                      <a:endParaRPr b="0" lang="en-US" sz="1800" spc="-1" strike="noStrike">
-                        <a:solidFill>
-                          <a:srgbClr val="000000"/>
-                        </a:solidFill>
-                        <a:latin typeface="Arial"/>
-                      </a:endParaRPr>
                     </a:p>
                   </a:txBody>
                   <a:tcPr anchor="t" marL="36000" marR="36000">
@@ -3655,26 +3542,9 @@
                       <a:noAutofit/>
                     </a:bodyPr>
                     <a:p>
-                      <a:pPr>
-                        <a:lnSpc>
-                          <a:spcPct val="100000"/>
-                        </a:lnSpc>
-                      </a:pPr>
                       <a:r>
-                        <a:rPr b="0" lang="en-US" sz="1800" spc="-1" strike="noStrike">
-                          <a:solidFill>
-                            <a:srgbClr val="000000"/>
-                          </a:solidFill>
-                          <a:latin typeface="Arial"/>
-                        </a:rPr>
-                        <a:t>127889599.0</a:t>
+                        <a:t>1031.78M</a:t>
                       </a:r>
-                      <a:endParaRPr b="0" lang="en-US" sz="1800" spc="-1" strike="noStrike">
-                        <a:solidFill>
-                          <a:srgbClr val="000000"/>
-                        </a:solidFill>
-                        <a:latin typeface="Arial"/>
-                      </a:endParaRPr>
                     </a:p>
                   </a:txBody>
                   <a:tcPr anchor="t" marL="36000" marR="36000">
@@ -3711,26 +3581,9 @@
                       <a:noAutofit/>
                     </a:bodyPr>
                     <a:p>
-                      <a:pPr>
-                        <a:lnSpc>
-                          <a:spcPct val="100000"/>
-                        </a:lnSpc>
-                      </a:pPr>
                       <a:r>
-                        <a:rPr b="0" lang="en-US" sz="1800" spc="-1" strike="noStrike">
-                          <a:solidFill>
-                            <a:srgbClr val="000000"/>
-                          </a:solidFill>
-                          <a:latin typeface="Arial"/>
-                        </a:rPr>
-                        <a:t>0.123950693850809</a:t>
+                        <a:t>127.89M</a:t>
                       </a:r>
-                      <a:endParaRPr b="0" lang="en-US" sz="1800" spc="-1" strike="noStrike">
-                        <a:solidFill>
-                          <a:srgbClr val="000000"/>
-                        </a:solidFill>
-                        <a:latin typeface="Arial"/>
-                      </a:endParaRPr>
                     </a:p>
                   </a:txBody>
                   <a:tcPr anchor="t" marL="36000" marR="36000">
@@ -3767,26 +3620,9 @@
                       <a:noAutofit/>
                     </a:bodyPr>
                     <a:p>
-                      <a:pPr>
-                        <a:lnSpc>
-                          <a:spcPct val="100000"/>
-                        </a:lnSpc>
-                      </a:pPr>
                       <a:r>
-                        <a:rPr b="0" lang="en-US" sz="1800" spc="-1" strike="noStrike">
-                          <a:solidFill>
-                            <a:srgbClr val="000000"/>
-                          </a:solidFill>
-                          <a:latin typeface="Arial"/>
-                        </a:rPr>
-                        <a:t>0.0001954811039481</a:t>
+                        <a:t>0.12%</a:t>
                       </a:r>
-                      <a:endParaRPr b="0" lang="en-US" sz="1800" spc="-1" strike="noStrike">
-                        <a:solidFill>
-                          <a:srgbClr val="000000"/>
-                        </a:solidFill>
-                        <a:latin typeface="Arial"/>
-                      </a:endParaRPr>
                     </a:p>
                   </a:txBody>
                   <a:tcPr anchor="t" marL="36000" marR="36000">
@@ -3823,26 +3659,9 @@
                       <a:noAutofit/>
                     </a:bodyPr>
                     <a:p>
-                      <a:pPr>
-                        <a:lnSpc>
-                          <a:spcPct val="100000"/>
-                        </a:lnSpc>
-                      </a:pPr>
                       <a:r>
-                        <a:rPr b="0" lang="en-US" sz="1800" spc="-1" strike="noStrike">
-                          <a:solidFill>
-                            <a:srgbClr val="000000"/>
-                          </a:solidFill>
-                          <a:latin typeface="Arial"/>
-                        </a:rPr>
-                        <a:t>16609671.7091</a:t>
+                        <a:t>$0.0002</a:t>
                       </a:r>
-                      <a:endParaRPr b="0" lang="en-US" sz="1800" spc="-1" strike="noStrike">
-                        <a:solidFill>
-                          <a:srgbClr val="000000"/>
-                        </a:solidFill>
-                        <a:latin typeface="Arial"/>
-                      </a:endParaRPr>
                     </a:p>
                   </a:txBody>
                   <a:tcPr anchor="t" marL="36000" marR="36000">
@@ -3879,26 +3698,48 @@
                       <a:noAutofit/>
                     </a:bodyPr>
                     <a:p>
-                      <a:pPr>
-                        <a:lnSpc>
-                          <a:spcPct val="100000"/>
-                        </a:lnSpc>
-                      </a:pPr>
                       <a:r>
-                        <a:rPr b="0" lang="en-US" sz="1800" spc="-1" strike="noStrike">
-                          <a:solidFill>
-                            <a:srgbClr val="000000"/>
-                          </a:solidFill>
-                          <a:latin typeface="Arial"/>
-                        </a:rPr>
-                        <a:t>0.1298750784971966</a:t>
+                        <a:t>16.61M</a:t>
                       </a:r>
-                      <a:endParaRPr b="0" lang="en-US" sz="1800" spc="-1" strike="noStrike">
-                        <a:solidFill>
-                          <a:srgbClr val="000000"/>
-                        </a:solidFill>
-                        <a:latin typeface="Arial"/>
-                      </a:endParaRPr>
+                    </a:p>
+                  </a:txBody>
+                  <a:tcPr anchor="t" marL="36000" marR="36000">
+                    <a:lnL w="7200">
+                      <a:solidFill>
+                        <a:srgbClr val="000000"/>
+                      </a:solidFill>
+                      <a:prstDash val="solid"/>
+                    </a:lnL>
+                    <a:lnR w="7200">
+                      <a:solidFill>
+                        <a:srgbClr val="000000"/>
+                      </a:solidFill>
+                      <a:prstDash val="solid"/>
+                    </a:lnR>
+                    <a:lnT w="7200">
+                      <a:solidFill>
+                        <a:srgbClr val="000000"/>
+                      </a:solidFill>
+                      <a:prstDash val="solid"/>
+                    </a:lnT>
+                    <a:lnB w="7200">
+                      <a:solidFill>
+                        <a:srgbClr val="000000"/>
+                      </a:solidFill>
+                      <a:prstDash val="solid"/>
+                    </a:lnB>
+                    <a:noFill/>
+                  </a:tcPr>
+                </a:tc>
+                <a:tc>
+                  <a:txBody>
+                    <a:bodyPr lIns="36000" rIns="36000" anchor="t">
+                      <a:noAutofit/>
+                    </a:bodyPr>
+                    <a:p>
+                      <a:r>
+                        <a:t>0.13%</a:t>
+                      </a:r>
                     </a:p>
                   </a:txBody>
                   <a:tcPr anchor="t" marL="36000" marR="36000">
@@ -3937,26 +3778,9 @@
                       <a:noAutofit/>
                     </a:bodyPr>
                     <a:p>
-                      <a:pPr>
-                        <a:lnSpc>
-                          <a:spcPct val="100000"/>
-                        </a:lnSpc>
-                      </a:pPr>
                       <a:r>
-                        <a:rPr b="0" lang="en-US" sz="1800" spc="-1" strike="noStrike">
-                          <a:solidFill>
-                            <a:srgbClr val="000000"/>
-                          </a:solidFill>
-                          <a:latin typeface="Arial"/>
-                        </a:rPr>
                         <a:t>2023</a:t>
                       </a:r>
-                      <a:endParaRPr b="0" lang="en-US" sz="1800" spc="-1" strike="noStrike">
-                        <a:solidFill>
-                          <a:srgbClr val="000000"/>
-                        </a:solidFill>
-                        <a:latin typeface="Arial"/>
-                      </a:endParaRPr>
                     </a:p>
                   </a:txBody>
                   <a:tcPr anchor="t" marL="36000" marR="36000">
@@ -3993,26 +3817,9 @@
                       <a:noAutofit/>
                     </a:bodyPr>
                     <a:p>
-                      <a:pPr>
-                        <a:lnSpc>
-                          <a:spcPct val="100000"/>
-                        </a:lnSpc>
-                      </a:pPr>
                       <a:r>
-                        <a:rPr b="0" lang="en-US" sz="1800" spc="-1" strike="noStrike">
-                          <a:solidFill>
-                            <a:srgbClr val="000000"/>
-                          </a:solidFill>
-                          <a:latin typeface="Arial"/>
-                        </a:rPr>
-                        <a:t>985011000.0</a:t>
+                        <a:t>$25.0k</a:t>
                       </a:r>
-                      <a:endParaRPr b="0" lang="en-US" sz="1800" spc="-1" strike="noStrike">
-                        <a:solidFill>
-                          <a:srgbClr val="000000"/>
-                        </a:solidFill>
-                        <a:latin typeface="Arial"/>
-                      </a:endParaRPr>
                     </a:p>
                   </a:txBody>
                   <a:tcPr anchor="t" marL="36000" marR="36000">
@@ -4049,26 +3856,9 @@
                       <a:noAutofit/>
                     </a:bodyPr>
                     <a:p>
-                      <a:pPr>
-                        <a:lnSpc>
-                          <a:spcPct val="100000"/>
-                        </a:lnSpc>
-                      </a:pPr>
                       <a:r>
-                        <a:rPr b="0" lang="en-US" sz="1800" spc="-1" strike="noStrike">
-                          <a:solidFill>
-                            <a:srgbClr val="000000"/>
-                          </a:solidFill>
-                          <a:latin typeface="Arial"/>
-                        </a:rPr>
-                        <a:t>100783000.0</a:t>
+                        <a:t>985.01M</a:t>
                       </a:r>
-                      <a:endParaRPr b="0" lang="en-US" sz="1800" spc="-1" strike="noStrike">
-                        <a:solidFill>
-                          <a:srgbClr val="000000"/>
-                        </a:solidFill>
-                        <a:latin typeface="Arial"/>
-                      </a:endParaRPr>
                     </a:p>
                   </a:txBody>
                   <a:tcPr anchor="t" marL="36000" marR="36000">
@@ -4105,26 +3895,9 @@
                       <a:noAutofit/>
                     </a:bodyPr>
                     <a:p>
-                      <a:pPr>
-                        <a:lnSpc>
-                          <a:spcPct val="100000"/>
-                        </a:lnSpc>
-                      </a:pPr>
                       <a:r>
-                        <a:rPr b="0" lang="en-US" sz="1800" spc="-1" strike="noStrike">
-                          <a:solidFill>
-                            <a:srgbClr val="000000"/>
-                          </a:solidFill>
-                          <a:latin typeface="Arial"/>
-                        </a:rPr>
-                        <a:t>0.1023166238752663</a:t>
+                        <a:t>100.78M</a:t>
                       </a:r>
-                      <a:endParaRPr b="0" lang="en-US" sz="1800" spc="-1" strike="noStrike">
-                        <a:solidFill>
-                          <a:srgbClr val="000000"/>
-                        </a:solidFill>
-                        <a:latin typeface="Arial"/>
-                      </a:endParaRPr>
                     </a:p>
                   </a:txBody>
                   <a:tcPr anchor="t" marL="36000" marR="36000">
@@ -4161,26 +3934,9 @@
                       <a:noAutofit/>
                     </a:bodyPr>
                     <a:p>
-                      <a:pPr>
-                        <a:lnSpc>
-                          <a:spcPct val="100000"/>
-                        </a:lnSpc>
-                      </a:pPr>
                       <a:r>
-                        <a:rPr b="0" lang="en-US" sz="1800" spc="-1" strike="noStrike">
-                          <a:solidFill>
-                            <a:srgbClr val="000000"/>
-                          </a:solidFill>
-                          <a:latin typeface="Arial"/>
-                        </a:rPr>
-                        <a:t>0.0002480577081055</a:t>
+                        <a:t>0.1%</a:t>
                       </a:r>
-                      <a:endParaRPr b="0" lang="en-US" sz="1800" spc="-1" strike="noStrike">
-                        <a:solidFill>
-                          <a:srgbClr val="000000"/>
-                        </a:solidFill>
-                        <a:latin typeface="Arial"/>
-                      </a:endParaRPr>
                     </a:p>
                   </a:txBody>
                   <a:tcPr anchor="t" marL="36000" marR="36000">
@@ -4217,26 +3973,9 @@
                       <a:noAutofit/>
                     </a:bodyPr>
                     <a:p>
-                      <a:pPr>
-                        <a:lnSpc>
-                          <a:spcPct val="100000"/>
-                        </a:lnSpc>
-                      </a:pPr>
                       <a:r>
-                        <a:rPr b="0" lang="en-US" sz="1800" spc="-1" strike="noStrike">
-                          <a:solidFill>
-                            <a:srgbClr val="000000"/>
-                          </a:solidFill>
-                          <a:latin typeface="Arial"/>
-                        </a:rPr>
-                        <a:t>13918744.010000002</a:t>
+                        <a:t>$0.00025</a:t>
                       </a:r>
-                      <a:endParaRPr b="0" lang="en-US" sz="1800" spc="-1" strike="noStrike">
-                        <a:solidFill>
-                          <a:srgbClr val="000000"/>
-                        </a:solidFill>
-                        <a:latin typeface="Arial"/>
-                      </a:endParaRPr>
                     </a:p>
                   </a:txBody>
                   <a:tcPr anchor="t" marL="36000" marR="36000">
@@ -4273,26 +4012,48 @@
                       <a:noAutofit/>
                     </a:bodyPr>
                     <a:p>
-                      <a:pPr>
-                        <a:lnSpc>
-                          <a:spcPct val="100000"/>
-                        </a:lnSpc>
-                      </a:pPr>
                       <a:r>
-                        <a:rPr b="0" lang="en-US" sz="1800" spc="-1" strike="noStrike">
-                          <a:solidFill>
-                            <a:srgbClr val="000000"/>
-                          </a:solidFill>
-                          <a:latin typeface="Arial"/>
-                        </a:rPr>
-                        <a:t>0.138106069575226</a:t>
+                        <a:t>13.92M</a:t>
                       </a:r>
-                      <a:endParaRPr b="0" lang="en-US" sz="1800" spc="-1" strike="noStrike">
-                        <a:solidFill>
-                          <a:srgbClr val="000000"/>
-                        </a:solidFill>
-                        <a:latin typeface="Arial"/>
-                      </a:endParaRPr>
+                    </a:p>
+                  </a:txBody>
+                  <a:tcPr anchor="t" marL="36000" marR="36000">
+                    <a:lnL w="7200">
+                      <a:solidFill>
+                        <a:srgbClr val="000000"/>
+                      </a:solidFill>
+                      <a:prstDash val="solid"/>
+                    </a:lnL>
+                    <a:lnR w="7200">
+                      <a:solidFill>
+                        <a:srgbClr val="000000"/>
+                      </a:solidFill>
+                      <a:prstDash val="solid"/>
+                    </a:lnR>
+                    <a:lnT w="7200">
+                      <a:solidFill>
+                        <a:srgbClr val="000000"/>
+                      </a:solidFill>
+                      <a:prstDash val="solid"/>
+                    </a:lnT>
+                    <a:lnB w="7200">
+                      <a:solidFill>
+                        <a:srgbClr val="000000"/>
+                      </a:solidFill>
+                      <a:prstDash val="solid"/>
+                    </a:lnB>
+                    <a:noFill/>
+                  </a:tcPr>
+                </a:tc>
+                <a:tc>
+                  <a:txBody>
+                    <a:bodyPr lIns="36000" rIns="36000" anchor="t">
+                      <a:noAutofit/>
+                    </a:bodyPr>
+                    <a:p>
+                      <a:r>
+                        <a:t>0.14%</a:t>
+                      </a:r>
                     </a:p>
                   </a:txBody>
                   <a:tcPr anchor="t" marL="36000" marR="36000">
@@ -4331,20 +4092,45 @@
                       <a:noAutofit/>
                     </a:bodyPr>
                     <a:p>
-                      <a:pPr>
-                        <a:lnSpc>
-                          <a:spcPct val="100000"/>
-                        </a:lnSpc>
-                      </a:pPr>
                       <a:r>
-                        <a:rPr b="0" lang="en-US" sz="1800" spc="-1" strike="noStrike">
-                          <a:solidFill>
-                            <a:srgbClr val="000000"/>
-                          </a:solidFill>
-                          <a:latin typeface="Arial"/>
-                        </a:rPr>
                         <a:t>YoY</a:t>
                       </a:r>
+                    </a:p>
+                  </a:txBody>
+                  <a:tcPr anchor="t" marL="36000" marR="36000">
+                    <a:lnL w="7200">
+                      <a:solidFill>
+                        <a:srgbClr val="000000"/>
+                      </a:solidFill>
+                      <a:prstDash val="solid"/>
+                    </a:lnL>
+                    <a:lnR w="7200">
+                      <a:solidFill>
+                        <a:srgbClr val="000000"/>
+                      </a:solidFill>
+                      <a:prstDash val="solid"/>
+                    </a:lnR>
+                    <a:lnT w="7200">
+                      <a:solidFill>
+                        <a:srgbClr val="000000"/>
+                      </a:solidFill>
+                      <a:prstDash val="solid"/>
+                    </a:lnT>
+                    <a:lnB w="7200">
+                      <a:solidFill>
+                        <a:srgbClr val="000000"/>
+                      </a:solidFill>
+                      <a:prstDash val="solid"/>
+                    </a:lnB>
+                    <a:noFill/>
+                  </a:tcPr>
+                </a:tc>
+                <a:tc>
+                  <a:txBody>
+                    <a:bodyPr lIns="36000" rIns="36000" anchor="t">
+                      <a:noAutofit/>
+                    </a:bodyPr>
+                    <a:p>
                       <a:endParaRPr b="0" lang="en-US" sz="1800" spc="-1" strike="noStrike">
                         <a:solidFill>
                           <a:srgbClr val="000000"/>
@@ -4387,11 +4173,6 @@
                       <a:noAutofit/>
                     </a:bodyPr>
                     <a:p>
-                      <a:pPr>
-                        <a:lnSpc>
-                          <a:spcPct val="100000"/>
-                        </a:lnSpc>
-                      </a:pPr>
                       <a:endParaRPr b="0" lang="en-US" sz="1800" spc="-1" strike="noStrike">
                         <a:solidFill>
                           <a:srgbClr val="000000"/>
@@ -4434,11 +4215,6 @@
                       <a:noAutofit/>
                     </a:bodyPr>
                     <a:p>
-                      <a:pPr>
-                        <a:lnSpc>
-                          <a:spcPct val="100000"/>
-                        </a:lnSpc>
-                      </a:pPr>
                       <a:endParaRPr b="0" lang="en-US" sz="1800" spc="-1" strike="noStrike">
                         <a:solidFill>
                           <a:srgbClr val="000000"/>
@@ -4481,11 +4257,6 @@
                       <a:noAutofit/>
                     </a:bodyPr>
                     <a:p>
-                      <a:pPr>
-                        <a:lnSpc>
-                          <a:spcPct val="100000"/>
-                        </a:lnSpc>
-                      </a:pPr>
                       <a:endParaRPr b="0" lang="en-US" sz="1800" spc="-1" strike="noStrike">
                         <a:solidFill>
                           <a:srgbClr val="000000"/>
@@ -4528,11 +4299,6 @@
                       <a:noAutofit/>
                     </a:bodyPr>
                     <a:p>
-                      <a:pPr>
-                        <a:lnSpc>
-                          <a:spcPct val="100000"/>
-                        </a:lnSpc>
-                      </a:pPr>
                       <a:endParaRPr b="0" lang="en-US" sz="1800" spc="-1" strike="noStrike">
                         <a:solidFill>
                           <a:srgbClr val="000000"/>
@@ -4575,11 +4341,6 @@
                       <a:noAutofit/>
                     </a:bodyPr>
                     <a:p>
-                      <a:pPr>
-                        <a:lnSpc>
-                          <a:spcPct val="100000"/>
-                        </a:lnSpc>
-                      </a:pPr>
                       <a:endParaRPr b="0" lang="en-US" sz="1800" spc="-1" strike="noStrike">
                         <a:solidFill>
                           <a:srgbClr val="000000"/>
@@ -4622,11 +4383,6 @@
                       <a:noAutofit/>
                     </a:bodyPr>
                     <a:p>
-                      <a:pPr>
-                        <a:lnSpc>
-                          <a:spcPct val="100000"/>
-                        </a:lnSpc>
-                      </a:pPr>
                       <a:endParaRPr b="0" lang="en-US" sz="1800" spc="-1" strike="noStrike">
                         <a:solidFill>
                           <a:srgbClr val="000000"/>
@@ -4671,11 +4427,6 @@
                       <a:noAutofit/>
                     </a:bodyPr>
                     <a:p>
-                      <a:pPr>
-                        <a:lnSpc>
-                          <a:spcPct val="100000"/>
-                        </a:lnSpc>
-                      </a:pPr>
                       <a:endParaRPr b="0" lang="en-US" sz="1800" spc="-1" strike="noStrike">
                         <a:solidFill>
                           <a:srgbClr val="000000"/>
@@ -4718,11 +4469,6 @@
                       <a:noAutofit/>
                     </a:bodyPr>
                     <a:p>
-                      <a:pPr>
-                        <a:lnSpc>
-                          <a:spcPct val="100000"/>
-                        </a:lnSpc>
-                      </a:pPr>
                       <a:endParaRPr b="0" lang="en-US" sz="1800" spc="-1" strike="noStrike">
                         <a:solidFill>
                           <a:srgbClr val="000000"/>
@@ -4765,11 +4511,6 @@
                       <a:noAutofit/>
                     </a:bodyPr>
                     <a:p>
-                      <a:pPr>
-                        <a:lnSpc>
-                          <a:spcPct val="100000"/>
-                        </a:lnSpc>
-                      </a:pPr>
                       <a:endParaRPr b="0" lang="en-US" sz="1800" spc="-1" strike="noStrike">
                         <a:solidFill>
                           <a:srgbClr val="000000"/>
@@ -4812,11 +4553,6 @@
                       <a:noAutofit/>
                     </a:bodyPr>
                     <a:p>
-                      <a:pPr>
-                        <a:lnSpc>
-                          <a:spcPct val="100000"/>
-                        </a:lnSpc>
-                      </a:pPr>
                       <a:endParaRPr b="0" lang="en-US" sz="1800" spc="-1" strike="noStrike">
                         <a:solidFill>
                           <a:srgbClr val="000000"/>
@@ -4859,11 +4595,6 @@
                       <a:noAutofit/>
                     </a:bodyPr>
                     <a:p>
-                      <a:pPr>
-                        <a:lnSpc>
-                          <a:spcPct val="100000"/>
-                        </a:lnSpc>
-                      </a:pPr>
                       <a:endParaRPr b="0" lang="en-US" sz="1800" spc="-1" strike="noStrike">
                         <a:solidFill>
                           <a:srgbClr val="000000"/>
@@ -4906,11 +4637,6 @@
                       <a:noAutofit/>
                     </a:bodyPr>
                     <a:p>
-                      <a:pPr>
-                        <a:lnSpc>
-                          <a:spcPct val="100000"/>
-                        </a:lnSpc>
-                      </a:pPr>
                       <a:endParaRPr b="0" lang="en-US" sz="1800" spc="-1" strike="noStrike">
                         <a:solidFill>
                           <a:srgbClr val="000000"/>
@@ -4953,11 +4679,48 @@
                       <a:noAutofit/>
                     </a:bodyPr>
                     <a:p>
-                      <a:pPr>
-                        <a:lnSpc>
-                          <a:spcPct val="100000"/>
-                        </a:lnSpc>
-                      </a:pPr>
+                      <a:endParaRPr b="0" lang="en-US" sz="1800" spc="-1" strike="noStrike">
+                        <a:solidFill>
+                          <a:srgbClr val="000000"/>
+                        </a:solidFill>
+                        <a:latin typeface="Arial"/>
+                      </a:endParaRPr>
+                    </a:p>
+                  </a:txBody>
+                  <a:tcPr anchor="t" marL="36000" marR="36000">
+                    <a:lnL w="7200">
+                      <a:solidFill>
+                        <a:srgbClr val="000000"/>
+                      </a:solidFill>
+                      <a:prstDash val="solid"/>
+                    </a:lnL>
+                    <a:lnR w="7200">
+                      <a:solidFill>
+                        <a:srgbClr val="000000"/>
+                      </a:solidFill>
+                      <a:prstDash val="solid"/>
+                    </a:lnR>
+                    <a:lnT w="7200">
+                      <a:solidFill>
+                        <a:srgbClr val="000000"/>
+                      </a:solidFill>
+                      <a:prstDash val="solid"/>
+                    </a:lnT>
+                    <a:lnB w="7200">
+                      <a:solidFill>
+                        <a:srgbClr val="000000"/>
+                      </a:solidFill>
+                      <a:prstDash val="solid"/>
+                    </a:lnB>
+                    <a:noFill/>
+                  </a:tcPr>
+                </a:tc>
+                <a:tc>
+                  <a:txBody>
+                    <a:bodyPr lIns="36000" rIns="36000" anchor="t">
+                      <a:noAutofit/>
+                    </a:bodyPr>
+                    <a:p>
                       <a:endParaRPr b="0" lang="en-US" sz="1800" spc="-1" strike="noStrike">
                         <a:solidFill>
                           <a:srgbClr val="000000"/>

--- a/pull_test.pptx
+++ b/pull_test.pptx
@@ -69,7 +69,7 @@
         <p:txBody>
           <a:bodyPr/>
           <a:p>
-            <a:fld id="{1448D755-A7EB-462D-9233-A4D29380605B}" type="slidenum">
+            <a:fld id="{BD6C315C-8606-4592-88A5-FC4E699CBA9B}" type="slidenum">
               <a:t>&lt;#&gt;</a:t>
             </a:fld>
           </a:p>
@@ -232,7 +232,7 @@
         <p:txBody>
           <a:bodyPr/>
           <a:p>
-            <a:fld id="{E10FA086-BB6A-4A5E-A55C-14E8F3484E64}" type="slidenum">
+            <a:fld id="{7BD55E3C-881B-4602-B6CA-52C8FF410E7F}" type="slidenum">
               <a:t>&lt;#&gt;</a:t>
             </a:fld>
           </a:p>
@@ -398,7 +398,7 @@
         <p:txBody>
           <a:bodyPr/>
           <a:p>
-            <a:fld id="{9CB434BE-90BA-4579-BD61-1FF0EEBF361D}" type="slidenum">
+            <a:fld id="{99A1E8E0-2ED9-4B66-9E9F-12C6A695B736}" type="slidenum">
               <a:t>&lt;#&gt;</a:t>
             </a:fld>
           </a:p>
@@ -481,7 +481,7 @@
         <p:txBody>
           <a:bodyPr/>
           <a:p>
-            <a:fld id="{16685791-4374-4D79-A19F-1E0345F07327}" type="slidenum">
+            <a:fld id="{1C04AA1F-B7C7-4525-9C6F-AD8CBA197F8A}" type="slidenum">
               <a:t>&lt;#&gt;</a:t>
             </a:fld>
           </a:p>
@@ -564,7 +564,7 @@
         <p:txBody>
           <a:bodyPr/>
           <a:p>
-            <a:fld id="{DDE6C558-CFE1-4156-9AA6-479533D27860}" type="slidenum">
+            <a:fld id="{0DD8FAC6-815D-4A99-8409-2D085D997860}" type="slidenum">
               <a:t>&lt;#&gt;</a:t>
             </a:fld>
           </a:p>
@@ -733,7 +733,7 @@
                 </a:solidFill>
                 <a:latin typeface="Source Sans Pro"/>
               </a:rPr>
-              <a:t> </a:t>
+              <a:t>&lt;footer&gt;</a:t>
             </a:r>
             <a:endParaRPr b="0" lang="en-US" sz="2400" spc="-1" strike="noStrike">
               <a:solidFill>
@@ -800,14 +800,14 @@
                 <a:tab algn="l" pos="0"/>
               </a:tabLst>
             </a:pPr>
-            <a:fld id="{4C425D0F-42E7-410D-AE5C-D1607603740C}" type="slidenum">
+            <a:fld id="{76A8C248-56F8-4847-A1D7-DD5DD69983D2}" type="slidenum">
               <a:rPr b="0" lang="en-US" sz="2400" spc="-1" strike="noStrike">
                 <a:solidFill>
                   <a:srgbClr val="dbf5f9"/>
                 </a:solidFill>
                 <a:latin typeface="Source Sans Pro"/>
               </a:rPr>
-              <a:t>2</a:t>
+              <a:t>&lt;number&gt;</a:t>
             </a:fld>
             <a:endParaRPr b="0" lang="en-US" sz="2400" spc="-1" strike="noStrike">
               <a:solidFill>
@@ -869,7 +869,7 @@
                 </a:solidFill>
                 <a:latin typeface="Times New Roman"/>
               </a:rPr>
-              <a:t> </a:t>
+              <a:t>&lt;date/time&gt;</a:t>
             </a:r>
             <a:endParaRPr b="0" lang="en-US" sz="1400" spc="-1" strike="noStrike">
               <a:solidFill>
@@ -1142,7 +1142,7 @@
                 <a:tab algn="l" pos="0"/>
               </a:tabLst>
             </a:pPr>
-            <a:fld id="{83B5126E-4C4C-445D-ACC6-8D597DF595A0}" type="slidenum">
+            <a:fld id="{CF0F1C6C-6EAA-46A6-B2FF-14C6D2AA178F}" type="slidenum">
               <a:rPr b="0" lang="en-US" sz="2400" spc="-1" strike="noStrike">
                 <a:solidFill>
                   <a:srgbClr val="dbf5f9"/>
@@ -1930,7 +1930,7 @@
                 <a:tab algn="l" pos="0"/>
               </a:tabLst>
             </a:pPr>
-            <a:fld id="{CFD0BE14-9CE8-4B99-B18C-A199BBF16091}" type="slidenum">
+            <a:fld id="{18051325-74D1-4719-BCE3-25FA1A1DC687}" type="slidenum">
               <a:rPr b="0" lang="en-US" sz="2400" spc="-1" strike="noStrike">
                 <a:solidFill>
                   <a:srgbClr val="484848"/>
@@ -2217,7 +2217,7 @@
                 <a:tab algn="l" pos="0"/>
               </a:tabLst>
             </a:pPr>
-            <a:fld id="{F2EC1D60-B485-4DD0-9594-750803006540}" type="slidenum">
+            <a:fld id="{656C185B-081E-4B9D-9E6D-41E1BF938110}" type="slidenum">
               <a:rPr b="0" lang="en-US" sz="2400" spc="-1" strike="noStrike">
                 <a:solidFill>
                   <a:srgbClr val="484848"/>
@@ -2561,7 +2561,7 @@
                 <a:tab algn="l" pos="0"/>
               </a:tabLst>
             </a:pPr>
-            <a:fld id="{E9B81675-B75C-4E0F-9996-D3AC632F9704}" type="slidenum">
+            <a:fld id="{6FAE6C48-0C1B-46B7-85FD-1C89947FBA87}" type="slidenum">
               <a:rPr b="0" lang="en-US" sz="2400" spc="-1" strike="noStrike">
                 <a:solidFill>
                   <a:srgbClr val="484848"/>
@@ -3126,7 +3126,7 @@
           <p:nvPr/>
         </p:nvGraphicFramePr>
         <p:xfrm>
-          <a:off x="237960" y="1687680"/>
+          <a:off x="577080" y="1166400"/>
           <a:ext cx="12630960" cy="1924200"/>
         </p:xfrm>
         <a:graphic>
@@ -3134,14 +3134,14 @@
             <a:tbl>
               <a:tblPr/>
               <a:tblGrid>
-                <a:gridCol w="1804320"/>
-                <a:gridCol w="1804320"/>
-                <a:gridCol w="1804320"/>
-                <a:gridCol w="1804320"/>
-                <a:gridCol w="1804320"/>
-                <a:gridCol w="1804680"/>
-                <a:gridCol w="1804680"/>
-                <a:gridCol w="1804680"/>
+                <a:gridCol w="988200"/>
+                <a:gridCol w="788400"/>
+                <a:gridCol w="722520"/>
+                <a:gridCol w="897840"/>
+                <a:gridCol w="996480"/>
+                <a:gridCol w="919440"/>
+                <a:gridCol w="1379520"/>
+                <a:gridCol w="1379880"/>
               </a:tblGrid>
               <a:tr h="384840">
                 <a:tc>
@@ -3738,7 +3738,7 @@
                     </a:bodyPr>
                     <a:p>
                       <a:r>
-                        <a:t>0.13%</a:t>
+                        <a:t>0.13</a:t>
                       </a:r>
                     </a:p>
                   </a:txBody>
@@ -4052,7 +4052,7 @@
                     </a:bodyPr>
                     <a:p>
                       <a:r>
-                        <a:t>0.14%</a:t>
+                        <a:t>0.14</a:t>
                       </a:r>
                     </a:p>
                   </a:txBody>
@@ -4131,12 +4131,9 @@
                       <a:noAutofit/>
                     </a:bodyPr>
                     <a:p>
-                      <a:endParaRPr b="0" lang="en-US" sz="1800" spc="-1" strike="noStrike">
-                        <a:solidFill>
-                          <a:srgbClr val="000000"/>
-                        </a:solidFill>
-                        <a:latin typeface="Arial"/>
-                      </a:endParaRPr>
+                      <a:r>
+                        <a:t>0.0%</a:t>
+                      </a:r>
                     </a:p>
                   </a:txBody>
                   <a:tcPr anchor="t" marL="36000" marR="36000">
@@ -4173,12 +4170,9 @@
                       <a:noAutofit/>
                     </a:bodyPr>
                     <a:p>
-                      <a:endParaRPr b="0" lang="en-US" sz="1800" spc="-1" strike="noStrike">
-                        <a:solidFill>
-                          <a:srgbClr val="000000"/>
-                        </a:solidFill>
-                        <a:latin typeface="Arial"/>
-                      </a:endParaRPr>
+                      <a:r>
+                        <a:t>4.75%</a:t>
+                      </a:r>
                     </a:p>
                   </a:txBody>
                   <a:tcPr anchor="t" marL="36000" marR="36000">
@@ -4215,12 +4209,9 @@
                       <a:noAutofit/>
                     </a:bodyPr>
                     <a:p>
-                      <a:endParaRPr b="0" lang="en-US" sz="1800" spc="-1" strike="noStrike">
-                        <a:solidFill>
-                          <a:srgbClr val="000000"/>
-                        </a:solidFill>
-                        <a:latin typeface="Arial"/>
-                      </a:endParaRPr>
+                      <a:r>
+                        <a:t>26.9%</a:t>
+                      </a:r>
                     </a:p>
                   </a:txBody>
                   <a:tcPr anchor="t" marL="36000" marR="36000">
@@ -4257,12 +4248,9 @@
                       <a:noAutofit/>
                     </a:bodyPr>
                     <a:p>
-                      <a:endParaRPr b="0" lang="en-US" sz="1800" spc="-1" strike="noStrike">
-                        <a:solidFill>
-                          <a:srgbClr val="000000"/>
-                        </a:solidFill>
-                        <a:latin typeface="Arial"/>
-                      </a:endParaRPr>
+                      <a:r>
+                        <a:t>21.14%</a:t>
+                      </a:r>
                     </a:p>
                   </a:txBody>
                   <a:tcPr anchor="t" marL="36000" marR="36000">
@@ -4299,12 +4287,9 @@
                       <a:noAutofit/>
                     </a:bodyPr>
                     <a:p>
-                      <a:endParaRPr b="0" lang="en-US" sz="1800" spc="-1" strike="noStrike">
-                        <a:solidFill>
-                          <a:srgbClr val="000000"/>
-                        </a:solidFill>
-                        <a:latin typeface="Arial"/>
-                      </a:endParaRPr>
+                      <a:r>
+                        <a:t>-21.2%</a:t>
+                      </a:r>
                     </a:p>
                   </a:txBody>
                   <a:tcPr anchor="t" marL="36000" marR="36000">
@@ -4341,12 +4326,9 @@
                       <a:noAutofit/>
                     </a:bodyPr>
                     <a:p>
-                      <a:endParaRPr b="0" lang="en-US" sz="1800" spc="-1" strike="noStrike">
-                        <a:solidFill>
-                          <a:srgbClr val="000000"/>
-                        </a:solidFill>
-                        <a:latin typeface="Arial"/>
-                      </a:endParaRPr>
+                      <a:r>
+                        <a:t>19.33%</a:t>
+                      </a:r>
                     </a:p>
                   </a:txBody>
                   <a:tcPr anchor="t" marL="36000" marR="36000">
@@ -4383,12 +4365,9 @@
                       <a:noAutofit/>
                     </a:bodyPr>
                     <a:p>
-                      <a:endParaRPr b="0" lang="en-US" sz="1800" spc="-1" strike="noStrike">
-                        <a:solidFill>
-                          <a:srgbClr val="000000"/>
-                        </a:solidFill>
-                        <a:latin typeface="Arial"/>
-                      </a:endParaRPr>
+                      <a:r>
+                        <a:t>-5.96%</a:t>
+                      </a:r>
                     </a:p>
                   </a:txBody>
                   <a:tcPr anchor="t" marL="36000" marR="36000">

--- a/pull_test.pptx
+++ b/pull_test.pptx
@@ -69,7 +69,7 @@
         <p:txBody>
           <a:bodyPr/>
           <a:p>
-            <a:fld id="{BD6C315C-8606-4592-88A5-FC4E699CBA9B}" type="slidenum">
+            <a:fld id="{9A97E3A3-F0AA-4D79-816C-65F344C0C36A}" type="slidenum">
               <a:t>&lt;#&gt;</a:t>
             </a:fld>
           </a:p>
@@ -232,7 +232,7 @@
         <p:txBody>
           <a:bodyPr/>
           <a:p>
-            <a:fld id="{7BD55E3C-881B-4602-B6CA-52C8FF410E7F}" type="slidenum">
+            <a:fld id="{F8855F3D-E4D4-47CE-9BD3-268943D1CC39}" type="slidenum">
               <a:t>&lt;#&gt;</a:t>
             </a:fld>
           </a:p>
@@ -398,7 +398,7 @@
         <p:txBody>
           <a:bodyPr/>
           <a:p>
-            <a:fld id="{99A1E8E0-2ED9-4B66-9E9F-12C6A695B736}" type="slidenum">
+            <a:fld id="{465F389C-DC4B-4B0E-8E8A-4282683B297C}" type="slidenum">
               <a:t>&lt;#&gt;</a:t>
             </a:fld>
           </a:p>
@@ -481,7 +481,7 @@
         <p:txBody>
           <a:bodyPr/>
           <a:p>
-            <a:fld id="{1C04AA1F-B7C7-4525-9C6F-AD8CBA197F8A}" type="slidenum">
+            <a:fld id="{71E67A9F-3858-4876-A2D2-E03D1016410A}" type="slidenum">
               <a:t>&lt;#&gt;</a:t>
             </a:fld>
           </a:p>
@@ -564,7 +564,7 @@
         <p:txBody>
           <a:bodyPr/>
           <a:p>
-            <a:fld id="{0DD8FAC6-815D-4A99-8409-2D085D997860}" type="slidenum">
+            <a:fld id="{8E99BF95-5B09-47F5-BF09-28B4714F6C69}" type="slidenum">
               <a:t>&lt;#&gt;</a:t>
             </a:fld>
           </a:p>
@@ -622,7 +622,7 @@
         <p:spPr>
           <a:xfrm>
             <a:off x="0" y="3780000"/>
-            <a:ext cx="10078920" cy="1888920"/>
+            <a:ext cx="10078200" cy="1888200"/>
           </a:xfrm>
           <a:prstGeom prst="rect">
             <a:avLst/>
@@ -683,7 +683,7 @@
         <p:spPr>
           <a:xfrm>
             <a:off x="3420000" y="5130000"/>
-            <a:ext cx="3238920" cy="448920"/>
+            <a:ext cx="3238200" cy="448200"/>
           </a:xfrm>
           <a:prstGeom prst="rect">
             <a:avLst/>
@@ -757,7 +757,7 @@
         <p:spPr>
           <a:xfrm>
             <a:off x="7200000" y="5130000"/>
-            <a:ext cx="2338920" cy="448920"/>
+            <a:ext cx="2338200" cy="448200"/>
           </a:xfrm>
           <a:prstGeom prst="rect">
             <a:avLst/>
@@ -800,7 +800,7 @@
                 <a:tab algn="l" pos="0"/>
               </a:tabLst>
             </a:pPr>
-            <a:fld id="{76A8C248-56F8-4847-A1D7-DD5DD69983D2}" type="slidenum">
+            <a:fld id="{7B9EFFE9-A2D0-4DB5-AAC7-3D6FD9D1AE7B}" type="slidenum">
               <a:rPr b="0" lang="en-US" sz="2400" spc="-1" strike="noStrike">
                 <a:solidFill>
                   <a:srgbClr val="dbf5f9"/>
@@ -831,7 +831,7 @@
         <p:spPr>
           <a:xfrm>
             <a:off x="450000" y="5130000"/>
-            <a:ext cx="2338920" cy="448920"/>
+            <a:ext cx="2338200" cy="448200"/>
           </a:xfrm>
           <a:prstGeom prst="rect">
             <a:avLst/>
@@ -915,7 +915,7 @@
         <p:spPr>
           <a:xfrm>
             <a:off x="0" y="3780000"/>
-            <a:ext cx="10078920" cy="1888920"/>
+            <a:ext cx="10078200" cy="1888200"/>
           </a:xfrm>
           <a:prstGeom prst="rect">
             <a:avLst/>
@@ -1025,7 +1025,7 @@
         <p:spPr>
           <a:xfrm>
             <a:off x="3420000" y="5130000"/>
-            <a:ext cx="3238920" cy="448920"/>
+            <a:ext cx="3238200" cy="448200"/>
           </a:xfrm>
           <a:prstGeom prst="rect">
             <a:avLst/>
@@ -1099,7 +1099,7 @@
         <p:spPr>
           <a:xfrm>
             <a:off x="7200000" y="5130000"/>
-            <a:ext cx="2338920" cy="448920"/>
+            <a:ext cx="2338200" cy="448200"/>
           </a:xfrm>
           <a:prstGeom prst="rect">
             <a:avLst/>
@@ -1142,7 +1142,7 @@
                 <a:tab algn="l" pos="0"/>
               </a:tabLst>
             </a:pPr>
-            <a:fld id="{CF0F1C6C-6EAA-46A6-B2FF-14C6D2AA178F}" type="slidenum">
+            <a:fld id="{6FE98226-C283-47DC-BBE8-18D786CAB945}" type="slidenum">
               <a:rPr b="0" lang="en-US" sz="2400" spc="-1" strike="noStrike">
                 <a:solidFill>
                   <a:srgbClr val="dbf5f9"/>
@@ -1173,7 +1173,7 @@
         <p:spPr>
           <a:xfrm>
             <a:off x="450000" y="5130000"/>
-            <a:ext cx="2338920" cy="448920"/>
+            <a:ext cx="2338200" cy="448200"/>
           </a:xfrm>
           <a:prstGeom prst="rect">
             <a:avLst/>
@@ -1481,8 +1481,8 @@
         </p:nvSpPr>
         <p:spPr>
           <a:xfrm flipV="1">
-            <a:off x="0" y="-1440"/>
-            <a:ext cx="10078920" cy="1078920"/>
+            <a:off x="0" y="-2160"/>
+            <a:ext cx="10078200" cy="1078200"/>
           </a:xfrm>
           <a:prstGeom prst="rect">
             <a:avLst/>
@@ -1817,7 +1817,7 @@
         <p:spPr>
           <a:xfrm>
             <a:off x="3420000" y="5130000"/>
-            <a:ext cx="3238920" cy="448920"/>
+            <a:ext cx="3238200" cy="448200"/>
           </a:xfrm>
           <a:prstGeom prst="rect">
             <a:avLst/>
@@ -1889,7 +1889,7 @@
         <p:spPr>
           <a:xfrm>
             <a:off x="7200000" y="5130000"/>
-            <a:ext cx="2338920" cy="448920"/>
+            <a:ext cx="2338200" cy="448200"/>
           </a:xfrm>
           <a:prstGeom prst="rect">
             <a:avLst/>
@@ -1930,7 +1930,7 @@
                 <a:tab algn="l" pos="0"/>
               </a:tabLst>
             </a:pPr>
-            <a:fld id="{18051325-74D1-4719-BCE3-25FA1A1DC687}" type="slidenum">
+            <a:fld id="{5639E821-B54B-4CC2-91DD-7FDCA9AA22E7}" type="slidenum">
               <a:rPr b="0" lang="en-US" sz="2400" spc="-1" strike="noStrike">
                 <a:solidFill>
                   <a:srgbClr val="484848"/>
@@ -1961,7 +1961,7 @@
         <p:spPr>
           <a:xfrm>
             <a:off x="540000" y="5130000"/>
-            <a:ext cx="2338920" cy="448920"/>
+            <a:ext cx="2338200" cy="448200"/>
           </a:xfrm>
           <a:prstGeom prst="rect">
             <a:avLst/>
@@ -2042,8 +2042,8 @@
         </p:nvSpPr>
         <p:spPr>
           <a:xfrm flipV="1">
-            <a:off x="0" y="-1440"/>
-            <a:ext cx="10078920" cy="1078920"/>
+            <a:off x="0" y="-2160"/>
+            <a:ext cx="10078200" cy="1078200"/>
           </a:xfrm>
           <a:prstGeom prst="rect">
             <a:avLst/>
@@ -2104,7 +2104,7 @@
         <p:spPr>
           <a:xfrm>
             <a:off x="3420000" y="5130000"/>
-            <a:ext cx="3238920" cy="448920"/>
+            <a:ext cx="3238200" cy="448200"/>
           </a:xfrm>
           <a:prstGeom prst="rect">
             <a:avLst/>
@@ -2176,7 +2176,7 @@
         <p:spPr>
           <a:xfrm>
             <a:off x="7200000" y="5130000"/>
-            <a:ext cx="2338920" cy="448920"/>
+            <a:ext cx="2338200" cy="448200"/>
           </a:xfrm>
           <a:prstGeom prst="rect">
             <a:avLst/>
@@ -2217,7 +2217,7 @@
                 <a:tab algn="l" pos="0"/>
               </a:tabLst>
             </a:pPr>
-            <a:fld id="{656C185B-081E-4B9D-9E6D-41E1BF938110}" type="slidenum">
+            <a:fld id="{422288F0-BAAF-42A5-B181-688A0D9463DA}" type="slidenum">
               <a:rPr b="0" lang="en-US" sz="2400" spc="-1" strike="noStrike">
                 <a:solidFill>
                   <a:srgbClr val="484848"/>
@@ -2248,7 +2248,7 @@
         <p:spPr>
           <a:xfrm>
             <a:off x="540000" y="5130000"/>
-            <a:ext cx="2338920" cy="448920"/>
+            <a:ext cx="2338200" cy="448200"/>
           </a:xfrm>
           <a:prstGeom prst="rect">
             <a:avLst/>
@@ -2329,8 +2329,8 @@
         </p:nvSpPr>
         <p:spPr>
           <a:xfrm flipV="1">
-            <a:off x="0" y="-1440"/>
-            <a:ext cx="10078920" cy="178920"/>
+            <a:off x="0" y="-2160"/>
+            <a:ext cx="10078200" cy="178200"/>
           </a:xfrm>
           <a:prstGeom prst="rect">
             <a:avLst/>
@@ -2387,7 +2387,7 @@
         <p:spPr>
           <a:xfrm>
             <a:off x="0" y="5580000"/>
-            <a:ext cx="10078920" cy="88920"/>
+            <a:ext cx="10078200" cy="88200"/>
           </a:xfrm>
           <a:prstGeom prst="rect">
             <a:avLst/>
@@ -2448,7 +2448,7 @@
         <p:spPr>
           <a:xfrm>
             <a:off x="3420000" y="5119200"/>
-            <a:ext cx="3238920" cy="448920"/>
+            <a:ext cx="3238200" cy="448200"/>
           </a:xfrm>
           <a:prstGeom prst="rect">
             <a:avLst/>
@@ -2520,7 +2520,7 @@
         <p:spPr>
           <a:xfrm>
             <a:off x="7650000" y="5130000"/>
-            <a:ext cx="1888920" cy="448920"/>
+            <a:ext cx="1888200" cy="448200"/>
           </a:xfrm>
           <a:prstGeom prst="rect">
             <a:avLst/>
@@ -2561,7 +2561,7 @@
                 <a:tab algn="l" pos="0"/>
               </a:tabLst>
             </a:pPr>
-            <a:fld id="{6FAE6C48-0C1B-46B7-85FD-1C89947FBA87}" type="slidenum">
+            <a:fld id="{9096EB27-F218-443D-A0DA-89F47B1C9182}" type="slidenum">
               <a:rPr b="0" lang="en-US" sz="2400" spc="-1" strike="noStrike">
                 <a:solidFill>
                   <a:srgbClr val="484848"/>
@@ -2592,7 +2592,7 @@
         <p:spPr>
           <a:xfrm>
             <a:off x="540000" y="5130000"/>
-            <a:ext cx="2338920" cy="448920"/>
+            <a:ext cx="2338200" cy="448200"/>
           </a:xfrm>
           <a:prstGeom prst="rect">
             <a:avLst/>
@@ -2952,7 +2952,7 @@
         <p:spPr>
           <a:xfrm>
             <a:off x="450000" y="270000"/>
-            <a:ext cx="8998920" cy="3238920"/>
+            <a:ext cx="8998200" cy="3238200"/>
           </a:xfrm>
           <a:prstGeom prst="rect">
             <a:avLst/>
@@ -3007,7 +3007,7 @@
         <p:spPr>
           <a:xfrm>
             <a:off x="450000" y="3870000"/>
-            <a:ext cx="8998920" cy="1168920"/>
+            <a:ext cx="8998200" cy="1168200"/>
           </a:xfrm>
           <a:prstGeom prst="rect">
             <a:avLst/>
@@ -3077,7 +3077,7 @@
         <p:spPr>
           <a:xfrm>
             <a:off x="502920" y="90720"/>
-            <a:ext cx="9070560" cy="945720"/>
+            <a:ext cx="9069840" cy="945000"/>
           </a:xfrm>
           <a:prstGeom prst="rect">
             <a:avLst/>
@@ -3127,7 +3127,7 @@
         </p:nvGraphicFramePr>
         <p:xfrm>
           <a:off x="577080" y="1166400"/>
-          <a:ext cx="12630960" cy="1924200"/>
+          <a:ext cx="8370360" cy="1758240"/>
         </p:xfrm>
         <a:graphic>
           <a:graphicData uri="http://schemas.openxmlformats.org/drawingml/2006/table">
@@ -3136,12 +3136,12 @@
               <a:tblGrid>
                 <a:gridCol w="988200"/>
                 <a:gridCol w="788400"/>
-                <a:gridCol w="722520"/>
-                <a:gridCol w="897840"/>
-                <a:gridCol w="996480"/>
-                <a:gridCol w="919440"/>
-                <a:gridCol w="1379520"/>
-                <a:gridCol w="1379880"/>
+                <a:gridCol w="965520"/>
+                <a:gridCol w="1010160"/>
+                <a:gridCol w="938160"/>
+                <a:gridCol w="1082520"/>
+                <a:gridCol w="1298880"/>
+                <a:gridCol w="1298880"/>
               </a:tblGrid>
               <a:tr h="384840">
                 <a:tc>
@@ -3150,9 +3150,26 @@
                       <a:noAutofit/>
                     </a:bodyPr>
                     <a:p>
+                      <a:pPr>
+                        <a:lnSpc>
+                          <a:spcPct val="100000"/>
+                        </a:lnSpc>
+                      </a:pPr>
                       <a:r>
+                        <a:rPr b="0" lang="en-US" sz="1800" spc="-1" strike="noStrike">
+                          <a:solidFill>
+                            <a:srgbClr val="000000"/>
+                          </a:solidFill>
+                          <a:latin typeface="Arial"/>
+                        </a:rPr>
                         <a:t>Year</a:t>
                       </a:r>
+                      <a:endParaRPr b="0" lang="en-US" sz="1800" spc="-1" strike="noStrike">
+                        <a:solidFill>
+                          <a:srgbClr val="000000"/>
+                        </a:solidFill>
+                        <a:latin typeface="Arial"/>
+                      </a:endParaRPr>
                     </a:p>
                   </a:txBody>
                   <a:tcPr anchor="t" marL="36000" marR="36000">
@@ -3189,9 +3206,26 @@
                       <a:noAutofit/>
                     </a:bodyPr>
                     <a:p>
+                      <a:pPr>
+                        <a:lnSpc>
+                          <a:spcPct val="100000"/>
+                        </a:lnSpc>
+                      </a:pPr>
                       <a:r>
+                        <a:rPr b="0" lang="en-US" sz="1800" spc="-1" strike="noStrike">
+                          <a:solidFill>
+                            <a:srgbClr val="000000"/>
+                          </a:solidFill>
+                          <a:latin typeface="Arial"/>
+                        </a:rPr>
                         <a:t>Spend</a:t>
                       </a:r>
+                      <a:endParaRPr b="0" lang="en-US" sz="1800" spc="-1" strike="noStrike">
+                        <a:solidFill>
+                          <a:srgbClr val="000000"/>
+                        </a:solidFill>
+                        <a:latin typeface="Arial"/>
+                      </a:endParaRPr>
                     </a:p>
                   </a:txBody>
                   <a:tcPr anchor="t" marL="36000" marR="36000">
@@ -3228,9 +3262,26 @@
                       <a:noAutofit/>
                     </a:bodyPr>
                     <a:p>
+                      <a:pPr>
+                        <a:lnSpc>
+                          <a:spcPct val="100000"/>
+                        </a:lnSpc>
+                      </a:pPr>
                       <a:r>
+                        <a:rPr b="0" lang="en-US" sz="1800" spc="-1" strike="noStrike">
+                          <a:solidFill>
+                            <a:srgbClr val="000000"/>
+                          </a:solidFill>
+                          <a:latin typeface="Arial"/>
+                        </a:rPr>
                         <a:t>Impr.</a:t>
                       </a:r>
+                      <a:endParaRPr b="0" lang="en-US" sz="1800" spc="-1" strike="noStrike">
+                        <a:solidFill>
+                          <a:srgbClr val="000000"/>
+                        </a:solidFill>
+                        <a:latin typeface="Arial"/>
+                      </a:endParaRPr>
                     </a:p>
                   </a:txBody>
                   <a:tcPr anchor="t" marL="36000" marR="36000">
@@ -3267,9 +3318,26 @@
                       <a:noAutofit/>
                     </a:bodyPr>
                     <a:p>
+                      <a:pPr>
+                        <a:lnSpc>
+                          <a:spcPct val="100000"/>
+                        </a:lnSpc>
+                      </a:pPr>
                       <a:r>
+                        <a:rPr b="0" lang="en-US" sz="1800" spc="-1" strike="noStrike">
+                          <a:solidFill>
+                            <a:srgbClr val="000000"/>
+                          </a:solidFill>
+                          <a:latin typeface="Arial"/>
+                        </a:rPr>
                         <a:t>Clicks</a:t>
                       </a:r>
+                      <a:endParaRPr b="0" lang="en-US" sz="1800" spc="-1" strike="noStrike">
+                        <a:solidFill>
+                          <a:srgbClr val="000000"/>
+                        </a:solidFill>
+                        <a:latin typeface="Arial"/>
+                      </a:endParaRPr>
                     </a:p>
                   </a:txBody>
                   <a:tcPr anchor="t" marL="36000" marR="36000">
@@ -3306,9 +3374,26 @@
                       <a:noAutofit/>
                     </a:bodyPr>
                     <a:p>
+                      <a:pPr>
+                        <a:lnSpc>
+                          <a:spcPct val="100000"/>
+                        </a:lnSpc>
+                      </a:pPr>
                       <a:r>
+                        <a:rPr b="0" lang="en-US" sz="1800" spc="-1" strike="noStrike">
+                          <a:solidFill>
+                            <a:srgbClr val="000000"/>
+                          </a:solidFill>
+                          <a:latin typeface="Arial"/>
+                        </a:rPr>
                         <a:t>CTR</a:t>
                       </a:r>
+                      <a:endParaRPr b="0" lang="en-US" sz="1800" spc="-1" strike="noStrike">
+                        <a:solidFill>
+                          <a:srgbClr val="000000"/>
+                        </a:solidFill>
+                        <a:latin typeface="Arial"/>
+                      </a:endParaRPr>
                     </a:p>
                   </a:txBody>
                   <a:tcPr anchor="t" marL="36000" marR="36000">
@@ -3345,9 +3430,26 @@
                       <a:noAutofit/>
                     </a:bodyPr>
                     <a:p>
+                      <a:pPr>
+                        <a:lnSpc>
+                          <a:spcPct val="100000"/>
+                        </a:lnSpc>
+                      </a:pPr>
                       <a:r>
+                        <a:rPr b="0" lang="en-US" sz="1800" spc="-1" strike="noStrike">
+                          <a:solidFill>
+                            <a:srgbClr val="000000"/>
+                          </a:solidFill>
+                          <a:latin typeface="Arial"/>
+                        </a:rPr>
                         <a:t>CPC</a:t>
                       </a:r>
+                      <a:endParaRPr b="0" lang="en-US" sz="1800" spc="-1" strike="noStrike">
+                        <a:solidFill>
+                          <a:srgbClr val="000000"/>
+                        </a:solidFill>
+                        <a:latin typeface="Arial"/>
+                      </a:endParaRPr>
                     </a:p>
                   </a:txBody>
                   <a:tcPr anchor="t" marL="36000" marR="36000">
@@ -3384,9 +3486,26 @@
                       <a:noAutofit/>
                     </a:bodyPr>
                     <a:p>
+                      <a:pPr>
+                        <a:lnSpc>
+                          <a:spcPct val="100000"/>
+                        </a:lnSpc>
+                      </a:pPr>
                       <a:r>
+                        <a:rPr b="0" lang="en-US" sz="1800" spc="-1" strike="noStrike">
+                          <a:solidFill>
+                            <a:srgbClr val="000000"/>
+                          </a:solidFill>
+                          <a:latin typeface="Arial"/>
+                        </a:rPr>
                         <a:t>Conversions</a:t>
                       </a:r>
+                      <a:endParaRPr b="0" lang="en-US" sz="1800" spc="-1" strike="noStrike">
+                        <a:solidFill>
+                          <a:srgbClr val="000000"/>
+                        </a:solidFill>
+                        <a:latin typeface="Arial"/>
+                      </a:endParaRPr>
                     </a:p>
                   </a:txBody>
                   <a:tcPr anchor="t" marL="36000" marR="36000">
@@ -3423,9 +3542,26 @@
                       <a:noAutofit/>
                     </a:bodyPr>
                     <a:p>
+                      <a:pPr>
+                        <a:lnSpc>
+                          <a:spcPct val="100000"/>
+                        </a:lnSpc>
+                      </a:pPr>
                       <a:r>
+                        <a:rPr b="0" lang="en-US" sz="1800" spc="-1" strike="noStrike">
+                          <a:solidFill>
+                            <a:srgbClr val="000000"/>
+                          </a:solidFill>
+                          <a:latin typeface="Arial"/>
+                        </a:rPr>
                         <a:t>Conv. Rate</a:t>
                       </a:r>
+                      <a:endParaRPr b="0" lang="en-US" sz="1800" spc="-1" strike="noStrike">
+                        <a:solidFill>
+                          <a:srgbClr val="000000"/>
+                        </a:solidFill>
+                        <a:latin typeface="Arial"/>
+                      </a:endParaRPr>
                     </a:p>
                   </a:txBody>
                   <a:tcPr anchor="t" marL="36000" marR="36000">
@@ -3464,9 +3600,26 @@
                       <a:noAutofit/>
                     </a:bodyPr>
                     <a:p>
+                      <a:pPr>
+                        <a:lnSpc>
+                          <a:spcPct val="100000"/>
+                        </a:lnSpc>
+                      </a:pPr>
                       <a:r>
+                        <a:rPr b="0" lang="en-US" sz="1800" spc="-1" strike="noStrike">
+                          <a:solidFill>
+                            <a:srgbClr val="000000"/>
+                          </a:solidFill>
+                          <a:latin typeface="Arial"/>
+                        </a:rPr>
                         <a:t>2024</a:t>
                       </a:r>
+                      <a:endParaRPr b="0" lang="en-US" sz="1800" spc="-1" strike="noStrike">
+                        <a:solidFill>
+                          <a:srgbClr val="000000"/>
+                        </a:solidFill>
+                        <a:latin typeface="Arial"/>
+                      </a:endParaRPr>
                     </a:p>
                   </a:txBody>
                   <a:tcPr anchor="t" marL="36000" marR="36000">
@@ -3503,9 +3656,26 @@
                       <a:noAutofit/>
                     </a:bodyPr>
                     <a:p>
+                      <a:pPr>
+                        <a:lnSpc>
+                          <a:spcPct val="100000"/>
+                        </a:lnSpc>
+                      </a:pPr>
                       <a:r>
+                        <a:rPr b="0" lang="en-US" sz="1800" spc="-1" strike="noStrike">
+                          <a:solidFill>
+                            <a:srgbClr val="000000"/>
+                          </a:solidFill>
+                          <a:latin typeface="Arial"/>
+                        </a:rPr>
                         <a:t>$25.0k</a:t>
                       </a:r>
+                      <a:endParaRPr b="0" lang="en-US" sz="1800" spc="-1" strike="noStrike">
+                        <a:solidFill>
+                          <a:srgbClr val="000000"/>
+                        </a:solidFill>
+                        <a:latin typeface="Arial"/>
+                      </a:endParaRPr>
                     </a:p>
                   </a:txBody>
                   <a:tcPr anchor="t" marL="36000" marR="36000">
@@ -3542,9 +3712,26 @@
                       <a:noAutofit/>
                     </a:bodyPr>
                     <a:p>
+                      <a:pPr>
+                        <a:lnSpc>
+                          <a:spcPct val="100000"/>
+                        </a:lnSpc>
+                      </a:pPr>
                       <a:r>
-                        <a:t>1031.78M</a:t>
+                        <a:rPr b="0" lang="en-US" sz="1800" spc="-1" strike="noStrike">
+                          <a:solidFill>
+                            <a:srgbClr val="000000"/>
+                          </a:solidFill>
+                          <a:latin typeface="Arial"/>
+                        </a:rPr>
+                        <a:t>10.84M</a:t>
                       </a:r>
+                      <a:endParaRPr b="0" lang="en-US" sz="1800" spc="-1" strike="noStrike">
+                        <a:solidFill>
+                          <a:srgbClr val="000000"/>
+                        </a:solidFill>
+                        <a:latin typeface="Arial"/>
+                      </a:endParaRPr>
                     </a:p>
                   </a:txBody>
                   <a:tcPr anchor="t" marL="36000" marR="36000">
@@ -3581,9 +3768,26 @@
                       <a:noAutofit/>
                     </a:bodyPr>
                     <a:p>
+                      <a:pPr>
+                        <a:lnSpc>
+                          <a:spcPct val="100000"/>
+                        </a:lnSpc>
+                      </a:pPr>
                       <a:r>
-                        <a:t>127.89M</a:t>
+                        <a:rPr b="0" lang="en-US" sz="1800" spc="-1" strike="noStrike">
+                          <a:solidFill>
+                            <a:srgbClr val="000000"/>
+                          </a:solidFill>
+                          <a:latin typeface="Arial"/>
+                        </a:rPr>
+                        <a:t>2.05M</a:t>
                       </a:r>
+                      <a:endParaRPr b="0" lang="en-US" sz="1800" spc="-1" strike="noStrike">
+                        <a:solidFill>
+                          <a:srgbClr val="000000"/>
+                        </a:solidFill>
+                        <a:latin typeface="Arial"/>
+                      </a:endParaRPr>
                     </a:p>
                   </a:txBody>
                   <a:tcPr anchor="t" marL="36000" marR="36000">
@@ -3620,9 +3824,26 @@
                       <a:noAutofit/>
                     </a:bodyPr>
                     <a:p>
+                      <a:pPr>
+                        <a:lnSpc>
+                          <a:spcPct val="100000"/>
+                        </a:lnSpc>
+                      </a:pPr>
                       <a:r>
-                        <a:t>0.12%</a:t>
+                        <a:rPr b="0" lang="en-US" sz="1800" spc="-1" strike="noStrike">
+                          <a:solidFill>
+                            <a:srgbClr val="000000"/>
+                          </a:solidFill>
+                          <a:latin typeface="Arial"/>
+                        </a:rPr>
+                        <a:t>0.19%</a:t>
                       </a:r>
+                      <a:endParaRPr b="0" lang="en-US" sz="1800" spc="-1" strike="noStrike">
+                        <a:solidFill>
+                          <a:srgbClr val="000000"/>
+                        </a:solidFill>
+                        <a:latin typeface="Arial"/>
+                      </a:endParaRPr>
                     </a:p>
                   </a:txBody>
                   <a:tcPr anchor="t" marL="36000" marR="36000">
@@ -3659,9 +3880,26 @@
                       <a:noAutofit/>
                     </a:bodyPr>
                     <a:p>
+                      <a:pPr>
+                        <a:lnSpc>
+                          <a:spcPct val="100000"/>
+                        </a:lnSpc>
+                      </a:pPr>
                       <a:r>
-                        <a:t>$0.0002</a:t>
+                        <a:rPr b="0" lang="en-US" sz="1800" spc="-1" strike="noStrike">
+                          <a:solidFill>
+                            <a:srgbClr val="000000"/>
+                          </a:solidFill>
+                          <a:latin typeface="Arial"/>
+                        </a:rPr>
+                        <a:t>$0.012</a:t>
                       </a:r>
+                      <a:endParaRPr b="0" lang="en-US" sz="1800" spc="-1" strike="noStrike">
+                        <a:solidFill>
+                          <a:srgbClr val="000000"/>
+                        </a:solidFill>
+                        <a:latin typeface="Arial"/>
+                      </a:endParaRPr>
                     </a:p>
                   </a:txBody>
                   <a:tcPr anchor="t" marL="36000" marR="36000">
@@ -3698,9 +3936,26 @@
                       <a:noAutofit/>
                     </a:bodyPr>
                     <a:p>
+                      <a:pPr>
+                        <a:lnSpc>
+                          <a:spcPct val="100000"/>
+                        </a:lnSpc>
+                      </a:pPr>
                       <a:r>
-                        <a:t>16.61M</a:t>
+                        <a:rPr b="0" lang="en-US" sz="1800" spc="-1" strike="noStrike">
+                          <a:solidFill>
+                            <a:srgbClr val="000000"/>
+                          </a:solidFill>
+                          <a:latin typeface="Arial"/>
+                        </a:rPr>
+                        <a:t>3.0M</a:t>
                       </a:r>
+                      <a:endParaRPr b="0" lang="en-US" sz="1800" spc="-1" strike="noStrike">
+                        <a:solidFill>
+                          <a:srgbClr val="000000"/>
+                        </a:solidFill>
+                        <a:latin typeface="Arial"/>
+                      </a:endParaRPr>
                     </a:p>
                   </a:txBody>
                   <a:tcPr anchor="t" marL="36000" marR="36000">
@@ -3737,9 +3992,26 @@
                       <a:noAutofit/>
                     </a:bodyPr>
                     <a:p>
+                      <a:pPr>
+                        <a:lnSpc>
+                          <a:spcPct val="100000"/>
+                        </a:lnSpc>
+                      </a:pPr>
                       <a:r>
-                        <a:t>0.13</a:t>
+                        <a:rPr b="0" lang="en-US" sz="1800" spc="-1" strike="noStrike">
+                          <a:solidFill>
+                            <a:srgbClr val="000000"/>
+                          </a:solidFill>
+                          <a:latin typeface="Arial"/>
+                        </a:rPr>
+                        <a:t>1.47%</a:t>
                       </a:r>
+                      <a:endParaRPr b="0" lang="en-US" sz="1800" spc="-1" strike="noStrike">
+                        <a:solidFill>
+                          <a:srgbClr val="000000"/>
+                        </a:solidFill>
+                        <a:latin typeface="Arial"/>
+                      </a:endParaRPr>
                     </a:p>
                   </a:txBody>
                   <a:tcPr anchor="t" marL="36000" marR="36000">
@@ -3778,9 +4050,26 @@
                       <a:noAutofit/>
                     </a:bodyPr>
                     <a:p>
+                      <a:pPr>
+                        <a:lnSpc>
+                          <a:spcPct val="100000"/>
+                        </a:lnSpc>
+                      </a:pPr>
                       <a:r>
+                        <a:rPr b="0" lang="en-US" sz="1800" spc="-1" strike="noStrike">
+                          <a:solidFill>
+                            <a:srgbClr val="000000"/>
+                          </a:solidFill>
+                          <a:latin typeface="Arial"/>
+                        </a:rPr>
                         <a:t>2023</a:t>
                       </a:r>
+                      <a:endParaRPr b="0" lang="en-US" sz="1800" spc="-1" strike="noStrike">
+                        <a:solidFill>
+                          <a:srgbClr val="000000"/>
+                        </a:solidFill>
+                        <a:latin typeface="Arial"/>
+                      </a:endParaRPr>
                     </a:p>
                   </a:txBody>
                   <a:tcPr anchor="t" marL="36000" marR="36000">
@@ -3817,9 +4106,26 @@
                       <a:noAutofit/>
                     </a:bodyPr>
                     <a:p>
+                      <a:pPr>
+                        <a:lnSpc>
+                          <a:spcPct val="100000"/>
+                        </a:lnSpc>
+                      </a:pPr>
                       <a:r>
+                        <a:rPr b="0" lang="en-US" sz="1800" spc="-1" strike="noStrike">
+                          <a:solidFill>
+                            <a:srgbClr val="000000"/>
+                          </a:solidFill>
+                          <a:latin typeface="Arial"/>
+                        </a:rPr>
                         <a:t>$25.0k</a:t>
                       </a:r>
+                      <a:endParaRPr b="0" lang="en-US" sz="1800" spc="-1" strike="noStrike">
+                        <a:solidFill>
+                          <a:srgbClr val="000000"/>
+                        </a:solidFill>
+                        <a:latin typeface="Arial"/>
+                      </a:endParaRPr>
                     </a:p>
                   </a:txBody>
                   <a:tcPr anchor="t" marL="36000" marR="36000">
@@ -3856,9 +4162,26 @@
                       <a:noAutofit/>
                     </a:bodyPr>
                     <a:p>
+                      <a:pPr>
+                        <a:lnSpc>
+                          <a:spcPct val="100000"/>
+                        </a:lnSpc>
+                      </a:pPr>
                       <a:r>
-                        <a:t>985.01M</a:t>
+                        <a:rPr b="0" lang="en-US" sz="1800" spc="-1" strike="noStrike">
+                          <a:solidFill>
+                            <a:srgbClr val="000000"/>
+                          </a:solidFill>
+                          <a:latin typeface="Arial"/>
+                        </a:rPr>
+                        <a:t>12.92M</a:t>
                       </a:r>
+                      <a:endParaRPr b="0" lang="en-US" sz="1800" spc="-1" strike="noStrike">
+                        <a:solidFill>
+                          <a:srgbClr val="000000"/>
+                        </a:solidFill>
+                        <a:latin typeface="Arial"/>
+                      </a:endParaRPr>
                     </a:p>
                   </a:txBody>
                   <a:tcPr anchor="t" marL="36000" marR="36000">
@@ -3895,9 +4218,26 @@
                       <a:noAutofit/>
                     </a:bodyPr>
                     <a:p>
+                      <a:pPr>
+                        <a:lnSpc>
+                          <a:spcPct val="100000"/>
+                        </a:lnSpc>
+                      </a:pPr>
                       <a:r>
-                        <a:t>100.78M</a:t>
+                        <a:rPr b="0" lang="en-US" sz="1800" spc="-1" strike="noStrike">
+                          <a:solidFill>
+                            <a:srgbClr val="000000"/>
+                          </a:solidFill>
+                          <a:latin typeface="Arial"/>
+                        </a:rPr>
+                        <a:t>2.35M</a:t>
                       </a:r>
+                      <a:endParaRPr b="0" lang="en-US" sz="1800" spc="-1" strike="noStrike">
+                        <a:solidFill>
+                          <a:srgbClr val="000000"/>
+                        </a:solidFill>
+                        <a:latin typeface="Arial"/>
+                      </a:endParaRPr>
                     </a:p>
                   </a:txBody>
                   <a:tcPr anchor="t" marL="36000" marR="36000">
@@ -3934,9 +4274,26 @@
                       <a:noAutofit/>
                     </a:bodyPr>
                     <a:p>
+                      <a:pPr>
+                        <a:lnSpc>
+                          <a:spcPct val="100000"/>
+                        </a:lnSpc>
+                      </a:pPr>
                       <a:r>
-                        <a:t>0.1%</a:t>
+                        <a:rPr b="0" lang="en-US" sz="1800" spc="-1" strike="noStrike">
+                          <a:solidFill>
+                            <a:srgbClr val="000000"/>
+                          </a:solidFill>
+                          <a:latin typeface="Arial"/>
+                        </a:rPr>
+                        <a:t>0.18%</a:t>
                       </a:r>
+                      <a:endParaRPr b="0" lang="en-US" sz="1800" spc="-1" strike="noStrike">
+                        <a:solidFill>
+                          <a:srgbClr val="000000"/>
+                        </a:solidFill>
+                        <a:latin typeface="Arial"/>
+                      </a:endParaRPr>
                     </a:p>
                   </a:txBody>
                   <a:tcPr anchor="t" marL="36000" marR="36000">
@@ -3973,9 +4330,26 @@
                       <a:noAutofit/>
                     </a:bodyPr>
                     <a:p>
+                      <a:pPr>
+                        <a:lnSpc>
+                          <a:spcPct val="100000"/>
+                        </a:lnSpc>
+                      </a:pPr>
                       <a:r>
-                        <a:t>$0.00025</a:t>
+                        <a:rPr b="0" lang="en-US" sz="1800" spc="-1" strike="noStrike">
+                          <a:solidFill>
+                            <a:srgbClr val="000000"/>
+                          </a:solidFill>
+                          <a:latin typeface="Arial"/>
+                        </a:rPr>
+                        <a:t>$0.011</a:t>
                       </a:r>
+                      <a:endParaRPr b="0" lang="en-US" sz="1800" spc="-1" strike="noStrike">
+                        <a:solidFill>
+                          <a:srgbClr val="000000"/>
+                        </a:solidFill>
+                        <a:latin typeface="Arial"/>
+                      </a:endParaRPr>
                     </a:p>
                   </a:txBody>
                   <a:tcPr anchor="t" marL="36000" marR="36000">
@@ -4012,9 +4386,26 @@
                       <a:noAutofit/>
                     </a:bodyPr>
                     <a:p>
+                      <a:pPr>
+                        <a:lnSpc>
+                          <a:spcPct val="100000"/>
+                        </a:lnSpc>
+                      </a:pPr>
                       <a:r>
-                        <a:t>13.92M</a:t>
+                        <a:rPr b="0" lang="en-US" sz="1800" spc="-1" strike="noStrike">
+                          <a:solidFill>
+                            <a:srgbClr val="000000"/>
+                          </a:solidFill>
+                          <a:latin typeface="Arial"/>
+                        </a:rPr>
+                        <a:t>3.05M</a:t>
                       </a:r>
+                      <a:endParaRPr b="0" lang="en-US" sz="1800" spc="-1" strike="noStrike">
+                        <a:solidFill>
+                          <a:srgbClr val="000000"/>
+                        </a:solidFill>
+                        <a:latin typeface="Arial"/>
+                      </a:endParaRPr>
                     </a:p>
                   </a:txBody>
                   <a:tcPr anchor="t" marL="36000" marR="36000">
@@ -4051,9 +4442,26 @@
                       <a:noAutofit/>
                     </a:bodyPr>
                     <a:p>
+                      <a:pPr>
+                        <a:lnSpc>
+                          <a:spcPct val="100000"/>
+                        </a:lnSpc>
+                      </a:pPr>
                       <a:r>
-                        <a:t>0.14</a:t>
+                        <a:rPr b="0" lang="en-US" sz="1800" spc="-1" strike="noStrike">
+                          <a:solidFill>
+                            <a:srgbClr val="000000"/>
+                          </a:solidFill>
+                          <a:latin typeface="Arial"/>
+                        </a:rPr>
+                        <a:t>1.3%</a:t>
                       </a:r>
+                      <a:endParaRPr b="0" lang="en-US" sz="1800" spc="-1" strike="noStrike">
+                        <a:solidFill>
+                          <a:srgbClr val="000000"/>
+                        </a:solidFill>
+                        <a:latin typeface="Arial"/>
+                      </a:endParaRPr>
                     </a:p>
                   </a:txBody>
                   <a:tcPr anchor="t" marL="36000" marR="36000">
@@ -4092,9 +4500,26 @@
                       <a:noAutofit/>
                     </a:bodyPr>
                     <a:p>
+                      <a:pPr>
+                        <a:lnSpc>
+                          <a:spcPct val="100000"/>
+                        </a:lnSpc>
+                      </a:pPr>
                       <a:r>
+                        <a:rPr b="0" lang="en-US" sz="1800" spc="-1" strike="noStrike">
+                          <a:solidFill>
+                            <a:srgbClr val="000000"/>
+                          </a:solidFill>
+                          <a:latin typeface="Arial"/>
+                        </a:rPr>
                         <a:t>YoY</a:t>
                       </a:r>
+                      <a:endParaRPr b="0" lang="en-US" sz="1800" spc="-1" strike="noStrike">
+                        <a:solidFill>
+                          <a:srgbClr val="000000"/>
+                        </a:solidFill>
+                        <a:latin typeface="Arial"/>
+                      </a:endParaRPr>
                     </a:p>
                   </a:txBody>
                   <a:tcPr anchor="t" marL="36000" marR="36000">
@@ -4131,9 +4556,26 @@
                       <a:noAutofit/>
                     </a:bodyPr>
                     <a:p>
+                      <a:pPr>
+                        <a:lnSpc>
+                          <a:spcPct val="100000"/>
+                        </a:lnSpc>
+                      </a:pPr>
                       <a:r>
+                        <a:rPr b="0" lang="en-US" sz="1800" spc="-1" strike="noStrike">
+                          <a:solidFill>
+                            <a:srgbClr val="000000"/>
+                          </a:solidFill>
+                          <a:latin typeface="Arial"/>
+                        </a:rPr>
                         <a:t>0.0%</a:t>
                       </a:r>
+                      <a:endParaRPr b="0" lang="en-US" sz="1800" spc="-1" strike="noStrike">
+                        <a:solidFill>
+                          <a:srgbClr val="000000"/>
+                        </a:solidFill>
+                        <a:latin typeface="Arial"/>
+                      </a:endParaRPr>
                     </a:p>
                   </a:txBody>
                   <a:tcPr anchor="t" marL="36000" marR="36000">
@@ -4170,9 +4612,26 @@
                       <a:noAutofit/>
                     </a:bodyPr>
                     <a:p>
+                      <a:pPr>
+                        <a:lnSpc>
+                          <a:spcPct val="100000"/>
+                        </a:lnSpc>
+                      </a:pPr>
                       <a:r>
-                        <a:t>4.75%</a:t>
+                        <a:rPr b="0" lang="en-US" sz="1800" spc="-1" strike="noStrike">
+                          <a:solidFill>
+                            <a:srgbClr val="000000"/>
+                          </a:solidFill>
+                          <a:latin typeface="Arial"/>
+                        </a:rPr>
+                        <a:t>-16.08%</a:t>
                       </a:r>
+                      <a:endParaRPr b="0" lang="en-US" sz="1800" spc="-1" strike="noStrike">
+                        <a:solidFill>
+                          <a:srgbClr val="000000"/>
+                        </a:solidFill>
+                        <a:latin typeface="Arial"/>
+                      </a:endParaRPr>
                     </a:p>
                   </a:txBody>
                   <a:tcPr anchor="t" marL="36000" marR="36000">
@@ -4209,9 +4668,26 @@
                       <a:noAutofit/>
                     </a:bodyPr>
                     <a:p>
+                      <a:pPr>
+                        <a:lnSpc>
+                          <a:spcPct val="100000"/>
+                        </a:lnSpc>
+                      </a:pPr>
                       <a:r>
-                        <a:t>26.9%</a:t>
+                        <a:rPr b="0" lang="en-US" sz="1800" spc="-1" strike="noStrike">
+                          <a:solidFill>
+                            <a:srgbClr val="000000"/>
+                          </a:solidFill>
+                          <a:latin typeface="Arial"/>
+                        </a:rPr>
+                        <a:t>-12.84%</a:t>
                       </a:r>
+                      <a:endParaRPr b="0" lang="en-US" sz="1800" spc="-1" strike="noStrike">
+                        <a:solidFill>
+                          <a:srgbClr val="000000"/>
+                        </a:solidFill>
+                        <a:latin typeface="Arial"/>
+                      </a:endParaRPr>
                     </a:p>
                   </a:txBody>
                   <a:tcPr anchor="t" marL="36000" marR="36000">
@@ -4248,9 +4724,26 @@
                       <a:noAutofit/>
                     </a:bodyPr>
                     <a:p>
+                      <a:pPr>
+                        <a:lnSpc>
+                          <a:spcPct val="100000"/>
+                        </a:lnSpc>
+                      </a:pPr>
                       <a:r>
-                        <a:t>21.14%</a:t>
+                        <a:rPr b="0" lang="en-US" sz="1800" spc="-1" strike="noStrike">
+                          <a:solidFill>
+                            <a:srgbClr val="000000"/>
+                          </a:solidFill>
+                          <a:latin typeface="Arial"/>
+                        </a:rPr>
+                        <a:t>3.86%</a:t>
                       </a:r>
+                      <a:endParaRPr b="0" lang="en-US" sz="1800" spc="-1" strike="noStrike">
+                        <a:solidFill>
+                          <a:srgbClr val="000000"/>
+                        </a:solidFill>
+                        <a:latin typeface="Arial"/>
+                      </a:endParaRPr>
                     </a:p>
                   </a:txBody>
                   <a:tcPr anchor="t" marL="36000" marR="36000">
@@ -4287,9 +4780,26 @@
                       <a:noAutofit/>
                     </a:bodyPr>
                     <a:p>
+                      <a:pPr>
+                        <a:lnSpc>
+                          <a:spcPct val="100000"/>
+                        </a:lnSpc>
+                      </a:pPr>
                       <a:r>
-                        <a:t>-21.2%</a:t>
+                        <a:rPr b="0" lang="en-US" sz="1800" spc="-1" strike="noStrike">
+                          <a:solidFill>
+                            <a:srgbClr val="000000"/>
+                          </a:solidFill>
+                          <a:latin typeface="Arial"/>
+                        </a:rPr>
+                        <a:t>14.73%</a:t>
                       </a:r>
+                      <a:endParaRPr b="0" lang="en-US" sz="1800" spc="-1" strike="noStrike">
+                        <a:solidFill>
+                          <a:srgbClr val="000000"/>
+                        </a:solidFill>
+                        <a:latin typeface="Arial"/>
+                      </a:endParaRPr>
                     </a:p>
                   </a:txBody>
                   <a:tcPr anchor="t" marL="36000" marR="36000">
@@ -4326,9 +4836,26 @@
                       <a:noAutofit/>
                     </a:bodyPr>
                     <a:p>
+                      <a:pPr>
+                        <a:lnSpc>
+                          <a:spcPct val="100000"/>
+                        </a:lnSpc>
+                      </a:pPr>
                       <a:r>
-                        <a:t>19.33%</a:t>
+                        <a:rPr b="0" lang="en-US" sz="1800" spc="-1" strike="noStrike">
+                          <a:solidFill>
+                            <a:srgbClr val="000000"/>
+                          </a:solidFill>
+                          <a:latin typeface="Arial"/>
+                        </a:rPr>
+                        <a:t>-1.41%</a:t>
                       </a:r>
+                      <a:endParaRPr b="0" lang="en-US" sz="1800" spc="-1" strike="noStrike">
+                        <a:solidFill>
+                          <a:srgbClr val="000000"/>
+                        </a:solidFill>
+                        <a:latin typeface="Arial"/>
+                      </a:endParaRPr>
                     </a:p>
                   </a:txBody>
                   <a:tcPr anchor="t" marL="36000" marR="36000">
@@ -4365,341 +4892,20 @@
                       <a:noAutofit/>
                     </a:bodyPr>
                     <a:p>
+                      <a:pPr>
+                        <a:lnSpc>
+                          <a:spcPct val="100000"/>
+                        </a:lnSpc>
+                      </a:pPr>
                       <a:r>
-                        <a:t>-5.96%</a:t>
+                        <a:rPr b="0" lang="en-US" sz="1800" spc="-1" strike="noStrike">
+                          <a:solidFill>
+                            <a:srgbClr val="000000"/>
+                          </a:solidFill>
+                          <a:latin typeface="Arial"/>
+                        </a:rPr>
+                        <a:t>13.11%</a:t>
                       </a:r>
-                    </a:p>
-                  </a:txBody>
-                  <a:tcPr anchor="t" marL="36000" marR="36000">
-                    <a:lnL w="7200">
-                      <a:solidFill>
-                        <a:srgbClr val="000000"/>
-                      </a:solidFill>
-                      <a:prstDash val="solid"/>
-                    </a:lnL>
-                    <a:lnR w="7200">
-                      <a:solidFill>
-                        <a:srgbClr val="000000"/>
-                      </a:solidFill>
-                      <a:prstDash val="solid"/>
-                    </a:lnR>
-                    <a:lnT w="7200">
-                      <a:solidFill>
-                        <a:srgbClr val="000000"/>
-                      </a:solidFill>
-                      <a:prstDash val="solid"/>
-                    </a:lnT>
-                    <a:lnB w="7200">
-                      <a:solidFill>
-                        <a:srgbClr val="000000"/>
-                      </a:solidFill>
-                      <a:prstDash val="solid"/>
-                    </a:lnB>
-                    <a:noFill/>
-                  </a:tcPr>
-                </a:tc>
-              </a:tr>
-              <a:tr h="384840">
-                <a:tc>
-                  <a:txBody>
-                    <a:bodyPr lIns="36000" rIns="36000" anchor="t">
-                      <a:noAutofit/>
-                    </a:bodyPr>
-                    <a:p>
-                      <a:endParaRPr b="0" lang="en-US" sz="1800" spc="-1" strike="noStrike">
-                        <a:solidFill>
-                          <a:srgbClr val="000000"/>
-                        </a:solidFill>
-                        <a:latin typeface="Arial"/>
-                      </a:endParaRPr>
-                    </a:p>
-                  </a:txBody>
-                  <a:tcPr anchor="t" marL="36000" marR="36000">
-                    <a:lnL w="7200">
-                      <a:solidFill>
-                        <a:srgbClr val="000000"/>
-                      </a:solidFill>
-                      <a:prstDash val="solid"/>
-                    </a:lnL>
-                    <a:lnR w="7200">
-                      <a:solidFill>
-                        <a:srgbClr val="000000"/>
-                      </a:solidFill>
-                      <a:prstDash val="solid"/>
-                    </a:lnR>
-                    <a:lnT w="7200">
-                      <a:solidFill>
-                        <a:srgbClr val="000000"/>
-                      </a:solidFill>
-                      <a:prstDash val="solid"/>
-                    </a:lnT>
-                    <a:lnB w="7200">
-                      <a:solidFill>
-                        <a:srgbClr val="000000"/>
-                      </a:solidFill>
-                      <a:prstDash val="solid"/>
-                    </a:lnB>
-                    <a:noFill/>
-                  </a:tcPr>
-                </a:tc>
-                <a:tc>
-                  <a:txBody>
-                    <a:bodyPr lIns="36000" rIns="36000" anchor="t">
-                      <a:noAutofit/>
-                    </a:bodyPr>
-                    <a:p>
-                      <a:endParaRPr b="0" lang="en-US" sz="1800" spc="-1" strike="noStrike">
-                        <a:solidFill>
-                          <a:srgbClr val="000000"/>
-                        </a:solidFill>
-                        <a:latin typeface="Arial"/>
-                      </a:endParaRPr>
-                    </a:p>
-                  </a:txBody>
-                  <a:tcPr anchor="t" marL="36000" marR="36000">
-                    <a:lnL w="7200">
-                      <a:solidFill>
-                        <a:srgbClr val="000000"/>
-                      </a:solidFill>
-                      <a:prstDash val="solid"/>
-                    </a:lnL>
-                    <a:lnR w="7200">
-                      <a:solidFill>
-                        <a:srgbClr val="000000"/>
-                      </a:solidFill>
-                      <a:prstDash val="solid"/>
-                    </a:lnR>
-                    <a:lnT w="7200">
-                      <a:solidFill>
-                        <a:srgbClr val="000000"/>
-                      </a:solidFill>
-                      <a:prstDash val="solid"/>
-                    </a:lnT>
-                    <a:lnB w="7200">
-                      <a:solidFill>
-                        <a:srgbClr val="000000"/>
-                      </a:solidFill>
-                      <a:prstDash val="solid"/>
-                    </a:lnB>
-                    <a:noFill/>
-                  </a:tcPr>
-                </a:tc>
-                <a:tc>
-                  <a:txBody>
-                    <a:bodyPr lIns="36000" rIns="36000" anchor="t">
-                      <a:noAutofit/>
-                    </a:bodyPr>
-                    <a:p>
-                      <a:endParaRPr b="0" lang="en-US" sz="1800" spc="-1" strike="noStrike">
-                        <a:solidFill>
-                          <a:srgbClr val="000000"/>
-                        </a:solidFill>
-                        <a:latin typeface="Arial"/>
-                      </a:endParaRPr>
-                    </a:p>
-                  </a:txBody>
-                  <a:tcPr anchor="t" marL="36000" marR="36000">
-                    <a:lnL w="7200">
-                      <a:solidFill>
-                        <a:srgbClr val="000000"/>
-                      </a:solidFill>
-                      <a:prstDash val="solid"/>
-                    </a:lnL>
-                    <a:lnR w="7200">
-                      <a:solidFill>
-                        <a:srgbClr val="000000"/>
-                      </a:solidFill>
-                      <a:prstDash val="solid"/>
-                    </a:lnR>
-                    <a:lnT w="7200">
-                      <a:solidFill>
-                        <a:srgbClr val="000000"/>
-                      </a:solidFill>
-                      <a:prstDash val="solid"/>
-                    </a:lnT>
-                    <a:lnB w="7200">
-                      <a:solidFill>
-                        <a:srgbClr val="000000"/>
-                      </a:solidFill>
-                      <a:prstDash val="solid"/>
-                    </a:lnB>
-                    <a:noFill/>
-                  </a:tcPr>
-                </a:tc>
-                <a:tc>
-                  <a:txBody>
-                    <a:bodyPr lIns="36000" rIns="36000" anchor="t">
-                      <a:noAutofit/>
-                    </a:bodyPr>
-                    <a:p>
-                      <a:endParaRPr b="0" lang="en-US" sz="1800" spc="-1" strike="noStrike">
-                        <a:solidFill>
-                          <a:srgbClr val="000000"/>
-                        </a:solidFill>
-                        <a:latin typeface="Arial"/>
-                      </a:endParaRPr>
-                    </a:p>
-                  </a:txBody>
-                  <a:tcPr anchor="t" marL="36000" marR="36000">
-                    <a:lnL w="7200">
-                      <a:solidFill>
-                        <a:srgbClr val="000000"/>
-                      </a:solidFill>
-                      <a:prstDash val="solid"/>
-                    </a:lnL>
-                    <a:lnR w="7200">
-                      <a:solidFill>
-                        <a:srgbClr val="000000"/>
-                      </a:solidFill>
-                      <a:prstDash val="solid"/>
-                    </a:lnR>
-                    <a:lnT w="7200">
-                      <a:solidFill>
-                        <a:srgbClr val="000000"/>
-                      </a:solidFill>
-                      <a:prstDash val="solid"/>
-                    </a:lnT>
-                    <a:lnB w="7200">
-                      <a:solidFill>
-                        <a:srgbClr val="000000"/>
-                      </a:solidFill>
-                      <a:prstDash val="solid"/>
-                    </a:lnB>
-                    <a:noFill/>
-                  </a:tcPr>
-                </a:tc>
-                <a:tc>
-                  <a:txBody>
-                    <a:bodyPr lIns="36000" rIns="36000" anchor="t">
-                      <a:noAutofit/>
-                    </a:bodyPr>
-                    <a:p>
-                      <a:endParaRPr b="0" lang="en-US" sz="1800" spc="-1" strike="noStrike">
-                        <a:solidFill>
-                          <a:srgbClr val="000000"/>
-                        </a:solidFill>
-                        <a:latin typeface="Arial"/>
-                      </a:endParaRPr>
-                    </a:p>
-                  </a:txBody>
-                  <a:tcPr anchor="t" marL="36000" marR="36000">
-                    <a:lnL w="7200">
-                      <a:solidFill>
-                        <a:srgbClr val="000000"/>
-                      </a:solidFill>
-                      <a:prstDash val="solid"/>
-                    </a:lnL>
-                    <a:lnR w="7200">
-                      <a:solidFill>
-                        <a:srgbClr val="000000"/>
-                      </a:solidFill>
-                      <a:prstDash val="solid"/>
-                    </a:lnR>
-                    <a:lnT w="7200">
-                      <a:solidFill>
-                        <a:srgbClr val="000000"/>
-                      </a:solidFill>
-                      <a:prstDash val="solid"/>
-                    </a:lnT>
-                    <a:lnB w="7200">
-                      <a:solidFill>
-                        <a:srgbClr val="000000"/>
-                      </a:solidFill>
-                      <a:prstDash val="solid"/>
-                    </a:lnB>
-                    <a:noFill/>
-                  </a:tcPr>
-                </a:tc>
-                <a:tc>
-                  <a:txBody>
-                    <a:bodyPr lIns="36000" rIns="36000" anchor="t">
-                      <a:noAutofit/>
-                    </a:bodyPr>
-                    <a:p>
-                      <a:endParaRPr b="0" lang="en-US" sz="1800" spc="-1" strike="noStrike">
-                        <a:solidFill>
-                          <a:srgbClr val="000000"/>
-                        </a:solidFill>
-                        <a:latin typeface="Arial"/>
-                      </a:endParaRPr>
-                    </a:p>
-                  </a:txBody>
-                  <a:tcPr anchor="t" marL="36000" marR="36000">
-                    <a:lnL w="7200">
-                      <a:solidFill>
-                        <a:srgbClr val="000000"/>
-                      </a:solidFill>
-                      <a:prstDash val="solid"/>
-                    </a:lnL>
-                    <a:lnR w="7200">
-                      <a:solidFill>
-                        <a:srgbClr val="000000"/>
-                      </a:solidFill>
-                      <a:prstDash val="solid"/>
-                    </a:lnR>
-                    <a:lnT w="7200">
-                      <a:solidFill>
-                        <a:srgbClr val="000000"/>
-                      </a:solidFill>
-                      <a:prstDash val="solid"/>
-                    </a:lnT>
-                    <a:lnB w="7200">
-                      <a:solidFill>
-                        <a:srgbClr val="000000"/>
-                      </a:solidFill>
-                      <a:prstDash val="solid"/>
-                    </a:lnB>
-                    <a:noFill/>
-                  </a:tcPr>
-                </a:tc>
-                <a:tc>
-                  <a:txBody>
-                    <a:bodyPr lIns="36000" rIns="36000" anchor="t">
-                      <a:noAutofit/>
-                    </a:bodyPr>
-                    <a:p>
-                      <a:endParaRPr b="0" lang="en-US" sz="1800" spc="-1" strike="noStrike">
-                        <a:solidFill>
-                          <a:srgbClr val="000000"/>
-                        </a:solidFill>
-                        <a:latin typeface="Arial"/>
-                      </a:endParaRPr>
-                    </a:p>
-                  </a:txBody>
-                  <a:tcPr anchor="t" marL="36000" marR="36000">
-                    <a:lnL w="7200">
-                      <a:solidFill>
-                        <a:srgbClr val="000000"/>
-                      </a:solidFill>
-                      <a:prstDash val="solid"/>
-                    </a:lnL>
-                    <a:lnR w="7200">
-                      <a:solidFill>
-                        <a:srgbClr val="000000"/>
-                      </a:solidFill>
-                      <a:prstDash val="solid"/>
-                    </a:lnR>
-                    <a:lnT w="7200">
-                      <a:solidFill>
-                        <a:srgbClr val="000000"/>
-                      </a:solidFill>
-                      <a:prstDash val="solid"/>
-                    </a:lnT>
-                    <a:lnB w="7200">
-                      <a:solidFill>
-                        <a:srgbClr val="000000"/>
-                      </a:solidFill>
-                      <a:prstDash val="solid"/>
-                    </a:lnB>
-                    <a:noFill/>
-                  </a:tcPr>
-                </a:tc>
-                <a:tc>
-                  <a:txBody>
-                    <a:bodyPr lIns="36000" rIns="36000" anchor="t">
-                      <a:noAutofit/>
-                    </a:bodyPr>
-                    <a:p>
                       <a:endParaRPr b="0" lang="en-US" sz="1800" spc="-1" strike="noStrike">
                         <a:solidFill>
                           <a:srgbClr val="000000"/>
@@ -4749,8 +4955,8 @@
         </p:nvSpPr>
         <p:spPr>
           <a:xfrm>
-            <a:off x="457200" y="2971800"/>
-            <a:ext cx="8914320" cy="1370520"/>
+            <a:off x="459000" y="3886200"/>
+            <a:ext cx="8913600" cy="1369800"/>
           </a:xfrm>
           <a:prstGeom prst="rect">
             <a:avLst/>
@@ -4777,16 +4983,160 @@
               </a:lnSpc>
             </a:pPr>
             <a:r>
-              <a:rPr b="0" lang="en-US" sz="2200" spc="-1" strike="noStrike">
+              <a:rPr b="0" lang="en-US" sz="1800" spc="-1" strike="noStrike">
                 <a:solidFill>
                   <a:srgbClr val="000000"/>
                 </a:solidFill>
-                <a:latin typeface="Source Sans Pro"/>
+                <a:latin typeface="Arial"/>
                 <a:ea typeface="DejaVu Sans"/>
               </a:rPr>
-              <a:t>Search Performance Breakdown</a:t>
+              <a:t>* QoQ, spend increased by 61.29%, impressions rose by 1683.06%, and clicks grew by 12.36%. However, conversion rate decreased by -55.83%.</a:t>
             </a:r>
-            <a:endParaRPr b="0" lang="en-US" sz="2200" spc="-1" strike="noStrike">
+            <a:endParaRPr b="0" lang="en-US" sz="1800" spc="-1" strike="noStrike">
+              <a:solidFill>
+                <a:srgbClr val="000000"/>
+              </a:solidFill>
+              <a:latin typeface="Arial"/>
+            </a:endParaRPr>
+          </a:p>
+          <a:p>
+            <a:pPr>
+              <a:lnSpc>
+                <a:spcPct val="100000"/>
+              </a:lnSpc>
+            </a:pPr>
+            <a:r>
+              <a:rPr b="0" lang="en-US" sz="1800" spc="-1" strike="noStrike">
+                <a:solidFill>
+                  <a:srgbClr val="000000"/>
+                </a:solidFill>
+                <a:latin typeface="Arial"/>
+                <a:ea typeface="DejaVu Sans"/>
+              </a:rPr>
+              <a:t>* Yoy, there was no change in spend (0%), but conversions dropped by -1.41% and CPA increased by 14.73%.</a:t>
+            </a:r>
+            <a:endParaRPr b="0" lang="en-US" sz="1800" spc="-1" strike="noStrike">
+              <a:solidFill>
+                <a:srgbClr val="000000"/>
+              </a:solidFill>
+              <a:latin typeface="Arial"/>
+            </a:endParaRPr>
+          </a:p>
+          <a:p>
+            <a:pPr>
+              <a:lnSpc>
+                <a:spcPct val="100000"/>
+              </a:lnSpc>
+            </a:pPr>
+            <a:endParaRPr b="0" lang="en-US" sz="1800" spc="-1" strike="noStrike">
+              <a:solidFill>
+                <a:srgbClr val="000000"/>
+              </a:solidFill>
+              <a:latin typeface="Arial"/>
+            </a:endParaRPr>
+          </a:p>
+          <a:p>
+            <a:pPr>
+              <a:lnSpc>
+                <a:spcPct val="100000"/>
+              </a:lnSpc>
+            </a:pPr>
+            <a:r>
+              <a:rPr b="0" lang="en-US" sz="1800" spc="-1" strike="noStrike">
+                <a:solidFill>
+                  <a:srgbClr val="000000"/>
+                </a:solidFill>
+                <a:latin typeface="Arial"/>
+                <a:ea typeface="DejaVu Sans"/>
+              </a:rPr>
+              <a:t>Recommendations:</a:t>
+            </a:r>
+            <a:endParaRPr b="0" lang="en-US" sz="1800" spc="-1" strike="noStrike">
+              <a:solidFill>
+                <a:srgbClr val="000000"/>
+              </a:solidFill>
+              <a:latin typeface="Arial"/>
+            </a:endParaRPr>
+          </a:p>
+          <a:p>
+            <a:pPr>
+              <a:lnSpc>
+                <a:spcPct val="100000"/>
+              </a:lnSpc>
+            </a:pPr>
+            <a:endParaRPr b="0" lang="en-US" sz="1800" spc="-1" strike="noStrike">
+              <a:solidFill>
+                <a:srgbClr val="000000"/>
+              </a:solidFill>
+              <a:latin typeface="Arial"/>
+            </a:endParaRPr>
+          </a:p>
+          <a:p>
+            <a:pPr>
+              <a:lnSpc>
+                <a:spcPct val="100000"/>
+              </a:lnSpc>
+            </a:pPr>
+            <a:r>
+              <a:rPr b="0" lang="en-US" sz="1800" spc="-1" strike="noStrike">
+                <a:solidFill>
+                  <a:srgbClr val="000000"/>
+                </a:solidFill>
+                <a:latin typeface="Arial"/>
+                <a:ea typeface="DejaVu Sans"/>
+              </a:rPr>
+              <a:t>* Focus on optimizing campaigns to improve conversion rates.</a:t>
+            </a:r>
+            <a:endParaRPr b="0" lang="en-US" sz="1800" spc="-1" strike="noStrike">
+              <a:solidFill>
+                <a:srgbClr val="000000"/>
+              </a:solidFill>
+              <a:latin typeface="Arial"/>
+            </a:endParaRPr>
+          </a:p>
+          <a:p>
+            <a:pPr>
+              <a:lnSpc>
+                <a:spcPct val="100000"/>
+              </a:lnSpc>
+            </a:pPr>
+            <a:r>
+              <a:rPr b="0" lang="en-US" sz="1800" spc="-1" strike="noStrike">
+                <a:solidFill>
+                  <a:srgbClr val="000000"/>
+                </a:solidFill>
+                <a:latin typeface="Arial"/>
+                <a:ea typeface="DejaVu Sans"/>
+              </a:rPr>
+              <a:t>* Monitor spend growth and adjust targeting or ad creative as needed.</a:t>
+            </a:r>
+            <a:endParaRPr b="0" lang="en-US" sz="1800" spc="-1" strike="noStrike">
+              <a:solidFill>
+                <a:srgbClr val="000000"/>
+              </a:solidFill>
+              <a:latin typeface="Arial"/>
+            </a:endParaRPr>
+          </a:p>
+          <a:p>
+            <a:pPr>
+              <a:lnSpc>
+                <a:spcPct val="100000"/>
+              </a:lnSpc>
+            </a:pPr>
+            <a:endParaRPr b="0" lang="en-US" sz="1800" spc="-1" strike="noStrike">
+              <a:solidFill>
+                <a:srgbClr val="000000"/>
+              </a:solidFill>
+              <a:latin typeface="Arial"/>
+            </a:endParaRPr>
+          </a:p>
+          <a:p>
+            <a:pPr>
+              <a:lnSpc>
+                <a:spcPct val="100000"/>
+              </a:lnSpc>
+            </a:pPr>
+            <a:endParaRPr b="0" lang="en-US" sz="1800" spc="-1" strike="noStrike">
               <a:solidFill>
                 <a:srgbClr val="000000"/>
               </a:solidFill>
@@ -4838,7 +5188,7 @@
         <p:spPr>
           <a:xfrm>
             <a:off x="502920" y="630720"/>
-            <a:ext cx="9070560" cy="4387680"/>
+            <a:ext cx="9069840" cy="4386960"/>
           </a:xfrm>
           <a:prstGeom prst="rect">
             <a:avLst/>
